--- a/cs-seminar/算法与数据结构/树/树.pptx
+++ b/cs-seminar/算法与数据结构/树/树.pptx
@@ -5,19 +5,22 @@
     <p:sldMasterId id="2147483648" r:id="rId1"/>
   </p:sldMasterIdLst>
   <p:notesMasterIdLst>
-    <p:notesMasterId r:id="rId12"/>
+    <p:notesMasterId r:id="rId15"/>
   </p:notesMasterIdLst>
   <p:sldIdLst>
     <p:sldId id="256" r:id="rId2"/>
     <p:sldId id="260" r:id="rId3"/>
     <p:sldId id="262" r:id="rId4"/>
     <p:sldId id="258" r:id="rId5"/>
-    <p:sldId id="257" r:id="rId6"/>
-    <p:sldId id="261" r:id="rId7"/>
+    <p:sldId id="266" r:id="rId6"/>
+    <p:sldId id="257" r:id="rId7"/>
     <p:sldId id="259" r:id="rId8"/>
     <p:sldId id="265" r:id="rId9"/>
     <p:sldId id="263" r:id="rId10"/>
-    <p:sldId id="264" r:id="rId11"/>
+    <p:sldId id="268" r:id="rId11"/>
+    <p:sldId id="261" r:id="rId12"/>
+    <p:sldId id="267" r:id="rId13"/>
+    <p:sldId id="269" r:id="rId14"/>
   </p:sldIdLst>
   <p:sldSz cx="12192000" cy="6858000"/>
   <p:notesSz cx="6858000" cy="9144000"/>
@@ -3574,9 +3577,10 @@
           <a:lstStyle/>
           <a:p>
             <a:r>
-              <a:rPr lang="zh-CN" altLang="en-US" dirty="0"/>
-              <a:t>示意图</a:t>
-            </a:r>
+              <a:rPr lang="zh-CN" altLang="en-US" dirty="0" smtClean="0"/>
+              <a:t>下次预告</a:t>
+            </a:r>
+            <a:endParaRPr lang="zh-CN" altLang="en-US" dirty="0"/>
           </a:p>
         </p:txBody>
       </p:sp>
@@ -3595,7 +3599,25 @@
           <a:bodyPr/>
           <a:lstStyle/>
           <a:p>
-            <a:endParaRPr lang="zh-CN" altLang="en-US"/>
+            <a:r>
+              <a:rPr lang="zh-CN" altLang="en-US" dirty="0" smtClean="0"/>
+              <a:t>后序遍历的单栈实现、莫里斯</a:t>
+            </a:r>
+            <a:endParaRPr lang="en-US" altLang="zh-CN" dirty="0" smtClean="0"/>
+          </a:p>
+          <a:p>
+            <a:r>
+              <a:rPr lang="zh-CN" altLang="en-US" dirty="0" smtClean="0"/>
+              <a:t>前序的莫里斯</a:t>
+            </a:r>
+            <a:endParaRPr lang="en-US" altLang="zh-CN" dirty="0" smtClean="0"/>
+          </a:p>
+          <a:p>
+            <a:r>
+              <a:rPr lang="zh-CN" altLang="en-US" dirty="0" smtClean="0"/>
+              <a:t>中序的栈实现</a:t>
+            </a:r>
+            <a:endParaRPr lang="zh-CN" altLang="en-US" dirty="0"/>
           </a:p>
         </p:txBody>
       </p:sp>
@@ -3626,7 +3648,332 @@
     </p:spTree>
     <p:extLst>
       <p:ext uri="{BB962C8B-B14F-4D97-AF65-F5344CB8AC3E}">
-        <p14:creationId xmlns:p14="http://schemas.microsoft.com/office/powerpoint/2010/main" val="247502257"/>
+        <p14:creationId xmlns:p14="http://schemas.microsoft.com/office/powerpoint/2010/main" val="537687445"/>
+      </p:ext>
+    </p:extLst>
+  </p:cSld>
+  <p:clrMapOvr>
+    <a:masterClrMapping/>
+  </p:clrMapOvr>
+  <p:timing>
+    <p:tnLst>
+      <p:par>
+        <p:cTn id="1" dur="indefinite" restart="never" nodeType="tmRoot"/>
+      </p:par>
+    </p:tnLst>
+  </p:timing>
+</p:sld>
+</file>
+
+<file path=ppt/slides/slide11.xml><?xml version="1.0" encoding="utf-8"?>
+<p:sld xmlns:a="http://schemas.openxmlformats.org/drawingml/2006/main" xmlns:r="http://schemas.openxmlformats.org/officeDocument/2006/relationships" xmlns:p="http://schemas.openxmlformats.org/presentationml/2006/main">
+  <p:cSld>
+    <p:spTree>
+      <p:nvGrpSpPr>
+        <p:cNvPr id="1" name=""/>
+        <p:cNvGrpSpPr/>
+        <p:nvPr/>
+      </p:nvGrpSpPr>
+      <p:grpSpPr>
+        <a:xfrm>
+          <a:off x="0" y="0"/>
+          <a:ext cx="0" cy="0"/>
+          <a:chOff x="0" y="0"/>
+          <a:chExt cx="0" cy="0"/>
+        </a:xfrm>
+      </p:grpSpPr>
+      <p:sp>
+        <p:nvSpPr>
+          <p:cNvPr id="2" name="标题 1"/>
+          <p:cNvSpPr>
+            <a:spLocks noGrp="1"/>
+          </p:cNvSpPr>
+          <p:nvPr>
+            <p:ph type="title"/>
+          </p:nvPr>
+        </p:nvSpPr>
+        <p:spPr/>
+        <p:txBody>
+          <a:bodyPr/>
+          <a:lstStyle/>
+          <a:p>
+            <a:r>
+              <a:rPr lang="zh-CN" altLang="en-US" dirty="0" smtClean="0"/>
+              <a:t>深搜 </a:t>
+            </a:r>
+            <a:r>
+              <a:rPr lang="en-US" altLang="zh-CN" dirty="0" smtClean="0"/>
+              <a:t>vs </a:t>
+            </a:r>
+            <a:r>
+              <a:rPr lang="zh-CN" altLang="en-US" dirty="0" smtClean="0"/>
+              <a:t>广搜</a:t>
+            </a:r>
+            <a:endParaRPr lang="zh-CN" altLang="en-US" dirty="0"/>
+          </a:p>
+        </p:txBody>
+      </p:sp>
+      <p:sp>
+        <p:nvSpPr>
+          <p:cNvPr id="3" name="内容占位符 2"/>
+          <p:cNvSpPr>
+            <a:spLocks noGrp="1"/>
+          </p:cNvSpPr>
+          <p:nvPr>
+            <p:ph idx="1"/>
+          </p:nvPr>
+        </p:nvSpPr>
+        <p:spPr/>
+        <p:txBody>
+          <a:bodyPr/>
+          <a:lstStyle/>
+          <a:p>
+            <a:endParaRPr lang="zh-CN" altLang="en-US" dirty="0"/>
+          </a:p>
+        </p:txBody>
+      </p:sp>
+      <p:sp>
+        <p:nvSpPr>
+          <p:cNvPr id="4" name="灯片编号占位符 3"/>
+          <p:cNvSpPr>
+            <a:spLocks noGrp="1"/>
+          </p:cNvSpPr>
+          <p:nvPr>
+            <p:ph type="sldNum" sz="quarter" idx="12"/>
+          </p:nvPr>
+        </p:nvSpPr>
+        <p:spPr/>
+        <p:txBody>
+          <a:bodyPr/>
+          <a:lstStyle/>
+          <a:p>
+            <a:fld id="{928BA987-2BB0-46E7-BF50-A8B14E692858}" type="slidenum">
+              <a:rPr lang="zh-CN" altLang="en-US" smtClean="0"/>
+              <a:pPr/>
+              <a:t>11</a:t>
+            </a:fld>
+            <a:endParaRPr lang="zh-CN" altLang="en-US"/>
+          </a:p>
+        </p:txBody>
+      </p:sp>
+    </p:spTree>
+    <p:extLst>
+      <p:ext uri="{BB962C8B-B14F-4D97-AF65-F5344CB8AC3E}">
+        <p14:creationId xmlns:p14="http://schemas.microsoft.com/office/powerpoint/2010/main" val="2693354895"/>
+      </p:ext>
+    </p:extLst>
+  </p:cSld>
+  <p:clrMapOvr>
+    <a:masterClrMapping/>
+  </p:clrMapOvr>
+  <mc:AlternateContent xmlns:mc="http://schemas.openxmlformats.org/markup-compatibility/2006" xmlns:p14="http://schemas.microsoft.com/office/powerpoint/2010/main">
+    <mc:Choice Requires="p14">
+      <p:transition spd="slow" p14:dur="2000"/>
+    </mc:Choice>
+    <mc:Fallback xmlns="">
+      <p:transition spd="slow"/>
+    </mc:Fallback>
+  </mc:AlternateContent>
+  <p:timing>
+    <p:tnLst>
+      <p:par>
+        <p:cTn id="1" dur="indefinite" restart="never" nodeType="tmRoot"/>
+      </p:par>
+    </p:tnLst>
+  </p:timing>
+</p:sld>
+</file>
+
+<file path=ppt/slides/slide12.xml><?xml version="1.0" encoding="utf-8"?>
+<p:sld xmlns:a="http://schemas.openxmlformats.org/drawingml/2006/main" xmlns:r="http://schemas.openxmlformats.org/officeDocument/2006/relationships" xmlns:p="http://schemas.openxmlformats.org/presentationml/2006/main">
+  <p:cSld>
+    <p:spTree>
+      <p:nvGrpSpPr>
+        <p:cNvPr id="1" name=""/>
+        <p:cNvGrpSpPr/>
+        <p:nvPr/>
+      </p:nvGrpSpPr>
+      <p:grpSpPr>
+        <a:xfrm>
+          <a:off x="0" y="0"/>
+          <a:ext cx="0" cy="0"/>
+          <a:chOff x="0" y="0"/>
+          <a:chExt cx="0" cy="0"/>
+        </a:xfrm>
+      </p:grpSpPr>
+      <p:sp>
+        <p:nvSpPr>
+          <p:cNvPr id="2" name="标题 1"/>
+          <p:cNvSpPr>
+            <a:spLocks noGrp="1"/>
+          </p:cNvSpPr>
+          <p:nvPr>
+            <p:ph type="title"/>
+          </p:nvPr>
+        </p:nvSpPr>
+        <p:spPr/>
+        <p:txBody>
+          <a:bodyPr/>
+          <a:lstStyle/>
+          <a:p>
+            <a:r>
+              <a:rPr lang="zh-CN" altLang="en-US" dirty="0" smtClean="0"/>
+              <a:t>层次遍历</a:t>
+            </a:r>
+            <a:endParaRPr lang="zh-CN" altLang="en-US" dirty="0"/>
+          </a:p>
+        </p:txBody>
+      </p:sp>
+      <p:sp>
+        <p:nvSpPr>
+          <p:cNvPr id="3" name="内容占位符 2"/>
+          <p:cNvSpPr>
+            <a:spLocks noGrp="1"/>
+          </p:cNvSpPr>
+          <p:nvPr>
+            <p:ph idx="1"/>
+          </p:nvPr>
+        </p:nvSpPr>
+        <p:spPr/>
+        <p:txBody>
+          <a:bodyPr/>
+          <a:lstStyle/>
+          <a:p>
+            <a:endParaRPr lang="zh-CN" altLang="en-US"/>
+          </a:p>
+        </p:txBody>
+      </p:sp>
+      <p:sp>
+        <p:nvSpPr>
+          <p:cNvPr id="4" name="灯片编号占位符 3"/>
+          <p:cNvSpPr>
+            <a:spLocks noGrp="1"/>
+          </p:cNvSpPr>
+          <p:nvPr>
+            <p:ph type="sldNum" sz="quarter" idx="12"/>
+          </p:nvPr>
+        </p:nvSpPr>
+        <p:spPr/>
+        <p:txBody>
+          <a:bodyPr/>
+          <a:lstStyle/>
+          <a:p>
+            <a:fld id="{928BA987-2BB0-46E7-BF50-A8B14E692858}" type="slidenum">
+              <a:rPr lang="zh-CN" altLang="en-US" smtClean="0"/>
+              <a:pPr/>
+              <a:t>12</a:t>
+            </a:fld>
+            <a:endParaRPr lang="zh-CN" altLang="en-US"/>
+          </a:p>
+        </p:txBody>
+      </p:sp>
+    </p:spTree>
+    <p:extLst>
+      <p:ext uri="{BB962C8B-B14F-4D97-AF65-F5344CB8AC3E}">
+        <p14:creationId xmlns:p14="http://schemas.microsoft.com/office/powerpoint/2010/main" val="2741416123"/>
+      </p:ext>
+    </p:extLst>
+  </p:cSld>
+  <p:clrMapOvr>
+    <a:masterClrMapping/>
+  </p:clrMapOvr>
+  <p:timing>
+    <p:tnLst>
+      <p:par>
+        <p:cTn id="1" dur="indefinite" restart="never" nodeType="tmRoot"/>
+      </p:par>
+    </p:tnLst>
+  </p:timing>
+</p:sld>
+</file>
+
+<file path=ppt/slides/slide13.xml><?xml version="1.0" encoding="utf-8"?>
+<p:sld xmlns:a="http://schemas.openxmlformats.org/drawingml/2006/main" xmlns:r="http://schemas.openxmlformats.org/officeDocument/2006/relationships" xmlns:p="http://schemas.openxmlformats.org/presentationml/2006/main">
+  <p:cSld>
+    <p:spTree>
+      <p:nvGrpSpPr>
+        <p:cNvPr id="1" name=""/>
+        <p:cNvGrpSpPr/>
+        <p:nvPr/>
+      </p:nvGrpSpPr>
+      <p:grpSpPr>
+        <a:xfrm>
+          <a:off x="0" y="0"/>
+          <a:ext cx="0" cy="0"/>
+          <a:chOff x="0" y="0"/>
+          <a:chExt cx="0" cy="0"/>
+        </a:xfrm>
+      </p:grpSpPr>
+      <p:sp>
+        <p:nvSpPr>
+          <p:cNvPr id="2" name="标题 1"/>
+          <p:cNvSpPr>
+            <a:spLocks noGrp="1"/>
+          </p:cNvSpPr>
+          <p:nvPr>
+            <p:ph type="title"/>
+          </p:nvPr>
+        </p:nvSpPr>
+        <p:spPr/>
+        <p:txBody>
+          <a:bodyPr/>
+          <a:lstStyle/>
+          <a:p>
+            <a:r>
+              <a:rPr lang="zh-CN" altLang="en-US" dirty="0" smtClean="0"/>
+              <a:t>例题选讲</a:t>
+            </a:r>
+            <a:endParaRPr lang="zh-CN" altLang="en-US" dirty="0"/>
+          </a:p>
+        </p:txBody>
+      </p:sp>
+      <p:sp>
+        <p:nvSpPr>
+          <p:cNvPr id="3" name="内容占位符 2"/>
+          <p:cNvSpPr>
+            <a:spLocks noGrp="1"/>
+          </p:cNvSpPr>
+          <p:nvPr>
+            <p:ph idx="1"/>
+          </p:nvPr>
+        </p:nvSpPr>
+        <p:spPr/>
+        <p:txBody>
+          <a:bodyPr/>
+          <a:lstStyle/>
+          <a:p>
+            <a:endParaRPr lang="zh-CN" altLang="en-US"/>
+          </a:p>
+        </p:txBody>
+      </p:sp>
+      <p:sp>
+        <p:nvSpPr>
+          <p:cNvPr id="4" name="灯片编号占位符 3"/>
+          <p:cNvSpPr>
+            <a:spLocks noGrp="1"/>
+          </p:cNvSpPr>
+          <p:nvPr>
+            <p:ph type="sldNum" sz="quarter" idx="12"/>
+          </p:nvPr>
+        </p:nvSpPr>
+        <p:spPr/>
+        <p:txBody>
+          <a:bodyPr/>
+          <a:lstStyle/>
+          <a:p>
+            <a:fld id="{928BA987-2BB0-46E7-BF50-A8B14E692858}" type="slidenum">
+              <a:rPr lang="zh-CN" altLang="en-US" smtClean="0"/>
+              <a:pPr/>
+              <a:t>13</a:t>
+            </a:fld>
+            <a:endParaRPr lang="zh-CN" altLang="en-US"/>
+          </a:p>
+        </p:txBody>
+      </p:sp>
+    </p:spTree>
+    <p:extLst>
+      <p:ext uri="{BB962C8B-B14F-4D97-AF65-F5344CB8AC3E}">
+        <p14:creationId xmlns:p14="http://schemas.microsoft.com/office/powerpoint/2010/main" val="2895210508"/>
       </p:ext>
     </p:extLst>
   </p:cSld>
@@ -3688,7 +4035,7 @@
         </p:nvSpPr>
         <p:spPr>
           <a:xfrm>
-            <a:off x="444500" y="1739899"/>
+            <a:off x="444500" y="1371599"/>
             <a:ext cx="11176000" cy="5118101"/>
           </a:xfrm>
         </p:spPr>
@@ -3700,7 +4047,7 @@
           <a:p>
             <a:r>
               <a:rPr lang="zh-CN" altLang="en-US" dirty="0" smtClean="0"/>
-              <a:t>教材：看教材也就图一乐，真学技术还得多刷题</a:t>
+              <a:t>教材：看教材也就图一乐，真要学技术还得多刷题</a:t>
             </a:r>
             <a:endParaRPr lang="en-US" altLang="zh-CN" dirty="0" smtClean="0"/>
           </a:p>
@@ -3827,7 +4174,7 @@
           <a:p>
             <a:r>
               <a:rPr lang="zh-CN" altLang="en-US" dirty="0" smtClean="0"/>
-              <a:t>题库：以面试和工作为目的，各大反人类</a:t>
+              <a:t>题库：以面试和工作为目的，某些知名反人类</a:t>
             </a:r>
             <a:r>
               <a:rPr lang="en-US" altLang="zh-CN" dirty="0" smtClean="0"/>
@@ -3835,7 +4182,7 @@
             </a:r>
             <a:r>
               <a:rPr lang="zh-CN" altLang="en-US" dirty="0" smtClean="0"/>
-              <a:t>就不用了</a:t>
+              <a:t>就别用了</a:t>
             </a:r>
             <a:endParaRPr lang="en-US" altLang="zh-CN" dirty="0" smtClean="0"/>
           </a:p>
@@ -3847,7 +4194,7 @@
             </a:r>
             <a:r>
               <a:rPr lang="zh-CN" altLang="en-US" dirty="0" smtClean="0"/>
-              <a:t>：比较全，题解也很多</a:t>
+              <a:t>：比较全，题解和讨论也很多</a:t>
             </a:r>
             <a:endParaRPr lang="en-US" altLang="zh-CN" dirty="0" smtClean="0"/>
           </a:p>
@@ -3922,6 +4269,14 @@
             <a:r>
               <a:rPr lang="en-US" altLang="zh-CN" dirty="0" err="1" smtClean="0"/>
               <a:t>Visualgo</a:t>
+            </a:r>
+            <a:r>
+              <a:rPr lang="zh-CN" altLang="en-US" dirty="0" smtClean="0"/>
+              <a:t>，</a:t>
+            </a:r>
+            <a:r>
+              <a:rPr lang="en-US" altLang="zh-CN" dirty="0" err="1" smtClean="0"/>
+              <a:t>TutorialsPoint</a:t>
             </a:r>
             <a:r>
               <a:rPr lang="zh-CN" altLang="en-US" dirty="0" smtClean="0"/>
@@ -4452,6 +4807,36 @@
           <a:chExt cx="0" cy="0"/>
         </a:xfrm>
       </p:grpSpPr>
+      <p:pic>
+        <p:nvPicPr>
+          <p:cNvPr id="5" name="图片 4"/>
+          <p:cNvPicPr>
+            <a:picLocks noChangeAspect="1"/>
+          </p:cNvPicPr>
+          <p:nvPr/>
+        </p:nvPicPr>
+        <p:blipFill>
+          <a:blip r:embed="rId2">
+            <a:extLst>
+              <a:ext uri="{28A0092B-C50C-407E-A947-70E740481C1C}">
+                <a14:useLocalDpi xmlns:a14="http://schemas.microsoft.com/office/drawing/2010/main" val="0"/>
+              </a:ext>
+            </a:extLst>
+          </a:blip>
+          <a:stretch>
+            <a:fillRect/>
+          </a:stretch>
+        </p:blipFill>
+        <p:spPr>
+          <a:xfrm>
+            <a:off x="4786705" y="1692708"/>
+            <a:ext cx="7157068" cy="4186885"/>
+          </a:xfrm>
+          <a:prstGeom prst="rect">
+            <a:avLst/>
+          </a:prstGeom>
+        </p:spPr>
+      </p:pic>
       <p:sp>
         <p:nvSpPr>
           <p:cNvPr id="2" name="标题 1"/>
@@ -4469,17 +4854,91 @@
           <a:p>
             <a:r>
               <a:rPr lang="zh-CN" altLang="en-US" dirty="0" smtClean="0"/>
-              <a:t>递归 </a:t>
-            </a:r>
-            <a:r>
-              <a:rPr lang="en-US" altLang="zh-CN" dirty="0" smtClean="0"/>
-              <a:t>vs </a:t>
-            </a:r>
-            <a:r>
-              <a:rPr lang="zh-CN" altLang="en-US" dirty="0" smtClean="0"/>
-              <a:t>迭代</a:t>
+              <a:t>树的常用术语</a:t>
             </a:r>
             <a:endParaRPr lang="zh-CN" altLang="en-US" dirty="0"/>
+          </a:p>
+        </p:txBody>
+      </p:sp>
+      <p:sp>
+        <p:nvSpPr>
+          <p:cNvPr id="3" name="内容占位符 2"/>
+          <p:cNvSpPr>
+            <a:spLocks noGrp="1"/>
+          </p:cNvSpPr>
+          <p:nvPr>
+            <p:ph idx="1"/>
+          </p:nvPr>
+        </p:nvSpPr>
+        <p:spPr>
+          <a:xfrm>
+            <a:off x="546100" y="1401763"/>
+            <a:ext cx="7327900" cy="3017837"/>
+          </a:xfrm>
+        </p:spPr>
+        <p:txBody>
+          <a:bodyPr>
+            <a:noAutofit/>
+          </a:bodyPr>
+          <a:lstStyle/>
+          <a:p>
+            <a:r>
+              <a:rPr lang="en-US" altLang="zh-CN" sz="2000" dirty="0" smtClean="0"/>
+              <a:t>Node, Root, Child, Leaf, Internal node, </a:t>
+            </a:r>
+          </a:p>
+          <a:p>
+            <a:r>
+              <a:rPr lang="en-US" altLang="zh-CN" sz="2000" dirty="0"/>
+              <a:t>Sub Tree, </a:t>
+            </a:r>
+            <a:r>
+              <a:rPr lang="en-US" altLang="zh-CN" sz="2000" dirty="0" smtClean="0"/>
+              <a:t>Edge</a:t>
+            </a:r>
+            <a:r>
+              <a:rPr lang="en-US" altLang="zh-CN" sz="2000" dirty="0"/>
+              <a:t>, </a:t>
+            </a:r>
+            <a:r>
+              <a:rPr lang="en-US" altLang="zh-CN" sz="2000" dirty="0" smtClean="0"/>
+              <a:t>Path</a:t>
+            </a:r>
+            <a:endParaRPr lang="en-US" altLang="zh-CN" sz="2000" dirty="0"/>
+          </a:p>
+          <a:p>
+            <a:r>
+              <a:rPr lang="en-US" altLang="zh-CN" sz="2000" dirty="0" smtClean="0"/>
+              <a:t>Depth, Level, Height, Breadth, Key(Value)</a:t>
+            </a:r>
+          </a:p>
+          <a:p>
+            <a:r>
+              <a:rPr lang="en-US" altLang="zh-CN" sz="2000" dirty="0" smtClean="0"/>
+              <a:t>Binary Tree, Binary </a:t>
+            </a:r>
+            <a:r>
+              <a:rPr lang="en-US" altLang="zh-CN" sz="2000" dirty="0"/>
+              <a:t>Search </a:t>
+            </a:r>
+            <a:r>
+              <a:rPr lang="en-US" altLang="zh-CN" sz="2000" dirty="0" smtClean="0"/>
+              <a:t>Tree</a:t>
+            </a:r>
+          </a:p>
+          <a:p>
+            <a:r>
+              <a:rPr lang="en-US" altLang="zh-CN" sz="2000" dirty="0" smtClean="0"/>
+              <a:t>Visit</a:t>
+            </a:r>
+            <a:r>
+              <a:rPr lang="en-US" altLang="zh-CN" sz="2000" dirty="0"/>
+              <a:t>, </a:t>
+            </a:r>
+            <a:r>
+              <a:rPr lang="en-US" altLang="zh-CN" sz="2000" dirty="0" smtClean="0"/>
+              <a:t>Traversal, Insert, Search, Remove</a:t>
+            </a:r>
           </a:p>
         </p:txBody>
       </p:sp>
@@ -4507,150 +4966,10 @@
           </a:p>
         </p:txBody>
       </p:sp>
-      <p:sp>
-        <p:nvSpPr>
-          <p:cNvPr id="12" name="内容占位符 11"/>
-          <p:cNvSpPr>
-            <a:spLocks noGrp="1"/>
-          </p:cNvSpPr>
-          <p:nvPr>
-            <p:ph idx="1"/>
-          </p:nvPr>
-        </p:nvSpPr>
-        <p:spPr>
-          <a:xfrm>
-            <a:off x="444500" y="1739900"/>
-            <a:ext cx="11176000" cy="4932363"/>
-          </a:xfrm>
-        </p:spPr>
-        <p:txBody>
-          <a:bodyPr>
-            <a:normAutofit/>
-          </a:bodyPr>
-          <a:lstStyle/>
-          <a:p>
-            <a:r>
-              <a:rPr lang="zh-CN" altLang="en-US" dirty="0" smtClean="0"/>
-              <a:t>运行效率：</a:t>
-            </a:r>
-            <a:r>
-              <a:rPr lang="zh-CN" altLang="en-US" dirty="0" smtClean="0">
-                <a:solidFill>
-                  <a:srgbClr val="00B0F0"/>
-                </a:solidFill>
-              </a:rPr>
-              <a:t>迭代</a:t>
-            </a:r>
-            <a:r>
-              <a:rPr lang="zh-CN" altLang="en-US" dirty="0" smtClean="0"/>
-              <a:t>优于递归</a:t>
-            </a:r>
-            <a:endParaRPr lang="en-US" altLang="zh-CN" dirty="0" smtClean="0"/>
-          </a:p>
-          <a:p>
-            <a:pPr lvl="1"/>
-            <a:r>
-              <a:rPr lang="zh-CN" altLang="en-US" dirty="0" smtClean="0"/>
-              <a:t>递归需要多次调用函数并管理调用栈，时间和空间开销都比较大，还可能爆栈</a:t>
-            </a:r>
-            <a:endParaRPr lang="en-US" altLang="zh-CN" dirty="0" smtClean="0"/>
-          </a:p>
-          <a:p>
-            <a:pPr lvl="1"/>
-            <a:r>
-              <a:rPr lang="zh-CN" altLang="en-US" dirty="0" smtClean="0"/>
-              <a:t>迭代通常由编写者手动实现，通常更快</a:t>
-            </a:r>
-            <a:endParaRPr lang="en-US" altLang="zh-CN" dirty="0" smtClean="0"/>
-          </a:p>
-          <a:p>
-            <a:r>
-              <a:rPr lang="zh-CN" altLang="en-US" dirty="0" smtClean="0"/>
-              <a:t>实现难度：</a:t>
-            </a:r>
-            <a:r>
-              <a:rPr lang="zh-CN" altLang="en-US" dirty="0" smtClean="0">
-                <a:solidFill>
-                  <a:srgbClr val="00B0F0"/>
-                </a:solidFill>
-              </a:rPr>
-              <a:t>递归</a:t>
-            </a:r>
-            <a:r>
-              <a:rPr lang="zh-CN" altLang="en-US" dirty="0" smtClean="0"/>
-              <a:t>优于迭代</a:t>
-            </a:r>
-            <a:endParaRPr lang="en-US" altLang="zh-CN" dirty="0" smtClean="0"/>
-          </a:p>
-          <a:p>
-            <a:pPr lvl="1"/>
-            <a:r>
-              <a:rPr lang="zh-CN" altLang="en-US" dirty="0" smtClean="0"/>
-              <a:t>只要理清逻辑，递归通常比迭代简洁很多</a:t>
-            </a:r>
-            <a:endParaRPr lang="en-US" altLang="zh-CN" dirty="0" smtClean="0"/>
-          </a:p>
-          <a:p>
-            <a:pPr lvl="1"/>
-            <a:r>
-              <a:rPr lang="zh-CN" altLang="en-US" dirty="0" smtClean="0"/>
-              <a:t>迭代需要自己维护栈和中间变量，并且有许多判断条件和边界情况</a:t>
-            </a:r>
-            <a:endParaRPr lang="en-US" altLang="zh-CN" dirty="0" smtClean="0"/>
-          </a:p>
-          <a:p>
-            <a:r>
-              <a:rPr lang="zh-CN" altLang="en-US" dirty="0" smtClean="0"/>
-              <a:t>实用情况：</a:t>
-            </a:r>
-            <a:endParaRPr lang="en-US" altLang="zh-CN" dirty="0" smtClean="0"/>
-          </a:p>
-          <a:p>
-            <a:pPr lvl="1"/>
-            <a:r>
-              <a:rPr lang="zh-CN" altLang="en-US" dirty="0" smtClean="0"/>
-              <a:t>在测试数据量级较小时，刷题推荐递归，能秒</a:t>
-            </a:r>
-            <a:r>
-              <a:rPr lang="en-US" altLang="zh-CN" dirty="0" smtClean="0"/>
-              <a:t>70%</a:t>
-            </a:r>
-            <a:r>
-              <a:rPr lang="zh-CN" altLang="en-US" dirty="0" smtClean="0"/>
-              <a:t>的题</a:t>
-            </a:r>
-            <a:endParaRPr lang="en-US" altLang="zh-CN" dirty="0" smtClean="0"/>
-          </a:p>
-          <a:p>
-            <a:pPr lvl="1"/>
-            <a:r>
-              <a:rPr lang="zh-CN" altLang="en-US" dirty="0" smtClean="0"/>
-              <a:t>面试时更喜欢在递归基础上加问迭代实现</a:t>
-            </a:r>
-            <a:endParaRPr lang="en-US" altLang="zh-CN" dirty="0" smtClean="0"/>
-          </a:p>
-          <a:p>
-            <a:pPr lvl="2"/>
-            <a:r>
-              <a:rPr lang="zh-CN" altLang="en-US" strike="sngStrike" dirty="0" smtClean="0"/>
-              <a:t>因为递归太简单了，区分不出应试者的水平</a:t>
-            </a:r>
-            <a:endParaRPr lang="en-US" altLang="zh-CN" strike="sngStrike" dirty="0" smtClean="0"/>
-          </a:p>
-          <a:p>
-            <a:pPr lvl="2"/>
-            <a:r>
-              <a:rPr lang="zh-CN" altLang="en-US" dirty="0" smtClean="0"/>
-              <a:t>可以考察应试者的数据结构基础和逻辑思维能力</a:t>
-            </a:r>
-            <a:endParaRPr lang="zh-CN" altLang="en-US" dirty="0"/>
-          </a:p>
-        </p:txBody>
-      </p:sp>
     </p:spTree>
     <p:extLst>
       <p:ext uri="{BB962C8B-B14F-4D97-AF65-F5344CB8AC3E}">
-        <p14:creationId xmlns:p14="http://schemas.microsoft.com/office/powerpoint/2010/main" val="739863387"/>
+        <p14:creationId xmlns:p14="http://schemas.microsoft.com/office/powerpoint/2010/main" val="3610236304"/>
       </p:ext>
     </p:extLst>
   </p:cSld>
@@ -4701,7 +5020,7 @@
           <a:p>
             <a:r>
               <a:rPr lang="zh-CN" altLang="en-US" dirty="0" smtClean="0"/>
-              <a:t>深搜 </a:t>
+              <a:t>递归 </a:t>
             </a:r>
             <a:r>
               <a:rPr lang="en-US" altLang="zh-CN" dirty="0" smtClean="0"/>
@@ -4709,27 +5028,8 @@
             </a:r>
             <a:r>
               <a:rPr lang="zh-CN" altLang="en-US" dirty="0" smtClean="0"/>
-              <a:t>广搜</a:t>
-            </a:r>
-            <a:endParaRPr lang="zh-CN" altLang="en-US" dirty="0"/>
-          </a:p>
-        </p:txBody>
-      </p:sp>
-      <p:sp>
-        <p:nvSpPr>
-          <p:cNvPr id="3" name="内容占位符 2"/>
-          <p:cNvSpPr>
-            <a:spLocks noGrp="1"/>
-          </p:cNvSpPr>
-          <p:nvPr>
-            <p:ph idx="1"/>
-          </p:nvPr>
-        </p:nvSpPr>
-        <p:spPr/>
-        <p:txBody>
-          <a:bodyPr/>
-          <a:lstStyle/>
-          <a:p>
+              <a:t>迭代</a:t>
+            </a:r>
             <a:endParaRPr lang="zh-CN" altLang="en-US" dirty="0"/>
           </a:p>
         </p:txBody>
@@ -4758,10 +5058,150 @@
           </a:p>
         </p:txBody>
       </p:sp>
+      <p:sp>
+        <p:nvSpPr>
+          <p:cNvPr id="12" name="内容占位符 11"/>
+          <p:cNvSpPr>
+            <a:spLocks noGrp="1"/>
+          </p:cNvSpPr>
+          <p:nvPr>
+            <p:ph idx="1"/>
+          </p:nvPr>
+        </p:nvSpPr>
+        <p:spPr>
+          <a:xfrm>
+            <a:off x="444500" y="1739900"/>
+            <a:ext cx="11176000" cy="4932363"/>
+          </a:xfrm>
+        </p:spPr>
+        <p:txBody>
+          <a:bodyPr>
+            <a:normAutofit/>
+          </a:bodyPr>
+          <a:lstStyle/>
+          <a:p>
+            <a:r>
+              <a:rPr lang="zh-CN" altLang="en-US" dirty="0" smtClean="0"/>
+              <a:t>运行效率：</a:t>
+            </a:r>
+            <a:r>
+              <a:rPr lang="zh-CN" altLang="en-US" dirty="0" smtClean="0">
+                <a:solidFill>
+                  <a:srgbClr val="00B0F0"/>
+                </a:solidFill>
+              </a:rPr>
+              <a:t>迭代</a:t>
+            </a:r>
+            <a:r>
+              <a:rPr lang="zh-CN" altLang="en-US" dirty="0" smtClean="0"/>
+              <a:t>优于递归</a:t>
+            </a:r>
+            <a:endParaRPr lang="en-US" altLang="zh-CN" dirty="0" smtClean="0"/>
+          </a:p>
+          <a:p>
+            <a:pPr lvl="1"/>
+            <a:r>
+              <a:rPr lang="zh-CN" altLang="en-US" dirty="0" smtClean="0"/>
+              <a:t>递归需要多次调用函数并管理调用栈，时间和空间开销都比较大，还可能爆栈</a:t>
+            </a:r>
+            <a:endParaRPr lang="en-US" altLang="zh-CN" dirty="0" smtClean="0"/>
+          </a:p>
+          <a:p>
+            <a:pPr lvl="1"/>
+            <a:r>
+              <a:rPr lang="zh-CN" altLang="en-US" dirty="0" smtClean="0"/>
+              <a:t>迭代通常由编写者手动实现，通常更快</a:t>
+            </a:r>
+            <a:endParaRPr lang="en-US" altLang="zh-CN" dirty="0" smtClean="0"/>
+          </a:p>
+          <a:p>
+            <a:r>
+              <a:rPr lang="zh-CN" altLang="en-US" dirty="0" smtClean="0"/>
+              <a:t>实现难度：</a:t>
+            </a:r>
+            <a:r>
+              <a:rPr lang="zh-CN" altLang="en-US" dirty="0" smtClean="0">
+                <a:solidFill>
+                  <a:srgbClr val="00B0F0"/>
+                </a:solidFill>
+              </a:rPr>
+              <a:t>递归</a:t>
+            </a:r>
+            <a:r>
+              <a:rPr lang="zh-CN" altLang="en-US" dirty="0" smtClean="0"/>
+              <a:t>优于迭代</a:t>
+            </a:r>
+            <a:endParaRPr lang="en-US" altLang="zh-CN" dirty="0" smtClean="0"/>
+          </a:p>
+          <a:p>
+            <a:pPr lvl="1"/>
+            <a:r>
+              <a:rPr lang="zh-CN" altLang="en-US" dirty="0" smtClean="0"/>
+              <a:t>只要理清逻辑，递归通常比迭代简洁很多</a:t>
+            </a:r>
+            <a:endParaRPr lang="en-US" altLang="zh-CN" dirty="0" smtClean="0"/>
+          </a:p>
+          <a:p>
+            <a:pPr lvl="1"/>
+            <a:r>
+              <a:rPr lang="zh-CN" altLang="en-US" dirty="0" smtClean="0"/>
+              <a:t>迭代需要自己维护栈和中间变量，并且有许多判断条件和边界情况</a:t>
+            </a:r>
+            <a:endParaRPr lang="en-US" altLang="zh-CN" dirty="0" smtClean="0"/>
+          </a:p>
+          <a:p>
+            <a:r>
+              <a:rPr lang="zh-CN" altLang="en-US" dirty="0" smtClean="0"/>
+              <a:t>实用情况：</a:t>
+            </a:r>
+            <a:endParaRPr lang="en-US" altLang="zh-CN" dirty="0" smtClean="0"/>
+          </a:p>
+          <a:p>
+            <a:pPr lvl="1"/>
+            <a:r>
+              <a:rPr lang="zh-CN" altLang="en-US" dirty="0" smtClean="0"/>
+              <a:t>在测试数据量级较小时，刷题推荐递归，能秒</a:t>
+            </a:r>
+            <a:r>
+              <a:rPr lang="en-US" altLang="zh-CN" dirty="0" smtClean="0"/>
+              <a:t>70%</a:t>
+            </a:r>
+            <a:r>
+              <a:rPr lang="zh-CN" altLang="en-US" dirty="0" smtClean="0"/>
+              <a:t>的题</a:t>
+            </a:r>
+            <a:endParaRPr lang="en-US" altLang="zh-CN" dirty="0" smtClean="0"/>
+          </a:p>
+          <a:p>
+            <a:pPr lvl="1"/>
+            <a:r>
+              <a:rPr lang="zh-CN" altLang="en-US" dirty="0" smtClean="0"/>
+              <a:t>面试时更喜欢在递归基础上加问迭代实现</a:t>
+            </a:r>
+            <a:endParaRPr lang="en-US" altLang="zh-CN" dirty="0" smtClean="0"/>
+          </a:p>
+          <a:p>
+            <a:pPr lvl="2"/>
+            <a:r>
+              <a:rPr lang="zh-CN" altLang="en-US" strike="sngStrike" dirty="0" smtClean="0"/>
+              <a:t>因为递归太简单了，区分不出应试者的水平</a:t>
+            </a:r>
+            <a:endParaRPr lang="en-US" altLang="zh-CN" strike="sngStrike" dirty="0" smtClean="0"/>
+          </a:p>
+          <a:p>
+            <a:pPr lvl="2"/>
+            <a:r>
+              <a:rPr lang="zh-CN" altLang="en-US" dirty="0" smtClean="0"/>
+              <a:t>可以考察应试者的数据结构基础和逻辑思维能力</a:t>
+            </a:r>
+            <a:endParaRPr lang="zh-CN" altLang="en-US" dirty="0"/>
+          </a:p>
+        </p:txBody>
+      </p:sp>
     </p:spTree>
     <p:extLst>
       <p:ext uri="{BB962C8B-B14F-4D97-AF65-F5344CB8AC3E}">
-        <p14:creationId xmlns:p14="http://schemas.microsoft.com/office/powerpoint/2010/main" val="2693354895"/>
+        <p14:creationId xmlns:p14="http://schemas.microsoft.com/office/powerpoint/2010/main" val="739863387"/>
       </p:ext>
     </p:extLst>
   </p:cSld>
@@ -4828,7 +5268,12 @@
             <p:ph idx="1"/>
           </p:nvPr>
         </p:nvSpPr>
-        <p:spPr/>
+        <p:spPr>
+          <a:xfrm>
+            <a:off x="444500" y="1739900"/>
+            <a:ext cx="8262772" cy="4351338"/>
+          </a:xfrm>
+        </p:spPr>
         <p:txBody>
           <a:bodyPr/>
           <a:lstStyle/>
@@ -5128,6 +5573,13 @@
   <p:clrMapOvr>
     <a:masterClrMapping/>
   </p:clrMapOvr>
+  <p:timing>
+    <p:tnLst>
+      <p:par>
+        <p:cTn id="1" dur="indefinite" restart="never" nodeType="tmRoot"/>
+      </p:par>
+    </p:tnLst>
+  </p:timing>
 </p:sld>
 </file>
 
@@ -5195,689 +5647,534 @@
           </a:p>
         </p:txBody>
       </p:sp>
-      <p:grpSp>
-        <p:nvGrpSpPr>
-          <p:cNvPr id="54" name="组合 53"/>
-          <p:cNvGrpSpPr/>
+      <p:sp>
+        <p:nvSpPr>
+          <p:cNvPr id="5" name="椭圆 4"/>
+          <p:cNvSpPr/>
           <p:nvPr/>
-        </p:nvGrpSpPr>
-        <p:grpSpPr>
+        </p:nvSpPr>
+        <p:spPr>
           <a:xfrm>
-            <a:off x="1553983" y="1579688"/>
-            <a:ext cx="2927407" cy="3208366"/>
-            <a:chOff x="1304601" y="1715949"/>
-            <a:chExt cx="2927407" cy="3208366"/>
+            <a:off x="3792860" y="1490663"/>
+            <a:ext cx="614149" cy="578768"/>
           </a:xfrm>
-        </p:grpSpPr>
-        <p:sp>
-          <p:nvSpPr>
-            <p:cNvPr id="5" name="椭圆 4"/>
-            <p:cNvSpPr/>
-            <p:nvPr/>
-          </p:nvSpPr>
-          <p:spPr>
-            <a:xfrm>
-              <a:off x="2812473" y="1715949"/>
-              <a:ext cx="614149" cy="578768"/>
-            </a:xfrm>
-            <a:prstGeom prst="ellipse">
-              <a:avLst/>
-            </a:prstGeom>
-            <a:noFill/>
-            <a:ln w="22225">
-              <a:solidFill>
-                <a:schemeClr val="tx1"/>
-              </a:solidFill>
-            </a:ln>
-          </p:spPr>
-          <p:style>
-            <a:lnRef idx="2">
-              <a:schemeClr val="accent1">
-                <a:shade val="50000"/>
-              </a:schemeClr>
-            </a:lnRef>
-            <a:fillRef idx="1">
-              <a:schemeClr val="accent1"/>
-            </a:fillRef>
-            <a:effectRef idx="0">
-              <a:schemeClr val="accent1"/>
-            </a:effectRef>
-            <a:fontRef idx="minor">
-              <a:schemeClr val="lt1"/>
-            </a:fontRef>
-          </p:style>
-          <p:txBody>
-            <a:bodyPr rtlCol="0" anchor="ctr"/>
-            <a:lstStyle/>
-            <a:p>
-              <a:pPr algn="ctr"/>
-              <a:r>
-                <a:rPr lang="en-US" altLang="zh-CN" sz="2000" b="1" dirty="0" smtClean="0">
-                  <a:solidFill>
-                    <a:schemeClr val="tx1"/>
-                  </a:solidFill>
-                  <a:latin typeface="Times New Roman" panose="02020603050405020304" pitchFamily="18" charset="0"/>
-                  <a:cs typeface="Times New Roman" panose="02020603050405020304" pitchFamily="18" charset="0"/>
-                </a:rPr>
-                <a:t>1</a:t>
-              </a:r>
-              <a:endParaRPr lang="zh-CN" altLang="en-US" sz="2000" b="1" dirty="0">
+          <a:prstGeom prst="ellipse">
+            <a:avLst/>
+          </a:prstGeom>
+          <a:noFill/>
+          <a:ln w="22225">
+            <a:solidFill>
+              <a:schemeClr val="tx1"/>
+            </a:solidFill>
+          </a:ln>
+        </p:spPr>
+        <p:style>
+          <a:lnRef idx="2">
+            <a:schemeClr val="accent1">
+              <a:shade val="50000"/>
+            </a:schemeClr>
+          </a:lnRef>
+          <a:fillRef idx="1">
+            <a:schemeClr val="accent1"/>
+          </a:fillRef>
+          <a:effectRef idx="0">
+            <a:schemeClr val="accent1"/>
+          </a:effectRef>
+          <a:fontRef idx="minor">
+            <a:schemeClr val="lt1"/>
+          </a:fontRef>
+        </p:style>
+        <p:txBody>
+          <a:bodyPr rtlCol="0" anchor="ctr"/>
+          <a:lstStyle/>
+          <a:p>
+            <a:pPr algn="ctr"/>
+            <a:r>
+              <a:rPr lang="en-US" altLang="zh-CN" sz="2000" b="1" dirty="0" smtClean="0">
                 <a:solidFill>
                   <a:schemeClr val="tx1"/>
                 </a:solidFill>
                 <a:latin typeface="Times New Roman" panose="02020603050405020304" pitchFamily="18" charset="0"/>
                 <a:cs typeface="Times New Roman" panose="02020603050405020304" pitchFamily="18" charset="0"/>
-              </a:endParaRPr>
-            </a:p>
-          </p:txBody>
-        </p:sp>
-        <p:sp>
-          <p:nvSpPr>
-            <p:cNvPr id="9" name="椭圆 8"/>
-            <p:cNvSpPr/>
-            <p:nvPr/>
-          </p:nvSpPr>
-          <p:spPr>
-            <a:xfrm>
-              <a:off x="2085005" y="2544257"/>
-              <a:ext cx="614149" cy="578768"/>
-            </a:xfrm>
-            <a:prstGeom prst="ellipse">
-              <a:avLst/>
-            </a:prstGeom>
-            <a:noFill/>
-            <a:ln w="22225">
+              </a:rPr>
+              <a:t>1</a:t>
+            </a:r>
+            <a:endParaRPr lang="zh-CN" altLang="en-US" sz="2000" b="1" dirty="0">
               <a:solidFill>
                 <a:schemeClr val="tx1"/>
               </a:solidFill>
-            </a:ln>
-          </p:spPr>
-          <p:style>
-            <a:lnRef idx="2">
-              <a:schemeClr val="accent1">
-                <a:shade val="50000"/>
-              </a:schemeClr>
-            </a:lnRef>
-            <a:fillRef idx="1">
-              <a:schemeClr val="accent1"/>
-            </a:fillRef>
-            <a:effectRef idx="0">
-              <a:schemeClr val="accent1"/>
-            </a:effectRef>
-            <a:fontRef idx="minor">
-              <a:schemeClr val="lt1"/>
-            </a:fontRef>
-          </p:style>
-          <p:txBody>
-            <a:bodyPr rtlCol="0" anchor="ctr"/>
-            <a:lstStyle/>
-            <a:p>
-              <a:pPr algn="ctr"/>
-              <a:r>
-                <a:rPr lang="en-US" altLang="zh-CN" b="1" dirty="0" smtClean="0">
-                  <a:solidFill>
-                    <a:schemeClr val="tx1"/>
-                  </a:solidFill>
-                  <a:latin typeface="Times New Roman" panose="02020603050405020304" pitchFamily="18" charset="0"/>
-                  <a:cs typeface="Times New Roman" panose="02020603050405020304" pitchFamily="18" charset="0"/>
-                </a:rPr>
-                <a:t>2</a:t>
-              </a:r>
-              <a:endParaRPr lang="zh-CN" altLang="en-US" b="1" dirty="0">
+              <a:latin typeface="Times New Roman" panose="02020603050405020304" pitchFamily="18" charset="0"/>
+              <a:cs typeface="Times New Roman" panose="02020603050405020304" pitchFamily="18" charset="0"/>
+            </a:endParaRPr>
+          </a:p>
+        </p:txBody>
+      </p:sp>
+      <p:sp>
+        <p:nvSpPr>
+          <p:cNvPr id="9" name="椭圆 8"/>
+          <p:cNvSpPr/>
+          <p:nvPr/>
+        </p:nvSpPr>
+        <p:spPr>
+          <a:xfrm>
+            <a:off x="2334387" y="2407996"/>
+            <a:ext cx="614149" cy="578768"/>
+          </a:xfrm>
+          <a:prstGeom prst="ellipse">
+            <a:avLst/>
+          </a:prstGeom>
+          <a:noFill/>
+          <a:ln w="22225">
+            <a:solidFill>
+              <a:schemeClr val="tx1"/>
+            </a:solidFill>
+          </a:ln>
+        </p:spPr>
+        <p:style>
+          <a:lnRef idx="2">
+            <a:schemeClr val="accent1">
+              <a:shade val="50000"/>
+            </a:schemeClr>
+          </a:lnRef>
+          <a:fillRef idx="1">
+            <a:schemeClr val="accent1"/>
+          </a:fillRef>
+          <a:effectRef idx="0">
+            <a:schemeClr val="accent1"/>
+          </a:effectRef>
+          <a:fontRef idx="minor">
+            <a:schemeClr val="lt1"/>
+          </a:fontRef>
+        </p:style>
+        <p:txBody>
+          <a:bodyPr rtlCol="0" anchor="ctr"/>
+          <a:lstStyle/>
+          <a:p>
+            <a:pPr algn="ctr"/>
+            <a:r>
+              <a:rPr lang="en-US" altLang="zh-CN" b="1" dirty="0" smtClean="0">
                 <a:solidFill>
                   <a:schemeClr val="tx1"/>
                 </a:solidFill>
                 <a:latin typeface="Times New Roman" panose="02020603050405020304" pitchFamily="18" charset="0"/>
                 <a:cs typeface="Times New Roman" panose="02020603050405020304" pitchFamily="18" charset="0"/>
-              </a:endParaRPr>
-            </a:p>
-          </p:txBody>
-        </p:sp>
-        <p:sp>
-          <p:nvSpPr>
-            <p:cNvPr id="10" name="椭圆 9"/>
-            <p:cNvSpPr/>
-            <p:nvPr/>
-          </p:nvSpPr>
-          <p:spPr>
-            <a:xfrm>
-              <a:off x="3617859" y="2544257"/>
-              <a:ext cx="614149" cy="578768"/>
-            </a:xfrm>
-            <a:prstGeom prst="ellipse">
-              <a:avLst/>
-            </a:prstGeom>
-            <a:noFill/>
-            <a:ln w="22225">
+              </a:rPr>
+              <a:t>2</a:t>
+            </a:r>
+            <a:endParaRPr lang="zh-CN" altLang="en-US" b="1" dirty="0">
               <a:solidFill>
                 <a:schemeClr val="tx1"/>
               </a:solidFill>
-            </a:ln>
-          </p:spPr>
-          <p:style>
-            <a:lnRef idx="2">
-              <a:schemeClr val="accent1">
-                <a:shade val="50000"/>
-              </a:schemeClr>
-            </a:lnRef>
-            <a:fillRef idx="1">
-              <a:schemeClr val="accent1"/>
-            </a:fillRef>
-            <a:effectRef idx="0">
-              <a:schemeClr val="accent1"/>
-            </a:effectRef>
-            <a:fontRef idx="minor">
-              <a:schemeClr val="lt1"/>
-            </a:fontRef>
-          </p:style>
-          <p:txBody>
-            <a:bodyPr rtlCol="0" anchor="ctr"/>
-            <a:lstStyle/>
-            <a:p>
-              <a:pPr algn="ctr"/>
-              <a:r>
-                <a:rPr lang="en-US" altLang="zh-CN" b="1" dirty="0" smtClean="0">
-                  <a:solidFill>
-                    <a:schemeClr val="tx1"/>
-                  </a:solidFill>
-                  <a:latin typeface="Times New Roman" panose="02020603050405020304" pitchFamily="18" charset="0"/>
-                  <a:cs typeface="Times New Roman" panose="02020603050405020304" pitchFamily="18" charset="0"/>
-                </a:rPr>
-                <a:t>3</a:t>
-              </a:r>
-              <a:endParaRPr lang="zh-CN" altLang="en-US" b="1" dirty="0">
+              <a:latin typeface="Times New Roman" panose="02020603050405020304" pitchFamily="18" charset="0"/>
+              <a:cs typeface="Times New Roman" panose="02020603050405020304" pitchFamily="18" charset="0"/>
+            </a:endParaRPr>
+          </a:p>
+        </p:txBody>
+      </p:sp>
+      <p:sp>
+        <p:nvSpPr>
+          <p:cNvPr id="10" name="椭圆 9"/>
+          <p:cNvSpPr/>
+          <p:nvPr/>
+        </p:nvSpPr>
+        <p:spPr>
+          <a:xfrm>
+            <a:off x="5312767" y="2340057"/>
+            <a:ext cx="614149" cy="578768"/>
+          </a:xfrm>
+          <a:prstGeom prst="ellipse">
+            <a:avLst/>
+          </a:prstGeom>
+          <a:noFill/>
+          <a:ln w="22225">
+            <a:solidFill>
+              <a:schemeClr val="tx1"/>
+            </a:solidFill>
+          </a:ln>
+        </p:spPr>
+        <p:style>
+          <a:lnRef idx="2">
+            <a:schemeClr val="accent1">
+              <a:shade val="50000"/>
+            </a:schemeClr>
+          </a:lnRef>
+          <a:fillRef idx="1">
+            <a:schemeClr val="accent1"/>
+          </a:fillRef>
+          <a:effectRef idx="0">
+            <a:schemeClr val="accent1"/>
+          </a:effectRef>
+          <a:fontRef idx="minor">
+            <a:schemeClr val="lt1"/>
+          </a:fontRef>
+        </p:style>
+        <p:txBody>
+          <a:bodyPr rtlCol="0" anchor="ctr"/>
+          <a:lstStyle/>
+          <a:p>
+            <a:pPr algn="ctr"/>
+            <a:r>
+              <a:rPr lang="en-US" altLang="zh-CN" b="1" dirty="0" smtClean="0">
                 <a:solidFill>
                   <a:schemeClr val="tx1"/>
                 </a:solidFill>
                 <a:latin typeface="Times New Roman" panose="02020603050405020304" pitchFamily="18" charset="0"/>
                 <a:cs typeface="Times New Roman" panose="02020603050405020304" pitchFamily="18" charset="0"/>
-              </a:endParaRPr>
-            </a:p>
-          </p:txBody>
-        </p:sp>
-        <p:sp>
-          <p:nvSpPr>
-            <p:cNvPr id="11" name="椭圆 10"/>
-            <p:cNvSpPr/>
-            <p:nvPr/>
-          </p:nvSpPr>
-          <p:spPr>
-            <a:xfrm>
-              <a:off x="1304601" y="3421056"/>
-              <a:ext cx="614149" cy="578768"/>
-            </a:xfrm>
-            <a:prstGeom prst="ellipse">
-              <a:avLst/>
-            </a:prstGeom>
-            <a:noFill/>
-            <a:ln w="22225">
+              </a:rPr>
+              <a:t>3</a:t>
+            </a:r>
+            <a:endParaRPr lang="zh-CN" altLang="en-US" b="1" dirty="0">
               <a:solidFill>
                 <a:schemeClr val="tx1"/>
               </a:solidFill>
-            </a:ln>
-          </p:spPr>
-          <p:style>
-            <a:lnRef idx="2">
-              <a:schemeClr val="accent1">
-                <a:shade val="50000"/>
-              </a:schemeClr>
-            </a:lnRef>
-            <a:fillRef idx="1">
-              <a:schemeClr val="accent1"/>
-            </a:fillRef>
-            <a:effectRef idx="0">
-              <a:schemeClr val="accent1"/>
-            </a:effectRef>
-            <a:fontRef idx="minor">
-              <a:schemeClr val="lt1"/>
-            </a:fontRef>
-          </p:style>
-          <p:txBody>
-            <a:bodyPr rtlCol="0" anchor="ctr"/>
-            <a:lstStyle/>
-            <a:p>
-              <a:pPr algn="ctr"/>
-              <a:r>
-                <a:rPr lang="en-US" altLang="zh-CN" b="1" dirty="0" smtClean="0">
-                  <a:solidFill>
-                    <a:schemeClr val="tx1"/>
-                  </a:solidFill>
-                  <a:latin typeface="Times New Roman" panose="02020603050405020304" pitchFamily="18" charset="0"/>
-                  <a:cs typeface="Times New Roman" panose="02020603050405020304" pitchFamily="18" charset="0"/>
-                </a:rPr>
-                <a:t>4</a:t>
-              </a:r>
-              <a:endParaRPr lang="zh-CN" altLang="en-US" b="1" dirty="0">
+              <a:latin typeface="Times New Roman" panose="02020603050405020304" pitchFamily="18" charset="0"/>
+              <a:cs typeface="Times New Roman" panose="02020603050405020304" pitchFamily="18" charset="0"/>
+            </a:endParaRPr>
+          </a:p>
+        </p:txBody>
+      </p:sp>
+      <p:sp>
+        <p:nvSpPr>
+          <p:cNvPr id="11" name="椭圆 10"/>
+          <p:cNvSpPr/>
+          <p:nvPr/>
+        </p:nvSpPr>
+        <p:spPr>
+          <a:xfrm>
+            <a:off x="1553983" y="3284795"/>
+            <a:ext cx="614149" cy="578768"/>
+          </a:xfrm>
+          <a:prstGeom prst="ellipse">
+            <a:avLst/>
+          </a:prstGeom>
+          <a:noFill/>
+          <a:ln w="22225">
+            <a:solidFill>
+              <a:schemeClr val="tx1"/>
+            </a:solidFill>
+          </a:ln>
+        </p:spPr>
+        <p:style>
+          <a:lnRef idx="2">
+            <a:schemeClr val="accent1">
+              <a:shade val="50000"/>
+            </a:schemeClr>
+          </a:lnRef>
+          <a:fillRef idx="1">
+            <a:schemeClr val="accent1"/>
+          </a:fillRef>
+          <a:effectRef idx="0">
+            <a:schemeClr val="accent1"/>
+          </a:effectRef>
+          <a:fontRef idx="minor">
+            <a:schemeClr val="lt1"/>
+          </a:fontRef>
+        </p:style>
+        <p:txBody>
+          <a:bodyPr rtlCol="0" anchor="ctr"/>
+          <a:lstStyle/>
+          <a:p>
+            <a:pPr algn="ctr"/>
+            <a:r>
+              <a:rPr lang="en-US" altLang="zh-CN" b="1" dirty="0" smtClean="0">
                 <a:solidFill>
                   <a:schemeClr val="tx1"/>
                 </a:solidFill>
                 <a:latin typeface="Times New Roman" panose="02020603050405020304" pitchFamily="18" charset="0"/>
                 <a:cs typeface="Times New Roman" panose="02020603050405020304" pitchFamily="18" charset="0"/>
-              </a:endParaRPr>
-            </a:p>
-          </p:txBody>
-        </p:sp>
-        <p:sp>
-          <p:nvSpPr>
-            <p:cNvPr id="12" name="椭圆 11"/>
-            <p:cNvSpPr/>
-            <p:nvPr/>
-          </p:nvSpPr>
-          <p:spPr>
-            <a:xfrm>
-              <a:off x="2812473" y="3421056"/>
-              <a:ext cx="614149" cy="578768"/>
-            </a:xfrm>
-            <a:prstGeom prst="ellipse">
-              <a:avLst/>
-            </a:prstGeom>
-            <a:noFill/>
-            <a:ln w="22225">
+              </a:rPr>
+              <a:t>4</a:t>
+            </a:r>
+            <a:endParaRPr lang="zh-CN" altLang="en-US" b="1" dirty="0">
               <a:solidFill>
                 <a:schemeClr val="tx1"/>
               </a:solidFill>
-            </a:ln>
-          </p:spPr>
-          <p:style>
-            <a:lnRef idx="2">
-              <a:schemeClr val="accent1">
-                <a:shade val="50000"/>
-              </a:schemeClr>
-            </a:lnRef>
-            <a:fillRef idx="1">
-              <a:schemeClr val="accent1"/>
-            </a:fillRef>
-            <a:effectRef idx="0">
-              <a:schemeClr val="accent1"/>
-            </a:effectRef>
-            <a:fontRef idx="minor">
-              <a:schemeClr val="lt1"/>
-            </a:fontRef>
-          </p:style>
-          <p:txBody>
-            <a:bodyPr rtlCol="0" anchor="ctr"/>
-            <a:lstStyle/>
-            <a:p>
-              <a:pPr algn="ctr"/>
-              <a:r>
-                <a:rPr lang="en-US" altLang="zh-CN" b="1" dirty="0" smtClean="0">
-                  <a:solidFill>
-                    <a:schemeClr val="tx1"/>
-                  </a:solidFill>
-                  <a:latin typeface="Times New Roman" panose="02020603050405020304" pitchFamily="18" charset="0"/>
-                  <a:cs typeface="Times New Roman" panose="02020603050405020304" pitchFamily="18" charset="0"/>
-                </a:rPr>
-                <a:t>5</a:t>
-              </a:r>
-              <a:endParaRPr lang="zh-CN" altLang="en-US" b="1" dirty="0">
+              <a:latin typeface="Times New Roman" panose="02020603050405020304" pitchFamily="18" charset="0"/>
+              <a:cs typeface="Times New Roman" panose="02020603050405020304" pitchFamily="18" charset="0"/>
+            </a:endParaRPr>
+          </a:p>
+        </p:txBody>
+      </p:sp>
+      <p:sp>
+        <p:nvSpPr>
+          <p:cNvPr id="12" name="椭圆 11"/>
+          <p:cNvSpPr/>
+          <p:nvPr/>
+        </p:nvSpPr>
+        <p:spPr>
+          <a:xfrm>
+            <a:off x="3061855" y="3284795"/>
+            <a:ext cx="614149" cy="578768"/>
+          </a:xfrm>
+          <a:prstGeom prst="ellipse">
+            <a:avLst/>
+          </a:prstGeom>
+          <a:noFill/>
+          <a:ln w="22225">
+            <a:solidFill>
+              <a:schemeClr val="tx1"/>
+            </a:solidFill>
+          </a:ln>
+        </p:spPr>
+        <p:style>
+          <a:lnRef idx="2">
+            <a:schemeClr val="accent1">
+              <a:shade val="50000"/>
+            </a:schemeClr>
+          </a:lnRef>
+          <a:fillRef idx="1">
+            <a:schemeClr val="accent1"/>
+          </a:fillRef>
+          <a:effectRef idx="0">
+            <a:schemeClr val="accent1"/>
+          </a:effectRef>
+          <a:fontRef idx="minor">
+            <a:schemeClr val="lt1"/>
+          </a:fontRef>
+        </p:style>
+        <p:txBody>
+          <a:bodyPr rtlCol="0" anchor="ctr"/>
+          <a:lstStyle/>
+          <a:p>
+            <a:pPr algn="ctr"/>
+            <a:r>
+              <a:rPr lang="en-US" altLang="zh-CN" b="1" dirty="0" smtClean="0">
                 <a:solidFill>
                   <a:schemeClr val="tx1"/>
                 </a:solidFill>
                 <a:latin typeface="Times New Roman" panose="02020603050405020304" pitchFamily="18" charset="0"/>
                 <a:cs typeface="Times New Roman" panose="02020603050405020304" pitchFamily="18" charset="0"/>
-              </a:endParaRPr>
-            </a:p>
-          </p:txBody>
-        </p:sp>
-        <p:sp>
-          <p:nvSpPr>
-            <p:cNvPr id="14" name="椭圆 13"/>
-            <p:cNvSpPr/>
-            <p:nvPr/>
-          </p:nvSpPr>
-          <p:spPr>
-            <a:xfrm>
-              <a:off x="3584028" y="4345547"/>
-              <a:ext cx="614149" cy="578768"/>
-            </a:xfrm>
-            <a:prstGeom prst="ellipse">
-              <a:avLst/>
-            </a:prstGeom>
-            <a:noFill/>
-            <a:ln w="22225">
+              </a:rPr>
+              <a:t>5</a:t>
+            </a:r>
+            <a:endParaRPr lang="zh-CN" altLang="en-US" b="1" dirty="0">
               <a:solidFill>
                 <a:schemeClr val="tx1"/>
               </a:solidFill>
-            </a:ln>
-          </p:spPr>
-          <p:style>
-            <a:lnRef idx="2">
-              <a:schemeClr val="accent1">
-                <a:shade val="50000"/>
-              </a:schemeClr>
-            </a:lnRef>
-            <a:fillRef idx="1">
-              <a:schemeClr val="accent1"/>
-            </a:fillRef>
-            <a:effectRef idx="0">
-              <a:schemeClr val="accent1"/>
-            </a:effectRef>
-            <a:fontRef idx="minor">
-              <a:schemeClr val="lt1"/>
-            </a:fontRef>
-          </p:style>
-          <p:txBody>
-            <a:bodyPr rtlCol="0" anchor="ctr"/>
-            <a:lstStyle/>
-            <a:p>
-              <a:pPr algn="ctr"/>
-              <a:r>
-                <a:rPr lang="en-US" altLang="zh-CN" b="1" dirty="0" smtClean="0">
-                  <a:solidFill>
-                    <a:schemeClr val="tx1"/>
-                  </a:solidFill>
-                  <a:latin typeface="Times New Roman" panose="02020603050405020304" pitchFamily="18" charset="0"/>
-                  <a:cs typeface="Times New Roman" panose="02020603050405020304" pitchFamily="18" charset="0"/>
-                </a:rPr>
-                <a:t>7</a:t>
-              </a:r>
-              <a:endParaRPr lang="zh-CN" altLang="en-US" b="1" dirty="0">
+              <a:latin typeface="Times New Roman" panose="02020603050405020304" pitchFamily="18" charset="0"/>
+              <a:cs typeface="Times New Roman" panose="02020603050405020304" pitchFamily="18" charset="0"/>
+            </a:endParaRPr>
+          </a:p>
+        </p:txBody>
+      </p:sp>
+      <p:cxnSp>
+        <p:nvCxnSpPr>
+          <p:cNvPr id="16" name="直接箭头连接符 15"/>
+          <p:cNvCxnSpPr>
+            <a:stCxn id="5" idx="3"/>
+            <a:endCxn id="9" idx="7"/>
+          </p:cNvCxnSpPr>
+          <p:nvPr/>
+        </p:nvCxnSpPr>
+        <p:spPr>
+          <a:xfrm flipH="1">
+            <a:off x="2858596" y="1984672"/>
+            <a:ext cx="1024204" cy="508083"/>
+          </a:xfrm>
+          <a:prstGeom prst="straightConnector1">
+            <a:avLst/>
+          </a:prstGeom>
+          <a:ln w="22225">
+            <a:solidFill>
+              <a:schemeClr val="tx1"/>
+            </a:solidFill>
+            <a:tailEnd type="triangle"/>
+          </a:ln>
+        </p:spPr>
+        <p:style>
+          <a:lnRef idx="1">
+            <a:schemeClr val="accent1"/>
+          </a:lnRef>
+          <a:fillRef idx="0">
+            <a:schemeClr val="accent1"/>
+          </a:fillRef>
+          <a:effectRef idx="0">
+            <a:schemeClr val="accent1"/>
+          </a:effectRef>
+          <a:fontRef idx="minor">
+            <a:schemeClr val="tx1"/>
+          </a:fontRef>
+        </p:style>
+      </p:cxnSp>
+      <p:cxnSp>
+        <p:nvCxnSpPr>
+          <p:cNvPr id="19" name="直接箭头连接符 18"/>
+          <p:cNvCxnSpPr>
+            <a:stCxn id="9" idx="3"/>
+            <a:endCxn id="11" idx="7"/>
+          </p:cNvCxnSpPr>
+          <p:nvPr/>
+        </p:nvCxnSpPr>
+        <p:spPr>
+          <a:xfrm flipH="1">
+            <a:off x="2078192" y="2902005"/>
+            <a:ext cx="346135" cy="467549"/>
+          </a:xfrm>
+          <a:prstGeom prst="straightConnector1">
+            <a:avLst/>
+          </a:prstGeom>
+          <a:ln w="22225">
+            <a:solidFill>
+              <a:schemeClr val="tx1"/>
+            </a:solidFill>
+            <a:tailEnd type="triangle"/>
+          </a:ln>
+        </p:spPr>
+        <p:style>
+          <a:lnRef idx="1">
+            <a:schemeClr val="accent1"/>
+          </a:lnRef>
+          <a:fillRef idx="0">
+            <a:schemeClr val="accent1"/>
+          </a:fillRef>
+          <a:effectRef idx="0">
+            <a:schemeClr val="accent1"/>
+          </a:effectRef>
+          <a:fontRef idx="minor">
+            <a:schemeClr val="tx1"/>
+          </a:fontRef>
+        </p:style>
+      </p:cxnSp>
+      <p:cxnSp>
+        <p:nvCxnSpPr>
+          <p:cNvPr id="24" name="直接箭头连接符 23"/>
+          <p:cNvCxnSpPr>
+            <a:stCxn id="9" idx="5"/>
+            <a:endCxn id="12" idx="1"/>
+          </p:cNvCxnSpPr>
+          <p:nvPr/>
+        </p:nvCxnSpPr>
+        <p:spPr>
+          <a:xfrm>
+            <a:off x="2858596" y="2902005"/>
+            <a:ext cx="293199" cy="467549"/>
+          </a:xfrm>
+          <a:prstGeom prst="straightConnector1">
+            <a:avLst/>
+          </a:prstGeom>
+          <a:ln w="22225">
+            <a:solidFill>
+              <a:schemeClr val="tx1"/>
+            </a:solidFill>
+            <a:tailEnd type="triangle"/>
+          </a:ln>
+        </p:spPr>
+        <p:style>
+          <a:lnRef idx="1">
+            <a:schemeClr val="accent1"/>
+          </a:lnRef>
+          <a:fillRef idx="0">
+            <a:schemeClr val="accent1"/>
+          </a:fillRef>
+          <a:effectRef idx="0">
+            <a:schemeClr val="accent1"/>
+          </a:effectRef>
+          <a:fontRef idx="minor">
+            <a:schemeClr val="tx1"/>
+          </a:fontRef>
+        </p:style>
+      </p:cxnSp>
+      <p:cxnSp>
+        <p:nvCxnSpPr>
+          <p:cNvPr id="30" name="直接箭头连接符 29"/>
+          <p:cNvCxnSpPr>
+            <a:stCxn id="5" idx="5"/>
+            <a:endCxn id="10" idx="1"/>
+          </p:cNvCxnSpPr>
+          <p:nvPr/>
+        </p:nvCxnSpPr>
+        <p:spPr>
+          <a:xfrm>
+            <a:off x="4317069" y="1984672"/>
+            <a:ext cx="1085638" cy="440144"/>
+          </a:xfrm>
+          <a:prstGeom prst="straightConnector1">
+            <a:avLst/>
+          </a:prstGeom>
+          <a:ln w="22225">
+            <a:solidFill>
+              <a:schemeClr val="tx1"/>
+            </a:solidFill>
+            <a:tailEnd type="triangle"/>
+          </a:ln>
+        </p:spPr>
+        <p:style>
+          <a:lnRef idx="1">
+            <a:schemeClr val="accent1"/>
+          </a:lnRef>
+          <a:fillRef idx="0">
+            <a:schemeClr val="accent1"/>
+          </a:fillRef>
+          <a:effectRef idx="0">
+            <a:schemeClr val="accent1"/>
+          </a:effectRef>
+          <a:fontRef idx="minor">
+            <a:schemeClr val="tx1"/>
+          </a:fontRef>
+        </p:style>
+      </p:cxnSp>
+      <p:sp>
+        <p:nvSpPr>
+          <p:cNvPr id="38" name="椭圆 37"/>
+          <p:cNvSpPr/>
+          <p:nvPr/>
+        </p:nvSpPr>
+        <p:spPr>
+          <a:xfrm>
+            <a:off x="853349" y="4248183"/>
+            <a:ext cx="614149" cy="578768"/>
+          </a:xfrm>
+          <a:prstGeom prst="ellipse">
+            <a:avLst/>
+          </a:prstGeom>
+          <a:noFill/>
+          <a:ln w="22225">
+            <a:solidFill>
+              <a:schemeClr val="tx1"/>
+            </a:solidFill>
+          </a:ln>
+        </p:spPr>
+        <p:style>
+          <a:lnRef idx="2">
+            <a:schemeClr val="accent1">
+              <a:shade val="50000"/>
+            </a:schemeClr>
+          </a:lnRef>
+          <a:fillRef idx="1">
+            <a:schemeClr val="accent1"/>
+          </a:fillRef>
+          <a:effectRef idx="0">
+            <a:schemeClr val="accent1"/>
+          </a:effectRef>
+          <a:fontRef idx="minor">
+            <a:schemeClr val="lt1"/>
+          </a:fontRef>
+        </p:style>
+        <p:txBody>
+          <a:bodyPr rtlCol="0" anchor="ctr"/>
+          <a:lstStyle/>
+          <a:p>
+            <a:pPr algn="ctr"/>
+            <a:r>
+              <a:rPr lang="en-US" altLang="zh-CN" b="1" dirty="0" smtClean="0">
                 <a:solidFill>
                   <a:schemeClr val="tx1"/>
                 </a:solidFill>
                 <a:latin typeface="Times New Roman" panose="02020603050405020304" pitchFamily="18" charset="0"/>
                 <a:cs typeface="Times New Roman" panose="02020603050405020304" pitchFamily="18" charset="0"/>
-              </a:endParaRPr>
-            </a:p>
-          </p:txBody>
-        </p:sp>
-        <p:cxnSp>
-          <p:nvCxnSpPr>
-            <p:cNvPr id="16" name="直接箭头连接符 15"/>
-            <p:cNvCxnSpPr>
-              <a:stCxn id="5" idx="3"/>
-              <a:endCxn id="9" idx="7"/>
-            </p:cNvCxnSpPr>
-            <p:nvPr/>
-          </p:nvCxnSpPr>
-          <p:spPr>
-            <a:xfrm flipH="1">
-              <a:off x="2609214" y="2209958"/>
-              <a:ext cx="293199" cy="419058"/>
-            </a:xfrm>
-            <a:prstGeom prst="straightConnector1">
-              <a:avLst/>
-            </a:prstGeom>
-            <a:ln w="22225">
+              </a:rPr>
+              <a:t>8</a:t>
+            </a:r>
+            <a:endParaRPr lang="zh-CN" altLang="en-US" b="1" dirty="0">
               <a:solidFill>
                 <a:schemeClr val="tx1"/>
               </a:solidFill>
-              <a:tailEnd type="triangle"/>
-            </a:ln>
-          </p:spPr>
-          <p:style>
-            <a:lnRef idx="1">
-              <a:schemeClr val="accent1"/>
-            </a:lnRef>
-            <a:fillRef idx="0">
-              <a:schemeClr val="accent1"/>
-            </a:fillRef>
-            <a:effectRef idx="0">
-              <a:schemeClr val="accent1"/>
-            </a:effectRef>
-            <a:fontRef idx="minor">
-              <a:schemeClr val="tx1"/>
-            </a:fontRef>
-          </p:style>
-        </p:cxnSp>
-        <p:cxnSp>
-          <p:nvCxnSpPr>
-            <p:cNvPr id="19" name="直接箭头连接符 18"/>
-            <p:cNvCxnSpPr>
-              <a:stCxn id="9" idx="3"/>
-              <a:endCxn id="11" idx="7"/>
-            </p:cNvCxnSpPr>
-            <p:nvPr/>
-          </p:nvCxnSpPr>
-          <p:spPr>
-            <a:xfrm flipH="1">
-              <a:off x="1828810" y="3038266"/>
-              <a:ext cx="346135" cy="467549"/>
-            </a:xfrm>
-            <a:prstGeom prst="straightConnector1">
-              <a:avLst/>
-            </a:prstGeom>
-            <a:ln w="22225">
-              <a:solidFill>
-                <a:schemeClr val="tx1"/>
-              </a:solidFill>
-              <a:tailEnd type="triangle"/>
-            </a:ln>
-          </p:spPr>
-          <p:style>
-            <a:lnRef idx="1">
-              <a:schemeClr val="accent1"/>
-            </a:lnRef>
-            <a:fillRef idx="0">
-              <a:schemeClr val="accent1"/>
-            </a:fillRef>
-            <a:effectRef idx="0">
-              <a:schemeClr val="accent1"/>
-            </a:effectRef>
-            <a:fontRef idx="minor">
-              <a:schemeClr val="tx1"/>
-            </a:fontRef>
-          </p:style>
-        </p:cxnSp>
-        <p:cxnSp>
-          <p:nvCxnSpPr>
-            <p:cNvPr id="24" name="直接箭头连接符 23"/>
-            <p:cNvCxnSpPr>
-              <a:stCxn id="9" idx="5"/>
-              <a:endCxn id="12" idx="1"/>
-            </p:cNvCxnSpPr>
-            <p:nvPr/>
-          </p:nvCxnSpPr>
-          <p:spPr>
-            <a:xfrm>
-              <a:off x="2609214" y="3038266"/>
-              <a:ext cx="293199" cy="467549"/>
-            </a:xfrm>
-            <a:prstGeom prst="straightConnector1">
-              <a:avLst/>
-            </a:prstGeom>
-            <a:ln w="22225">
-              <a:solidFill>
-                <a:schemeClr val="tx1"/>
-              </a:solidFill>
-              <a:tailEnd type="triangle"/>
-            </a:ln>
-          </p:spPr>
-          <p:style>
-            <a:lnRef idx="1">
-              <a:schemeClr val="accent1"/>
-            </a:lnRef>
-            <a:fillRef idx="0">
-              <a:schemeClr val="accent1"/>
-            </a:fillRef>
-            <a:effectRef idx="0">
-              <a:schemeClr val="accent1"/>
-            </a:effectRef>
-            <a:fontRef idx="minor">
-              <a:schemeClr val="tx1"/>
-            </a:fontRef>
-          </p:style>
-        </p:cxnSp>
-        <p:cxnSp>
-          <p:nvCxnSpPr>
-            <p:cNvPr id="30" name="直接箭头连接符 29"/>
-            <p:cNvCxnSpPr>
-              <a:stCxn id="5" idx="5"/>
-              <a:endCxn id="10" idx="1"/>
-            </p:cNvCxnSpPr>
-            <p:nvPr/>
-          </p:nvCxnSpPr>
-          <p:spPr>
-            <a:xfrm>
-              <a:off x="3336682" y="2209958"/>
-              <a:ext cx="371117" cy="419058"/>
-            </a:xfrm>
-            <a:prstGeom prst="straightConnector1">
-              <a:avLst/>
-            </a:prstGeom>
-            <a:ln w="22225">
-              <a:solidFill>
-                <a:schemeClr val="tx1"/>
-              </a:solidFill>
-              <a:tailEnd type="triangle"/>
-            </a:ln>
-          </p:spPr>
-          <p:style>
-            <a:lnRef idx="1">
-              <a:schemeClr val="accent1"/>
-            </a:lnRef>
-            <a:fillRef idx="0">
-              <a:schemeClr val="accent1"/>
-            </a:fillRef>
-            <a:effectRef idx="0">
-              <a:schemeClr val="accent1"/>
-            </a:effectRef>
-            <a:fontRef idx="minor">
-              <a:schemeClr val="tx1"/>
-            </a:fontRef>
-          </p:style>
-        </p:cxnSp>
-        <p:cxnSp>
-          <p:nvCxnSpPr>
-            <p:cNvPr id="34" name="直接箭头连接符 33"/>
-            <p:cNvCxnSpPr>
-              <a:stCxn id="12" idx="5"/>
-              <a:endCxn id="14" idx="1"/>
-            </p:cNvCxnSpPr>
-            <p:nvPr/>
-          </p:nvCxnSpPr>
-          <p:spPr>
-            <a:xfrm>
-              <a:off x="3336682" y="3915065"/>
-              <a:ext cx="337286" cy="515241"/>
-            </a:xfrm>
-            <a:prstGeom prst="straightConnector1">
-              <a:avLst/>
-            </a:prstGeom>
-            <a:ln w="22225">
-              <a:solidFill>
-                <a:schemeClr val="tx1"/>
-              </a:solidFill>
-              <a:tailEnd type="triangle"/>
-            </a:ln>
-          </p:spPr>
-          <p:style>
-            <a:lnRef idx="1">
-              <a:schemeClr val="accent1"/>
-            </a:lnRef>
-            <a:fillRef idx="0">
-              <a:schemeClr val="accent1"/>
-            </a:fillRef>
-            <a:effectRef idx="0">
-              <a:schemeClr val="accent1"/>
-            </a:effectRef>
-            <a:fontRef idx="minor">
-              <a:schemeClr val="tx1"/>
-            </a:fontRef>
-          </p:style>
-        </p:cxnSp>
-        <p:sp>
-          <p:nvSpPr>
-            <p:cNvPr id="38" name="椭圆 37"/>
-            <p:cNvSpPr/>
-            <p:nvPr/>
-          </p:nvSpPr>
-          <p:spPr>
-            <a:xfrm>
-              <a:off x="2022775" y="4345547"/>
-              <a:ext cx="614149" cy="578768"/>
-            </a:xfrm>
-            <a:prstGeom prst="ellipse">
-              <a:avLst/>
-            </a:prstGeom>
-            <a:noFill/>
-            <a:ln w="22225">
-              <a:solidFill>
-                <a:schemeClr val="tx1"/>
-              </a:solidFill>
-            </a:ln>
-          </p:spPr>
-          <p:style>
-            <a:lnRef idx="2">
-              <a:schemeClr val="accent1">
-                <a:shade val="50000"/>
-              </a:schemeClr>
-            </a:lnRef>
-            <a:fillRef idx="1">
-              <a:schemeClr val="accent1"/>
-            </a:fillRef>
-            <a:effectRef idx="0">
-              <a:schemeClr val="accent1"/>
-            </a:effectRef>
-            <a:fontRef idx="minor">
-              <a:schemeClr val="lt1"/>
-            </a:fontRef>
-          </p:style>
-          <p:txBody>
-            <a:bodyPr rtlCol="0" anchor="ctr"/>
-            <a:lstStyle/>
-            <a:p>
-              <a:pPr algn="ctr"/>
-              <a:r>
-                <a:rPr lang="en-US" altLang="zh-CN" b="1" dirty="0" smtClean="0">
-                  <a:solidFill>
-                    <a:schemeClr val="tx1"/>
-                  </a:solidFill>
-                  <a:latin typeface="Times New Roman" panose="02020603050405020304" pitchFamily="18" charset="0"/>
-                  <a:cs typeface="Times New Roman" panose="02020603050405020304" pitchFamily="18" charset="0"/>
-                </a:rPr>
-                <a:t>6</a:t>
-              </a:r>
-              <a:endParaRPr lang="zh-CN" altLang="en-US" b="1" dirty="0">
-                <a:solidFill>
-                  <a:schemeClr val="tx1"/>
-                </a:solidFill>
-                <a:latin typeface="Times New Roman" panose="02020603050405020304" pitchFamily="18" charset="0"/>
-                <a:cs typeface="Times New Roman" panose="02020603050405020304" pitchFamily="18" charset="0"/>
-              </a:endParaRPr>
-            </a:p>
-          </p:txBody>
-        </p:sp>
-        <p:cxnSp>
-          <p:nvCxnSpPr>
-            <p:cNvPr id="39" name="直接箭头连接符 38"/>
-            <p:cNvCxnSpPr>
-              <a:stCxn id="12" idx="3"/>
-              <a:endCxn id="38" idx="7"/>
-            </p:cNvCxnSpPr>
-            <p:nvPr/>
-          </p:nvCxnSpPr>
-          <p:spPr>
-            <a:xfrm flipH="1">
-              <a:off x="2546984" y="3915065"/>
-              <a:ext cx="355429" cy="515241"/>
-            </a:xfrm>
-            <a:prstGeom prst="straightConnector1">
-              <a:avLst/>
-            </a:prstGeom>
-            <a:ln w="22225">
-              <a:solidFill>
-                <a:schemeClr val="tx1"/>
-              </a:solidFill>
-              <a:tailEnd type="triangle"/>
-            </a:ln>
-          </p:spPr>
-          <p:style>
-            <a:lnRef idx="1">
-              <a:schemeClr val="accent1"/>
-            </a:lnRef>
-            <a:fillRef idx="0">
-              <a:schemeClr val="accent1"/>
-            </a:fillRef>
-            <a:effectRef idx="0">
-              <a:schemeClr val="accent1"/>
-            </a:effectRef>
-            <a:fontRef idx="minor">
-              <a:schemeClr val="tx1"/>
-            </a:fontRef>
-          </p:style>
-        </p:cxnSp>
-      </p:grpSp>
+              <a:latin typeface="Times New Roman" panose="02020603050405020304" pitchFamily="18" charset="0"/>
+              <a:cs typeface="Times New Roman" panose="02020603050405020304" pitchFamily="18" charset="0"/>
+            </a:endParaRPr>
+          </a:p>
+        </p:txBody>
+      </p:sp>
       <p:sp>
         <p:nvSpPr>
           <p:cNvPr id="44" name="矩形 43"/>
@@ -5886,7 +6183,7 @@
         </p:nvSpPr>
         <p:spPr>
           <a:xfrm>
-            <a:off x="7301345" y="2209958"/>
+            <a:off x="9481127" y="2071839"/>
             <a:ext cx="983673" cy="365970"/>
           </a:xfrm>
           <a:prstGeom prst="rect">
@@ -5943,7 +6240,7 @@
         </p:nvSpPr>
         <p:spPr>
           <a:xfrm>
-            <a:off x="7301345" y="2575928"/>
+            <a:off x="9481127" y="2437809"/>
             <a:ext cx="983673" cy="365970"/>
           </a:xfrm>
           <a:prstGeom prst="rect">
@@ -6000,7 +6297,7 @@
         </p:nvSpPr>
         <p:spPr>
           <a:xfrm>
-            <a:off x="7301345" y="2941898"/>
+            <a:off x="9481127" y="2803779"/>
             <a:ext cx="983673" cy="365970"/>
           </a:xfrm>
           <a:prstGeom prst="rect">
@@ -6057,7 +6354,7 @@
         </p:nvSpPr>
         <p:spPr>
           <a:xfrm>
-            <a:off x="7301345" y="3307868"/>
+            <a:off x="9481127" y="3169749"/>
             <a:ext cx="983673" cy="365970"/>
           </a:xfrm>
           <a:prstGeom prst="rect">
@@ -6114,7 +6411,7 @@
         </p:nvSpPr>
         <p:spPr>
           <a:xfrm>
-            <a:off x="7301345" y="3673838"/>
+            <a:off x="9481127" y="3535719"/>
             <a:ext cx="983673" cy="365970"/>
           </a:xfrm>
           <a:prstGeom prst="rect">
@@ -6171,7 +6468,7 @@
         </p:nvSpPr>
         <p:spPr>
           <a:xfrm>
-            <a:off x="7301345" y="4039808"/>
+            <a:off x="9481127" y="3901689"/>
             <a:ext cx="983673" cy="365970"/>
           </a:xfrm>
           <a:prstGeom prst="rect">
@@ -6228,7 +6525,7 @@
         </p:nvSpPr>
         <p:spPr>
           <a:xfrm>
-            <a:off x="7301345" y="4405778"/>
+            <a:off x="9481127" y="4267659"/>
             <a:ext cx="983673" cy="365970"/>
           </a:xfrm>
           <a:prstGeom prst="rect">
@@ -6285,7 +6582,7 @@
         </p:nvSpPr>
         <p:spPr>
           <a:xfrm>
-            <a:off x="7301345" y="4771748"/>
+            <a:off x="9481127" y="4633629"/>
             <a:ext cx="983673" cy="365970"/>
           </a:xfrm>
           <a:prstGeom prst="rect">
@@ -6342,7 +6639,7 @@
         </p:nvSpPr>
         <p:spPr>
           <a:xfrm>
-            <a:off x="7301345" y="5137718"/>
+            <a:off x="9481127" y="4999599"/>
             <a:ext cx="983673" cy="365970"/>
           </a:xfrm>
           <a:prstGeom prst="rect">
@@ -6388,6 +6685,509 @@
               <a:latin typeface="Times New Roman" panose="02020603050405020304" pitchFamily="18" charset="0"/>
               <a:cs typeface="Times New Roman" panose="02020603050405020304" pitchFamily="18" charset="0"/>
             </a:endParaRPr>
+          </a:p>
+        </p:txBody>
+      </p:sp>
+      <p:sp>
+        <p:nvSpPr>
+          <p:cNvPr id="35" name="椭圆 34"/>
+          <p:cNvSpPr/>
+          <p:nvPr/>
+        </p:nvSpPr>
+        <p:spPr>
+          <a:xfrm>
+            <a:off x="4562012" y="3249077"/>
+            <a:ext cx="614149" cy="578768"/>
+          </a:xfrm>
+          <a:prstGeom prst="ellipse">
+            <a:avLst/>
+          </a:prstGeom>
+          <a:noFill/>
+          <a:ln w="22225">
+            <a:solidFill>
+              <a:schemeClr val="tx1"/>
+            </a:solidFill>
+          </a:ln>
+        </p:spPr>
+        <p:style>
+          <a:lnRef idx="2">
+            <a:schemeClr val="accent1">
+              <a:shade val="50000"/>
+            </a:schemeClr>
+          </a:lnRef>
+          <a:fillRef idx="1">
+            <a:schemeClr val="accent1"/>
+          </a:fillRef>
+          <a:effectRef idx="0">
+            <a:schemeClr val="accent1"/>
+          </a:effectRef>
+          <a:fontRef idx="minor">
+            <a:schemeClr val="lt1"/>
+          </a:fontRef>
+        </p:style>
+        <p:txBody>
+          <a:bodyPr rtlCol="0" anchor="ctr"/>
+          <a:lstStyle/>
+          <a:p>
+            <a:pPr algn="ctr"/>
+            <a:r>
+              <a:rPr lang="en-US" altLang="zh-CN" b="1" dirty="0" smtClean="0">
+                <a:solidFill>
+                  <a:schemeClr val="tx1"/>
+                </a:solidFill>
+                <a:latin typeface="Times New Roman" panose="02020603050405020304" pitchFamily="18" charset="0"/>
+                <a:cs typeface="Times New Roman" panose="02020603050405020304" pitchFamily="18" charset="0"/>
+              </a:rPr>
+              <a:t>6</a:t>
+            </a:r>
+            <a:endParaRPr lang="zh-CN" altLang="en-US" b="1" dirty="0">
+              <a:solidFill>
+                <a:schemeClr val="tx1"/>
+              </a:solidFill>
+              <a:latin typeface="Times New Roman" panose="02020603050405020304" pitchFamily="18" charset="0"/>
+              <a:cs typeface="Times New Roman" panose="02020603050405020304" pitchFamily="18" charset="0"/>
+            </a:endParaRPr>
+          </a:p>
+        </p:txBody>
+      </p:sp>
+      <p:sp>
+        <p:nvSpPr>
+          <p:cNvPr id="36" name="椭圆 35"/>
+          <p:cNvSpPr/>
+          <p:nvPr/>
+        </p:nvSpPr>
+        <p:spPr>
+          <a:xfrm>
+            <a:off x="5354113" y="4248183"/>
+            <a:ext cx="614149" cy="578768"/>
+          </a:xfrm>
+          <a:prstGeom prst="ellipse">
+            <a:avLst/>
+          </a:prstGeom>
+          <a:noFill/>
+          <a:ln w="22225">
+            <a:solidFill>
+              <a:schemeClr val="tx1"/>
+            </a:solidFill>
+          </a:ln>
+        </p:spPr>
+        <p:style>
+          <a:lnRef idx="2">
+            <a:schemeClr val="accent1">
+              <a:shade val="50000"/>
+            </a:schemeClr>
+          </a:lnRef>
+          <a:fillRef idx="1">
+            <a:schemeClr val="accent1"/>
+          </a:fillRef>
+          <a:effectRef idx="0">
+            <a:schemeClr val="accent1"/>
+          </a:effectRef>
+          <a:fontRef idx="minor">
+            <a:schemeClr val="lt1"/>
+          </a:fontRef>
+        </p:style>
+        <p:txBody>
+          <a:bodyPr rtlCol="0" anchor="ctr"/>
+          <a:lstStyle/>
+          <a:p>
+            <a:pPr algn="ctr"/>
+            <a:r>
+              <a:rPr lang="en-US" altLang="zh-CN" b="1" dirty="0" smtClean="0">
+                <a:solidFill>
+                  <a:schemeClr val="tx1"/>
+                </a:solidFill>
+                <a:latin typeface="Times New Roman" panose="02020603050405020304" pitchFamily="18" charset="0"/>
+                <a:cs typeface="Times New Roman" panose="02020603050405020304" pitchFamily="18" charset="0"/>
+              </a:rPr>
+              <a:t>10</a:t>
+            </a:r>
+            <a:endParaRPr lang="zh-CN" altLang="en-US" b="1" dirty="0">
+              <a:solidFill>
+                <a:schemeClr val="tx1"/>
+              </a:solidFill>
+              <a:latin typeface="Times New Roman" panose="02020603050405020304" pitchFamily="18" charset="0"/>
+              <a:cs typeface="Times New Roman" panose="02020603050405020304" pitchFamily="18" charset="0"/>
+            </a:endParaRPr>
+          </a:p>
+        </p:txBody>
+      </p:sp>
+      <p:cxnSp>
+        <p:nvCxnSpPr>
+          <p:cNvPr id="37" name="直接箭头连接符 36"/>
+          <p:cNvCxnSpPr>
+            <a:stCxn id="35" idx="5"/>
+            <a:endCxn id="36" idx="1"/>
+          </p:cNvCxnSpPr>
+          <p:nvPr/>
+        </p:nvCxnSpPr>
+        <p:spPr>
+          <a:xfrm>
+            <a:off x="5086221" y="3743086"/>
+            <a:ext cx="357832" cy="589856"/>
+          </a:xfrm>
+          <a:prstGeom prst="straightConnector1">
+            <a:avLst/>
+          </a:prstGeom>
+          <a:ln w="22225">
+            <a:solidFill>
+              <a:schemeClr val="tx1"/>
+            </a:solidFill>
+            <a:tailEnd type="triangle"/>
+          </a:ln>
+        </p:spPr>
+        <p:style>
+          <a:lnRef idx="1">
+            <a:schemeClr val="accent1"/>
+          </a:lnRef>
+          <a:fillRef idx="0">
+            <a:schemeClr val="accent1"/>
+          </a:fillRef>
+          <a:effectRef idx="0">
+            <a:schemeClr val="accent1"/>
+          </a:effectRef>
+          <a:fontRef idx="minor">
+            <a:schemeClr val="tx1"/>
+          </a:fontRef>
+        </p:style>
+      </p:cxnSp>
+      <p:sp>
+        <p:nvSpPr>
+          <p:cNvPr id="40" name="椭圆 39"/>
+          <p:cNvSpPr/>
+          <p:nvPr/>
+        </p:nvSpPr>
+        <p:spPr>
+          <a:xfrm>
+            <a:off x="3792860" y="4248183"/>
+            <a:ext cx="614149" cy="578768"/>
+          </a:xfrm>
+          <a:prstGeom prst="ellipse">
+            <a:avLst/>
+          </a:prstGeom>
+          <a:noFill/>
+          <a:ln w="22225">
+            <a:solidFill>
+              <a:schemeClr val="tx1"/>
+            </a:solidFill>
+          </a:ln>
+        </p:spPr>
+        <p:style>
+          <a:lnRef idx="2">
+            <a:schemeClr val="accent1">
+              <a:shade val="50000"/>
+            </a:schemeClr>
+          </a:lnRef>
+          <a:fillRef idx="1">
+            <a:schemeClr val="accent1"/>
+          </a:fillRef>
+          <a:effectRef idx="0">
+            <a:schemeClr val="accent1"/>
+          </a:effectRef>
+          <a:fontRef idx="minor">
+            <a:schemeClr val="lt1"/>
+          </a:fontRef>
+        </p:style>
+        <p:txBody>
+          <a:bodyPr rtlCol="0" anchor="ctr"/>
+          <a:lstStyle/>
+          <a:p>
+            <a:pPr algn="ctr"/>
+            <a:r>
+              <a:rPr lang="en-US" altLang="zh-CN" b="1" dirty="0">
+                <a:solidFill>
+                  <a:schemeClr val="tx1"/>
+                </a:solidFill>
+                <a:latin typeface="Times New Roman" panose="02020603050405020304" pitchFamily="18" charset="0"/>
+                <a:cs typeface="Times New Roman" panose="02020603050405020304" pitchFamily="18" charset="0"/>
+              </a:rPr>
+              <a:t>9</a:t>
+            </a:r>
+            <a:endParaRPr lang="zh-CN" altLang="en-US" b="1" dirty="0">
+              <a:solidFill>
+                <a:schemeClr val="tx1"/>
+              </a:solidFill>
+              <a:latin typeface="Times New Roman" panose="02020603050405020304" pitchFamily="18" charset="0"/>
+              <a:cs typeface="Times New Roman" panose="02020603050405020304" pitchFamily="18" charset="0"/>
+            </a:endParaRPr>
+          </a:p>
+        </p:txBody>
+      </p:sp>
+      <p:cxnSp>
+        <p:nvCxnSpPr>
+          <p:cNvPr id="41" name="直接箭头连接符 40"/>
+          <p:cNvCxnSpPr>
+            <a:stCxn id="35" idx="3"/>
+            <a:endCxn id="40" idx="7"/>
+          </p:cNvCxnSpPr>
+          <p:nvPr/>
+        </p:nvCxnSpPr>
+        <p:spPr>
+          <a:xfrm flipH="1">
+            <a:off x="4317069" y="3743086"/>
+            <a:ext cx="334883" cy="589856"/>
+          </a:xfrm>
+          <a:prstGeom prst="straightConnector1">
+            <a:avLst/>
+          </a:prstGeom>
+          <a:ln w="22225">
+            <a:solidFill>
+              <a:schemeClr val="tx1"/>
+            </a:solidFill>
+            <a:tailEnd type="triangle"/>
+          </a:ln>
+        </p:spPr>
+        <p:style>
+          <a:lnRef idx="1">
+            <a:schemeClr val="accent1"/>
+          </a:lnRef>
+          <a:fillRef idx="0">
+            <a:schemeClr val="accent1"/>
+          </a:fillRef>
+          <a:effectRef idx="0">
+            <a:schemeClr val="accent1"/>
+          </a:effectRef>
+          <a:fontRef idx="minor">
+            <a:schemeClr val="tx1"/>
+          </a:fontRef>
+        </p:style>
+      </p:cxnSp>
+      <p:sp>
+        <p:nvSpPr>
+          <p:cNvPr id="53" name="椭圆 52"/>
+          <p:cNvSpPr/>
+          <p:nvPr/>
+        </p:nvSpPr>
+        <p:spPr>
+          <a:xfrm>
+            <a:off x="6219346" y="3249077"/>
+            <a:ext cx="614149" cy="578768"/>
+          </a:xfrm>
+          <a:prstGeom prst="ellipse">
+            <a:avLst/>
+          </a:prstGeom>
+          <a:noFill/>
+          <a:ln w="22225">
+            <a:solidFill>
+              <a:schemeClr val="tx1"/>
+            </a:solidFill>
+          </a:ln>
+        </p:spPr>
+        <p:style>
+          <a:lnRef idx="2">
+            <a:schemeClr val="accent1">
+              <a:shade val="50000"/>
+            </a:schemeClr>
+          </a:lnRef>
+          <a:fillRef idx="1">
+            <a:schemeClr val="accent1"/>
+          </a:fillRef>
+          <a:effectRef idx="0">
+            <a:schemeClr val="accent1"/>
+          </a:effectRef>
+          <a:fontRef idx="minor">
+            <a:schemeClr val="lt1"/>
+          </a:fontRef>
+        </p:style>
+        <p:txBody>
+          <a:bodyPr rtlCol="0" anchor="ctr"/>
+          <a:lstStyle/>
+          <a:p>
+            <a:pPr algn="ctr"/>
+            <a:r>
+              <a:rPr lang="en-US" altLang="zh-CN" b="1" dirty="0" smtClean="0">
+                <a:solidFill>
+                  <a:schemeClr val="tx1"/>
+                </a:solidFill>
+                <a:latin typeface="Times New Roman" panose="02020603050405020304" pitchFamily="18" charset="0"/>
+                <a:cs typeface="Times New Roman" panose="02020603050405020304" pitchFamily="18" charset="0"/>
+              </a:rPr>
+              <a:t>7</a:t>
+            </a:r>
+            <a:endParaRPr lang="zh-CN" altLang="en-US" b="1" dirty="0">
+              <a:solidFill>
+                <a:schemeClr val="tx1"/>
+              </a:solidFill>
+              <a:latin typeface="Times New Roman" panose="02020603050405020304" pitchFamily="18" charset="0"/>
+              <a:cs typeface="Times New Roman" panose="02020603050405020304" pitchFamily="18" charset="0"/>
+            </a:endParaRPr>
+          </a:p>
+        </p:txBody>
+      </p:sp>
+      <p:cxnSp>
+        <p:nvCxnSpPr>
+          <p:cNvPr id="55" name="直接箭头连接符 54"/>
+          <p:cNvCxnSpPr>
+            <a:stCxn id="10" idx="3"/>
+            <a:endCxn id="35" idx="7"/>
+          </p:cNvCxnSpPr>
+          <p:nvPr/>
+        </p:nvCxnSpPr>
+        <p:spPr>
+          <a:xfrm flipH="1">
+            <a:off x="5086221" y="2834066"/>
+            <a:ext cx="316486" cy="499770"/>
+          </a:xfrm>
+          <a:prstGeom prst="straightConnector1">
+            <a:avLst/>
+          </a:prstGeom>
+          <a:ln w="22225">
+            <a:solidFill>
+              <a:schemeClr val="tx1"/>
+            </a:solidFill>
+            <a:tailEnd type="triangle"/>
+          </a:ln>
+        </p:spPr>
+        <p:style>
+          <a:lnRef idx="1">
+            <a:schemeClr val="accent1"/>
+          </a:lnRef>
+          <a:fillRef idx="0">
+            <a:schemeClr val="accent1"/>
+          </a:fillRef>
+          <a:effectRef idx="0">
+            <a:schemeClr val="accent1"/>
+          </a:effectRef>
+          <a:fontRef idx="minor">
+            <a:schemeClr val="tx1"/>
+          </a:fontRef>
+        </p:style>
+      </p:cxnSp>
+      <p:cxnSp>
+        <p:nvCxnSpPr>
+          <p:cNvPr id="56" name="直接箭头连接符 55"/>
+          <p:cNvCxnSpPr>
+            <a:stCxn id="10" idx="5"/>
+            <a:endCxn id="53" idx="1"/>
+          </p:cNvCxnSpPr>
+          <p:nvPr/>
+        </p:nvCxnSpPr>
+        <p:spPr>
+          <a:xfrm>
+            <a:off x="5836976" y="2834066"/>
+            <a:ext cx="472310" cy="499770"/>
+          </a:xfrm>
+          <a:prstGeom prst="straightConnector1">
+            <a:avLst/>
+          </a:prstGeom>
+          <a:ln w="22225">
+            <a:solidFill>
+              <a:schemeClr val="tx1"/>
+            </a:solidFill>
+            <a:tailEnd type="triangle"/>
+          </a:ln>
+        </p:spPr>
+        <p:style>
+          <a:lnRef idx="1">
+            <a:schemeClr val="accent1"/>
+          </a:lnRef>
+          <a:fillRef idx="0">
+            <a:schemeClr val="accent1"/>
+          </a:fillRef>
+          <a:effectRef idx="0">
+            <a:schemeClr val="accent1"/>
+          </a:effectRef>
+          <a:fontRef idx="minor">
+            <a:schemeClr val="tx1"/>
+          </a:fontRef>
+        </p:style>
+      </p:cxnSp>
+      <p:cxnSp>
+        <p:nvCxnSpPr>
+          <p:cNvPr id="57" name="直接箭头连接符 56"/>
+          <p:cNvCxnSpPr>
+            <a:stCxn id="11" idx="3"/>
+            <a:endCxn id="38" idx="7"/>
+          </p:cNvCxnSpPr>
+          <p:nvPr/>
+        </p:nvCxnSpPr>
+        <p:spPr>
+          <a:xfrm flipH="1">
+            <a:off x="1377558" y="3778804"/>
+            <a:ext cx="266365" cy="554138"/>
+          </a:xfrm>
+          <a:prstGeom prst="straightConnector1">
+            <a:avLst/>
+          </a:prstGeom>
+          <a:ln w="22225">
+            <a:solidFill>
+              <a:schemeClr val="tx1"/>
+            </a:solidFill>
+            <a:tailEnd type="triangle"/>
+          </a:ln>
+        </p:spPr>
+        <p:style>
+          <a:lnRef idx="1">
+            <a:schemeClr val="accent1"/>
+          </a:lnRef>
+          <a:fillRef idx="0">
+            <a:schemeClr val="accent1"/>
+          </a:fillRef>
+          <a:effectRef idx="0">
+            <a:schemeClr val="accent1"/>
+          </a:effectRef>
+          <a:fontRef idx="minor">
+            <a:schemeClr val="tx1"/>
+          </a:fontRef>
+        </p:style>
+      </p:cxnSp>
+      <p:sp>
+        <p:nvSpPr>
+          <p:cNvPr id="3" name="文本框 2"/>
+          <p:cNvSpPr txBox="1"/>
+          <p:nvPr/>
+        </p:nvSpPr>
+        <p:spPr>
+          <a:xfrm>
+            <a:off x="10877266" y="1608366"/>
+            <a:ext cx="636200" cy="369332"/>
+          </a:xfrm>
+          <a:prstGeom prst="rect">
+            <a:avLst/>
+          </a:prstGeom>
+          <a:noFill/>
+        </p:spPr>
+        <p:txBody>
+          <a:bodyPr wrap="none" rtlCol="0">
+            <a:spAutoFit/>
+          </a:bodyPr>
+          <a:lstStyle/>
+          <a:p>
+            <a:r>
+              <a:rPr lang="en-US" altLang="zh-CN" dirty="0" smtClean="0"/>
+              <a:t>print</a:t>
+            </a:r>
+            <a:endParaRPr lang="zh-CN" altLang="en-US" dirty="0"/>
+          </a:p>
+        </p:txBody>
+      </p:sp>
+      <p:sp>
+        <p:nvSpPr>
+          <p:cNvPr id="6" name="文本框 5"/>
+          <p:cNvSpPr txBox="1"/>
+          <p:nvPr/>
+        </p:nvSpPr>
+        <p:spPr>
+          <a:xfrm>
+            <a:off x="11211780" y="4996237"/>
+            <a:ext cx="301686" cy="369332"/>
+          </a:xfrm>
+          <a:prstGeom prst="rect">
+            <a:avLst/>
+          </a:prstGeom>
+          <a:noFill/>
+        </p:spPr>
+        <p:txBody>
+          <a:bodyPr wrap="none" rtlCol="0">
+            <a:spAutoFit/>
+          </a:bodyPr>
+          <a:lstStyle/>
+          <a:p>
+            <a:r>
+              <a:rPr lang="en-US" altLang="zh-CN" dirty="0" smtClean="0"/>
+              <a:t>1</a:t>
+            </a:r>
+            <a:endParaRPr lang="zh-CN" altLang="en-US" dirty="0"/>
           </a:p>
         </p:txBody>
       </p:sp>

--- a/cs-seminar/算法与数据结构/树/树.pptx
+++ b/cs-seminar/算法与数据结构/树/树.pptx
@@ -209,7 +209,7 @@
           <a:p>
             <a:fld id="{9C395F08-296D-4F57-99DE-4DE9612FD2E8}" type="datetimeFigureOut">
               <a:rPr lang="zh-CN" altLang="en-US" smtClean="0"/>
-              <a:t>2020/6/6</a:t>
+              <a:t>2020/6/8</a:t>
             </a:fld>
             <a:endParaRPr lang="zh-CN" altLang="en-US"/>
           </a:p>
@@ -273,38 +273,37 @@
           <a:p>
             <a:pPr lvl="0"/>
             <a:r>
-              <a:rPr lang="zh-CN" altLang="en-US" smtClean="0"/>
+              <a:rPr lang="zh-CN" altLang="en-US"/>
               <a:t>单击此处编辑母版文本样式</a:t>
             </a:r>
           </a:p>
           <a:p>
             <a:pPr lvl="1"/>
             <a:r>
-              <a:rPr lang="zh-CN" altLang="en-US" smtClean="0"/>
+              <a:rPr lang="zh-CN" altLang="en-US"/>
               <a:t>第二级</a:t>
             </a:r>
           </a:p>
           <a:p>
             <a:pPr lvl="2"/>
             <a:r>
-              <a:rPr lang="zh-CN" altLang="en-US" smtClean="0"/>
+              <a:rPr lang="zh-CN" altLang="en-US"/>
               <a:t>第三级</a:t>
             </a:r>
           </a:p>
           <a:p>
             <a:pPr lvl="3"/>
             <a:r>
-              <a:rPr lang="zh-CN" altLang="en-US" smtClean="0"/>
+              <a:rPr lang="zh-CN" altLang="en-US"/>
               <a:t>第四级</a:t>
             </a:r>
           </a:p>
           <a:p>
             <a:pPr lvl="4"/>
             <a:r>
-              <a:rPr lang="zh-CN" altLang="en-US" smtClean="0"/>
+              <a:rPr lang="zh-CN" altLang="en-US"/>
               <a:t>第五级</a:t>
             </a:r>
-            <a:endParaRPr lang="zh-CN" altLang="en-US"/>
           </a:p>
         </p:txBody>
       </p:sp>
@@ -524,10 +523,9 @@
           </a:lstStyle>
           <a:p>
             <a:r>
-              <a:rPr lang="zh-CN" altLang="en-US" smtClean="0"/>
+              <a:rPr lang="zh-CN" altLang="en-US"/>
               <a:t>单击此处编辑母版标题样式</a:t>
             </a:r>
-            <a:endParaRPr lang="zh-CN" altLang="en-US"/>
           </a:p>
         </p:txBody>
       </p:sp>
@@ -589,10 +587,9 @@
           </a:lstStyle>
           <a:p>
             <a:r>
-              <a:rPr lang="zh-CN" altLang="en-US" smtClean="0"/>
+              <a:rPr lang="zh-CN" altLang="en-US"/>
               <a:t>单击此处编辑母版副标题样式</a:t>
             </a:r>
-            <a:endParaRPr lang="zh-CN" altLang="en-US"/>
           </a:p>
         </p:txBody>
       </p:sp>
@@ -613,7 +610,7 @@
           <a:p>
             <a:fld id="{70DE98D0-9A98-4B82-9573-1B9E451B3DD8}" type="datetime1">
               <a:rPr lang="zh-CN" altLang="en-US" smtClean="0"/>
-              <a:t>2020/6/6</a:t>
+              <a:t>2020/6/8</a:t>
             </a:fld>
             <a:endParaRPr lang="zh-CN" altLang="en-US"/>
           </a:p>
@@ -635,7 +632,7 @@
           <a:lstStyle/>
           <a:p>
             <a:r>
-              <a:rPr lang="en-US" altLang="zh-CN" smtClean="0"/>
+              <a:rPr lang="en-US" altLang="zh-CN"/>
               <a:t>LTE Phone Number Catcher: A Practical Attack against Mobile Privacy</a:t>
             </a:r>
             <a:endParaRPr lang="zh-CN" altLang="en-US"/>
@@ -711,10 +708,9 @@
           <a:lstStyle/>
           <a:p>
             <a:r>
-              <a:rPr lang="zh-CN" altLang="en-US" smtClean="0"/>
+              <a:rPr lang="zh-CN" altLang="en-US"/>
               <a:t>单击此处编辑母版标题样式</a:t>
             </a:r>
-            <a:endParaRPr lang="zh-CN" altLang="en-US"/>
           </a:p>
         </p:txBody>
       </p:sp>
@@ -735,38 +731,37 @@
           <a:p>
             <a:pPr lvl="0"/>
             <a:r>
-              <a:rPr lang="zh-CN" altLang="en-US" smtClean="0"/>
+              <a:rPr lang="zh-CN" altLang="en-US"/>
               <a:t>单击此处编辑母版文本样式</a:t>
             </a:r>
           </a:p>
           <a:p>
             <a:pPr lvl="1"/>
             <a:r>
-              <a:rPr lang="zh-CN" altLang="en-US" smtClean="0"/>
+              <a:rPr lang="zh-CN" altLang="en-US"/>
               <a:t>第二级</a:t>
             </a:r>
           </a:p>
           <a:p>
             <a:pPr lvl="2"/>
             <a:r>
-              <a:rPr lang="zh-CN" altLang="en-US" smtClean="0"/>
+              <a:rPr lang="zh-CN" altLang="en-US"/>
               <a:t>第三级</a:t>
             </a:r>
           </a:p>
           <a:p>
             <a:pPr lvl="3"/>
             <a:r>
-              <a:rPr lang="zh-CN" altLang="en-US" smtClean="0"/>
+              <a:rPr lang="zh-CN" altLang="en-US"/>
               <a:t>第四级</a:t>
             </a:r>
           </a:p>
           <a:p>
             <a:pPr lvl="4"/>
             <a:r>
-              <a:rPr lang="zh-CN" altLang="en-US" smtClean="0"/>
+              <a:rPr lang="zh-CN" altLang="en-US"/>
               <a:t>第五级</a:t>
             </a:r>
-            <a:endParaRPr lang="zh-CN" altLang="en-US"/>
           </a:p>
         </p:txBody>
       </p:sp>
@@ -787,7 +782,7 @@
           <a:p>
             <a:fld id="{CAD6EDDE-8258-4135-98D1-138C89A7D11F}" type="datetime1">
               <a:rPr lang="zh-CN" altLang="en-US" smtClean="0"/>
-              <a:t>2020/6/6</a:t>
+              <a:t>2020/6/8</a:t>
             </a:fld>
             <a:endParaRPr lang="zh-CN" altLang="en-US"/>
           </a:p>
@@ -809,7 +804,7 @@
           <a:lstStyle/>
           <a:p>
             <a:r>
-              <a:rPr lang="en-US" altLang="zh-CN" smtClean="0"/>
+              <a:rPr lang="en-US" altLang="zh-CN"/>
               <a:t>LTE Phone Number Catcher: A Practical Attack against Mobile Privacy</a:t>
             </a:r>
             <a:endParaRPr lang="zh-CN" altLang="en-US"/>
@@ -890,10 +885,9 @@
           <a:lstStyle/>
           <a:p>
             <a:r>
-              <a:rPr lang="zh-CN" altLang="en-US" smtClean="0"/>
+              <a:rPr lang="zh-CN" altLang="en-US"/>
               <a:t>单击此处编辑母版标题样式</a:t>
             </a:r>
-            <a:endParaRPr lang="zh-CN" altLang="en-US"/>
           </a:p>
         </p:txBody>
       </p:sp>
@@ -919,38 +913,37 @@
           <a:p>
             <a:pPr lvl="0"/>
             <a:r>
-              <a:rPr lang="zh-CN" altLang="en-US" smtClean="0"/>
+              <a:rPr lang="zh-CN" altLang="en-US"/>
               <a:t>单击此处编辑母版文本样式</a:t>
             </a:r>
           </a:p>
           <a:p>
             <a:pPr lvl="1"/>
             <a:r>
-              <a:rPr lang="zh-CN" altLang="en-US" smtClean="0"/>
+              <a:rPr lang="zh-CN" altLang="en-US"/>
               <a:t>第二级</a:t>
             </a:r>
           </a:p>
           <a:p>
             <a:pPr lvl="2"/>
             <a:r>
-              <a:rPr lang="zh-CN" altLang="en-US" smtClean="0"/>
+              <a:rPr lang="zh-CN" altLang="en-US"/>
               <a:t>第三级</a:t>
             </a:r>
           </a:p>
           <a:p>
             <a:pPr lvl="3"/>
             <a:r>
-              <a:rPr lang="zh-CN" altLang="en-US" smtClean="0"/>
+              <a:rPr lang="zh-CN" altLang="en-US"/>
               <a:t>第四级</a:t>
             </a:r>
           </a:p>
           <a:p>
             <a:pPr lvl="4"/>
             <a:r>
-              <a:rPr lang="zh-CN" altLang="en-US" smtClean="0"/>
+              <a:rPr lang="zh-CN" altLang="en-US"/>
               <a:t>第五级</a:t>
             </a:r>
-            <a:endParaRPr lang="zh-CN" altLang="en-US"/>
           </a:p>
         </p:txBody>
       </p:sp>
@@ -971,7 +964,7 @@
           <a:p>
             <a:fld id="{A4F786FF-FC21-41E5-B843-4724DBB978DB}" type="datetime1">
               <a:rPr lang="zh-CN" altLang="en-US" smtClean="0"/>
-              <a:t>2020/6/6</a:t>
+              <a:t>2020/6/8</a:t>
             </a:fld>
             <a:endParaRPr lang="zh-CN" altLang="en-US"/>
           </a:p>
@@ -993,7 +986,7 @@
           <a:lstStyle/>
           <a:p>
             <a:r>
-              <a:rPr lang="en-US" altLang="zh-CN" smtClean="0"/>
+              <a:rPr lang="en-US" altLang="zh-CN"/>
               <a:t>LTE Phone Number Catcher: A Practical Attack against Mobile Privacy</a:t>
             </a:r>
             <a:endParaRPr lang="zh-CN" altLang="en-US"/>
@@ -1083,10 +1076,9 @@
           </a:lstStyle>
           <a:p>
             <a:r>
-              <a:rPr lang="zh-CN" altLang="en-US" smtClean="0"/>
+              <a:rPr lang="zh-CN" altLang="en-US"/>
               <a:t>单击此处编辑母版标题样式</a:t>
             </a:r>
-            <a:endParaRPr lang="zh-CN" altLang="en-US"/>
           </a:p>
         </p:txBody>
       </p:sp>
@@ -1143,38 +1135,37 @@
           <a:p>
             <a:pPr lvl="0"/>
             <a:r>
-              <a:rPr lang="zh-CN" altLang="en-US" dirty="0" smtClean="0"/>
+              <a:rPr lang="zh-CN" altLang="en-US" dirty="0"/>
               <a:t>单击此处编辑母版文本样式</a:t>
             </a:r>
           </a:p>
           <a:p>
             <a:pPr lvl="1"/>
             <a:r>
-              <a:rPr lang="zh-CN" altLang="en-US" dirty="0" smtClean="0"/>
+              <a:rPr lang="zh-CN" altLang="en-US" dirty="0"/>
               <a:t>第二级</a:t>
             </a:r>
           </a:p>
           <a:p>
             <a:pPr lvl="2"/>
             <a:r>
-              <a:rPr lang="zh-CN" altLang="en-US" dirty="0" smtClean="0"/>
+              <a:rPr lang="zh-CN" altLang="en-US" dirty="0"/>
               <a:t>第三级</a:t>
             </a:r>
           </a:p>
           <a:p>
             <a:pPr lvl="3"/>
             <a:r>
-              <a:rPr lang="zh-CN" altLang="en-US" dirty="0" smtClean="0"/>
+              <a:rPr lang="zh-CN" altLang="en-US" dirty="0"/>
               <a:t>第四级</a:t>
             </a:r>
           </a:p>
           <a:p>
             <a:pPr lvl="4"/>
             <a:r>
-              <a:rPr lang="zh-CN" altLang="en-US" dirty="0" smtClean="0"/>
+              <a:rPr lang="zh-CN" altLang="en-US" dirty="0"/>
               <a:t>第五级</a:t>
             </a:r>
-            <a:endParaRPr lang="zh-CN" altLang="en-US" dirty="0"/>
           </a:p>
         </p:txBody>
       </p:sp>
@@ -1209,7 +1200,7 @@
           </a:lstStyle>
           <a:p>
             <a:r>
-              <a:rPr lang="en-US" altLang="zh-CN" smtClean="0"/>
+              <a:rPr lang="en-US" altLang="zh-CN"/>
               <a:t>LTE Phone Number Catcher: A Practical Attack against Mobile Privacy</a:t>
             </a:r>
             <a:endParaRPr lang="zh-CN" altLang="en-US" dirty="0"/>
@@ -1310,10 +1301,9 @@
           </a:lstStyle>
           <a:p>
             <a:r>
-              <a:rPr lang="zh-CN" altLang="en-US" smtClean="0"/>
+              <a:rPr lang="zh-CN" altLang="en-US"/>
               <a:t>单击此处编辑母版标题样式</a:t>
             </a:r>
-            <a:endParaRPr lang="zh-CN" altLang="en-US"/>
           </a:p>
         </p:txBody>
       </p:sp>
@@ -1430,7 +1420,7 @@
           <a:p>
             <a:pPr lvl="0"/>
             <a:r>
-              <a:rPr lang="zh-CN" altLang="en-US" smtClean="0"/>
+              <a:rPr lang="zh-CN" altLang="en-US"/>
               <a:t>单击此处编辑母版文本样式</a:t>
             </a:r>
           </a:p>
@@ -1453,7 +1443,7 @@
           <a:p>
             <a:fld id="{6A3DF257-FFF4-43D3-A734-023879B918D0}" type="datetime1">
               <a:rPr lang="zh-CN" altLang="en-US" smtClean="0"/>
-              <a:t>2020/6/6</a:t>
+              <a:t>2020/6/8</a:t>
             </a:fld>
             <a:endParaRPr lang="zh-CN" altLang="en-US"/>
           </a:p>
@@ -1475,7 +1465,7 @@
           <a:lstStyle/>
           <a:p>
             <a:r>
-              <a:rPr lang="en-US" altLang="zh-CN" smtClean="0"/>
+              <a:rPr lang="en-US" altLang="zh-CN"/>
               <a:t>LTE Phone Number Catcher: A Practical Attack against Mobile Privacy</a:t>
             </a:r>
             <a:endParaRPr lang="zh-CN" altLang="en-US"/>
@@ -1551,10 +1541,9 @@
           <a:lstStyle/>
           <a:p>
             <a:r>
-              <a:rPr lang="zh-CN" altLang="en-US" smtClean="0"/>
+              <a:rPr lang="zh-CN" altLang="en-US"/>
               <a:t>单击此处编辑母版标题样式</a:t>
             </a:r>
-            <a:endParaRPr lang="zh-CN" altLang="en-US"/>
           </a:p>
         </p:txBody>
       </p:sp>
@@ -1580,38 +1569,37 @@
           <a:p>
             <a:pPr lvl="0"/>
             <a:r>
-              <a:rPr lang="zh-CN" altLang="en-US" smtClean="0"/>
+              <a:rPr lang="zh-CN" altLang="en-US"/>
               <a:t>单击此处编辑母版文本样式</a:t>
             </a:r>
           </a:p>
           <a:p>
             <a:pPr lvl="1"/>
             <a:r>
-              <a:rPr lang="zh-CN" altLang="en-US" smtClean="0"/>
+              <a:rPr lang="zh-CN" altLang="en-US"/>
               <a:t>第二级</a:t>
             </a:r>
           </a:p>
           <a:p>
             <a:pPr lvl="2"/>
             <a:r>
-              <a:rPr lang="zh-CN" altLang="en-US" smtClean="0"/>
+              <a:rPr lang="zh-CN" altLang="en-US"/>
               <a:t>第三级</a:t>
             </a:r>
           </a:p>
           <a:p>
             <a:pPr lvl="3"/>
             <a:r>
-              <a:rPr lang="zh-CN" altLang="en-US" smtClean="0"/>
+              <a:rPr lang="zh-CN" altLang="en-US"/>
               <a:t>第四级</a:t>
             </a:r>
           </a:p>
           <a:p>
             <a:pPr lvl="4"/>
             <a:r>
-              <a:rPr lang="zh-CN" altLang="en-US" smtClean="0"/>
+              <a:rPr lang="zh-CN" altLang="en-US"/>
               <a:t>第五级</a:t>
             </a:r>
-            <a:endParaRPr lang="zh-CN" altLang="en-US"/>
           </a:p>
         </p:txBody>
       </p:sp>
@@ -1637,38 +1625,37 @@
           <a:p>
             <a:pPr lvl="0"/>
             <a:r>
-              <a:rPr lang="zh-CN" altLang="en-US" smtClean="0"/>
+              <a:rPr lang="zh-CN" altLang="en-US"/>
               <a:t>单击此处编辑母版文本样式</a:t>
             </a:r>
           </a:p>
           <a:p>
             <a:pPr lvl="1"/>
             <a:r>
-              <a:rPr lang="zh-CN" altLang="en-US" smtClean="0"/>
+              <a:rPr lang="zh-CN" altLang="en-US"/>
               <a:t>第二级</a:t>
             </a:r>
           </a:p>
           <a:p>
             <a:pPr lvl="2"/>
             <a:r>
-              <a:rPr lang="zh-CN" altLang="en-US" smtClean="0"/>
+              <a:rPr lang="zh-CN" altLang="en-US"/>
               <a:t>第三级</a:t>
             </a:r>
           </a:p>
           <a:p>
             <a:pPr lvl="3"/>
             <a:r>
-              <a:rPr lang="zh-CN" altLang="en-US" smtClean="0"/>
+              <a:rPr lang="zh-CN" altLang="en-US"/>
               <a:t>第四级</a:t>
             </a:r>
           </a:p>
           <a:p>
             <a:pPr lvl="4"/>
             <a:r>
-              <a:rPr lang="zh-CN" altLang="en-US" smtClean="0"/>
+              <a:rPr lang="zh-CN" altLang="en-US"/>
               <a:t>第五级</a:t>
             </a:r>
-            <a:endParaRPr lang="zh-CN" altLang="en-US"/>
           </a:p>
         </p:txBody>
       </p:sp>
@@ -1689,7 +1676,7 @@
           <a:p>
             <a:fld id="{558E8501-F9B5-4D99-BE36-F931E4F74C2A}" type="datetime1">
               <a:rPr lang="zh-CN" altLang="en-US" smtClean="0"/>
-              <a:t>2020/6/6</a:t>
+              <a:t>2020/6/8</a:t>
             </a:fld>
             <a:endParaRPr lang="zh-CN" altLang="en-US"/>
           </a:p>
@@ -1711,7 +1698,7 @@
           <a:lstStyle/>
           <a:p>
             <a:r>
-              <a:rPr lang="en-US" altLang="zh-CN" smtClean="0"/>
+              <a:rPr lang="en-US" altLang="zh-CN"/>
               <a:t>LTE Phone Number Catcher: A Practical Attack against Mobile Privacy</a:t>
             </a:r>
             <a:endParaRPr lang="zh-CN" altLang="en-US"/>
@@ -1792,10 +1779,9 @@
           <a:lstStyle/>
           <a:p>
             <a:r>
-              <a:rPr lang="zh-CN" altLang="en-US" smtClean="0"/>
+              <a:rPr lang="zh-CN" altLang="en-US"/>
               <a:t>单击此处编辑母版标题样式</a:t>
             </a:r>
-            <a:endParaRPr lang="zh-CN" altLang="en-US"/>
           </a:p>
         </p:txBody>
       </p:sp>
@@ -1858,7 +1844,7 @@
           <a:p>
             <a:pPr lvl="0"/>
             <a:r>
-              <a:rPr lang="zh-CN" altLang="en-US" smtClean="0"/>
+              <a:rPr lang="zh-CN" altLang="en-US"/>
               <a:t>单击此处编辑母版文本样式</a:t>
             </a:r>
           </a:p>
@@ -1886,38 +1872,37 @@
           <a:p>
             <a:pPr lvl="0"/>
             <a:r>
-              <a:rPr lang="zh-CN" altLang="en-US" smtClean="0"/>
+              <a:rPr lang="zh-CN" altLang="en-US"/>
               <a:t>单击此处编辑母版文本样式</a:t>
             </a:r>
           </a:p>
           <a:p>
             <a:pPr lvl="1"/>
             <a:r>
-              <a:rPr lang="zh-CN" altLang="en-US" smtClean="0"/>
+              <a:rPr lang="zh-CN" altLang="en-US"/>
               <a:t>第二级</a:t>
             </a:r>
           </a:p>
           <a:p>
             <a:pPr lvl="2"/>
             <a:r>
-              <a:rPr lang="zh-CN" altLang="en-US" smtClean="0"/>
+              <a:rPr lang="zh-CN" altLang="en-US"/>
               <a:t>第三级</a:t>
             </a:r>
           </a:p>
           <a:p>
             <a:pPr lvl="3"/>
             <a:r>
-              <a:rPr lang="zh-CN" altLang="en-US" smtClean="0"/>
+              <a:rPr lang="zh-CN" altLang="en-US"/>
               <a:t>第四级</a:t>
             </a:r>
           </a:p>
           <a:p>
             <a:pPr lvl="4"/>
             <a:r>
-              <a:rPr lang="zh-CN" altLang="en-US" smtClean="0"/>
+              <a:rPr lang="zh-CN" altLang="en-US"/>
               <a:t>第五级</a:t>
             </a:r>
-            <a:endParaRPr lang="zh-CN" altLang="en-US"/>
           </a:p>
         </p:txBody>
       </p:sp>
@@ -1980,7 +1965,7 @@
           <a:p>
             <a:pPr lvl="0"/>
             <a:r>
-              <a:rPr lang="zh-CN" altLang="en-US" smtClean="0"/>
+              <a:rPr lang="zh-CN" altLang="en-US"/>
               <a:t>单击此处编辑母版文本样式</a:t>
             </a:r>
           </a:p>
@@ -2008,38 +1993,37 @@
           <a:p>
             <a:pPr lvl="0"/>
             <a:r>
-              <a:rPr lang="zh-CN" altLang="en-US" smtClean="0"/>
+              <a:rPr lang="zh-CN" altLang="en-US"/>
               <a:t>单击此处编辑母版文本样式</a:t>
             </a:r>
           </a:p>
           <a:p>
             <a:pPr lvl="1"/>
             <a:r>
-              <a:rPr lang="zh-CN" altLang="en-US" smtClean="0"/>
+              <a:rPr lang="zh-CN" altLang="en-US"/>
               <a:t>第二级</a:t>
             </a:r>
           </a:p>
           <a:p>
             <a:pPr lvl="2"/>
             <a:r>
-              <a:rPr lang="zh-CN" altLang="en-US" smtClean="0"/>
+              <a:rPr lang="zh-CN" altLang="en-US"/>
               <a:t>第三级</a:t>
             </a:r>
           </a:p>
           <a:p>
             <a:pPr lvl="3"/>
             <a:r>
-              <a:rPr lang="zh-CN" altLang="en-US" smtClean="0"/>
+              <a:rPr lang="zh-CN" altLang="en-US"/>
               <a:t>第四级</a:t>
             </a:r>
           </a:p>
           <a:p>
             <a:pPr lvl="4"/>
             <a:r>
-              <a:rPr lang="zh-CN" altLang="en-US" smtClean="0"/>
+              <a:rPr lang="zh-CN" altLang="en-US"/>
               <a:t>第五级</a:t>
             </a:r>
-            <a:endParaRPr lang="zh-CN" altLang="en-US"/>
           </a:p>
         </p:txBody>
       </p:sp>
@@ -2060,7 +2044,7 @@
           <a:p>
             <a:fld id="{290F56E6-87CB-4499-B353-DB44E8B6FDF1}" type="datetime1">
               <a:rPr lang="zh-CN" altLang="en-US" smtClean="0"/>
-              <a:t>2020/6/6</a:t>
+              <a:t>2020/6/8</a:t>
             </a:fld>
             <a:endParaRPr lang="zh-CN" altLang="en-US"/>
           </a:p>
@@ -2082,7 +2066,7 @@
           <a:lstStyle/>
           <a:p>
             <a:r>
-              <a:rPr lang="en-US" altLang="zh-CN" smtClean="0"/>
+              <a:rPr lang="en-US" altLang="zh-CN"/>
               <a:t>LTE Phone Number Catcher: A Practical Attack against Mobile Privacy</a:t>
             </a:r>
             <a:endParaRPr lang="zh-CN" altLang="en-US"/>
@@ -2158,10 +2142,9 @@
           <a:lstStyle/>
           <a:p>
             <a:r>
-              <a:rPr lang="zh-CN" altLang="en-US" smtClean="0"/>
+              <a:rPr lang="zh-CN" altLang="en-US"/>
               <a:t>单击此处编辑母版标题样式</a:t>
             </a:r>
-            <a:endParaRPr lang="zh-CN" altLang="en-US"/>
           </a:p>
         </p:txBody>
       </p:sp>
@@ -2182,7 +2165,7 @@
           <a:p>
             <a:fld id="{3ADCBD56-D48A-4982-A9C5-6E7E68182A52}" type="datetime1">
               <a:rPr lang="zh-CN" altLang="en-US" smtClean="0"/>
-              <a:t>2020/6/6</a:t>
+              <a:t>2020/6/8</a:t>
             </a:fld>
             <a:endParaRPr lang="zh-CN" altLang="en-US"/>
           </a:p>
@@ -2204,7 +2187,7 @@
           <a:lstStyle/>
           <a:p>
             <a:r>
-              <a:rPr lang="en-US" altLang="zh-CN" smtClean="0"/>
+              <a:rPr lang="en-US" altLang="zh-CN"/>
               <a:t>LTE Phone Number Catcher: A Practical Attack against Mobile Privacy</a:t>
             </a:r>
             <a:endParaRPr lang="zh-CN" altLang="en-US"/>
@@ -2281,7 +2264,7 @@
           <a:p>
             <a:fld id="{BE83D10E-741F-4194-B7A0-87FEF338E493}" type="datetime1">
               <a:rPr lang="zh-CN" altLang="en-US" smtClean="0"/>
-              <a:t>2020/6/6</a:t>
+              <a:t>2020/6/8</a:t>
             </a:fld>
             <a:endParaRPr lang="zh-CN" altLang="en-US"/>
           </a:p>
@@ -2303,7 +2286,7 @@
           <a:lstStyle/>
           <a:p>
             <a:r>
-              <a:rPr lang="en-US" altLang="zh-CN" smtClean="0"/>
+              <a:rPr lang="en-US" altLang="zh-CN"/>
               <a:t>LTE Phone Number Catcher: A Practical Attack against Mobile Privacy</a:t>
             </a:r>
             <a:endParaRPr lang="zh-CN" altLang="en-US"/>
@@ -2388,10 +2371,9 @@
           </a:lstStyle>
           <a:p>
             <a:r>
-              <a:rPr lang="zh-CN" altLang="en-US" smtClean="0"/>
+              <a:rPr lang="zh-CN" altLang="en-US"/>
               <a:t>单击此处编辑母版标题样式</a:t>
             </a:r>
-            <a:endParaRPr lang="zh-CN" altLang="en-US"/>
           </a:p>
         </p:txBody>
       </p:sp>
@@ -2445,38 +2427,37 @@
           <a:p>
             <a:pPr lvl="0"/>
             <a:r>
-              <a:rPr lang="zh-CN" altLang="en-US" smtClean="0"/>
+              <a:rPr lang="zh-CN" altLang="en-US"/>
               <a:t>单击此处编辑母版文本样式</a:t>
             </a:r>
           </a:p>
           <a:p>
             <a:pPr lvl="1"/>
             <a:r>
-              <a:rPr lang="zh-CN" altLang="en-US" smtClean="0"/>
+              <a:rPr lang="zh-CN" altLang="en-US"/>
               <a:t>第二级</a:t>
             </a:r>
           </a:p>
           <a:p>
             <a:pPr lvl="2"/>
             <a:r>
-              <a:rPr lang="zh-CN" altLang="en-US" smtClean="0"/>
+              <a:rPr lang="zh-CN" altLang="en-US"/>
               <a:t>第三级</a:t>
             </a:r>
           </a:p>
           <a:p>
             <a:pPr lvl="3"/>
             <a:r>
-              <a:rPr lang="zh-CN" altLang="en-US" smtClean="0"/>
+              <a:rPr lang="zh-CN" altLang="en-US"/>
               <a:t>第四级</a:t>
             </a:r>
           </a:p>
           <a:p>
             <a:pPr lvl="4"/>
             <a:r>
-              <a:rPr lang="zh-CN" altLang="en-US" smtClean="0"/>
+              <a:rPr lang="zh-CN" altLang="en-US"/>
               <a:t>第五级</a:t>
             </a:r>
-            <a:endParaRPr lang="zh-CN" altLang="en-US"/>
           </a:p>
         </p:txBody>
       </p:sp>
@@ -2539,7 +2520,7 @@
           <a:p>
             <a:pPr lvl="0"/>
             <a:r>
-              <a:rPr lang="zh-CN" altLang="en-US" smtClean="0"/>
+              <a:rPr lang="zh-CN" altLang="en-US"/>
               <a:t>单击此处编辑母版文本样式</a:t>
             </a:r>
           </a:p>
@@ -2562,7 +2543,7 @@
           <a:p>
             <a:fld id="{3BDB64AC-4CDF-4D37-8EE1-BC1891535049}" type="datetime1">
               <a:rPr lang="zh-CN" altLang="en-US" smtClean="0"/>
-              <a:t>2020/6/6</a:t>
+              <a:t>2020/6/8</a:t>
             </a:fld>
             <a:endParaRPr lang="zh-CN" altLang="en-US"/>
           </a:p>
@@ -2584,7 +2565,7 @@
           <a:lstStyle/>
           <a:p>
             <a:r>
-              <a:rPr lang="en-US" altLang="zh-CN" smtClean="0"/>
+              <a:rPr lang="en-US" altLang="zh-CN"/>
               <a:t>LTE Phone Number Catcher: A Practical Attack against Mobile Privacy</a:t>
             </a:r>
             <a:endParaRPr lang="zh-CN" altLang="en-US"/>
@@ -2669,10 +2650,9 @@
           </a:lstStyle>
           <a:p>
             <a:r>
-              <a:rPr lang="zh-CN" altLang="en-US" smtClean="0"/>
+              <a:rPr lang="zh-CN" altLang="en-US"/>
               <a:t>单击此处编辑母版标题样式</a:t>
             </a:r>
-            <a:endParaRPr lang="zh-CN" altLang="en-US"/>
           </a:p>
         </p:txBody>
       </p:sp>
@@ -2796,7 +2776,7 @@
           <a:p>
             <a:pPr lvl="0"/>
             <a:r>
-              <a:rPr lang="zh-CN" altLang="en-US" smtClean="0"/>
+              <a:rPr lang="zh-CN" altLang="en-US"/>
               <a:t>单击此处编辑母版文本样式</a:t>
             </a:r>
           </a:p>
@@ -2819,7 +2799,7 @@
           <a:p>
             <a:fld id="{A57B5AE3-5035-4FBD-9579-809DCC9BC55E}" type="datetime1">
               <a:rPr lang="zh-CN" altLang="en-US" smtClean="0"/>
-              <a:t>2020/6/6</a:t>
+              <a:t>2020/6/8</a:t>
             </a:fld>
             <a:endParaRPr lang="zh-CN" altLang="en-US"/>
           </a:p>
@@ -2841,7 +2821,7 @@
           <a:lstStyle/>
           <a:p>
             <a:r>
-              <a:rPr lang="en-US" altLang="zh-CN" smtClean="0"/>
+              <a:rPr lang="en-US" altLang="zh-CN"/>
               <a:t>LTE Phone Number Catcher: A Practical Attack against Mobile Privacy</a:t>
             </a:r>
             <a:endParaRPr lang="zh-CN" altLang="en-US"/>
@@ -2932,10 +2912,9 @@
           <a:lstStyle/>
           <a:p>
             <a:r>
-              <a:rPr lang="zh-CN" altLang="en-US" smtClean="0"/>
+              <a:rPr lang="zh-CN" altLang="en-US"/>
               <a:t>单击此处编辑母版标题样式</a:t>
             </a:r>
-            <a:endParaRPr lang="zh-CN" altLang="en-US"/>
           </a:p>
         </p:txBody>
       </p:sp>
@@ -2966,38 +2945,37 @@
           <a:p>
             <a:pPr lvl="0"/>
             <a:r>
-              <a:rPr lang="zh-CN" altLang="en-US" smtClean="0"/>
+              <a:rPr lang="zh-CN" altLang="en-US"/>
               <a:t>单击此处编辑母版文本样式</a:t>
             </a:r>
           </a:p>
           <a:p>
             <a:pPr lvl="1"/>
             <a:r>
-              <a:rPr lang="zh-CN" altLang="en-US" smtClean="0"/>
+              <a:rPr lang="zh-CN" altLang="en-US"/>
               <a:t>第二级</a:t>
             </a:r>
           </a:p>
           <a:p>
             <a:pPr lvl="2"/>
             <a:r>
-              <a:rPr lang="zh-CN" altLang="en-US" smtClean="0"/>
+              <a:rPr lang="zh-CN" altLang="en-US"/>
               <a:t>第三级</a:t>
             </a:r>
           </a:p>
           <a:p>
             <a:pPr lvl="3"/>
             <a:r>
-              <a:rPr lang="zh-CN" altLang="en-US" smtClean="0"/>
+              <a:rPr lang="zh-CN" altLang="en-US"/>
               <a:t>第四级</a:t>
             </a:r>
           </a:p>
           <a:p>
             <a:pPr lvl="4"/>
             <a:r>
-              <a:rPr lang="zh-CN" altLang="en-US" smtClean="0"/>
+              <a:rPr lang="zh-CN" altLang="en-US"/>
               <a:t>第五级</a:t>
             </a:r>
-            <a:endParaRPr lang="zh-CN" altLang="en-US"/>
           </a:p>
         </p:txBody>
       </p:sp>
@@ -3036,7 +3014,7 @@
           <a:p>
             <a:fld id="{9FF488AB-DBA9-432E-8968-8C1072E4CA37}" type="datetime1">
               <a:rPr lang="zh-CN" altLang="en-US" smtClean="0"/>
-              <a:t>2020/6/6</a:t>
+              <a:t>2020/6/8</a:t>
             </a:fld>
             <a:endParaRPr lang="zh-CN" altLang="en-US"/>
           </a:p>
@@ -3076,7 +3054,7 @@
           </a:lstStyle>
           <a:p>
             <a:r>
-              <a:rPr lang="en-US" altLang="zh-CN" smtClean="0"/>
+              <a:rPr lang="en-US" altLang="zh-CN"/>
               <a:t>LTE Phone Number Catcher: A Practical Attack against Mobile Privacy</a:t>
             </a:r>
             <a:endParaRPr lang="zh-CN" altLang="en-US"/>
@@ -3462,10 +3440,9 @@
           <a:lstStyle/>
           <a:p>
             <a:r>
-              <a:rPr lang="zh-CN" altLang="en-US" dirty="0" smtClean="0"/>
+              <a:rPr lang="zh-CN" altLang="en-US" dirty="0"/>
               <a:t>树</a:t>
             </a:r>
-            <a:endParaRPr lang="zh-CN" altLang="en-US" dirty="0"/>
           </a:p>
         </p:txBody>
       </p:sp>
@@ -3485,20 +3462,20 @@
           <a:lstStyle/>
           <a:p>
             <a:r>
-              <a:rPr lang="zh-CN" altLang="en-US" dirty="0" smtClean="0">
+              <a:rPr lang="zh-CN" altLang="en-US" dirty="0">
                 <a:latin typeface="等线" panose="02010600030101010101" pitchFamily="2" charset="-122"/>
                 <a:ea typeface="等线" panose="02010600030101010101" pitchFamily="2" charset="-122"/>
               </a:rPr>
               <a:t>计算机研讨会</a:t>
             </a:r>
-            <a:endParaRPr lang="en-US" altLang="zh-CN" dirty="0" smtClean="0">
+            <a:endParaRPr lang="en-US" altLang="zh-CN" dirty="0">
               <a:latin typeface="等线" panose="02010600030101010101" pitchFamily="2" charset="-122"/>
               <a:ea typeface="等线" panose="02010600030101010101" pitchFamily="2" charset="-122"/>
             </a:endParaRPr>
           </a:p>
           <a:p>
             <a:r>
-              <a:rPr lang="en-US" altLang="zh-CN" dirty="0" err="1" smtClean="0">
+              <a:rPr lang="en-US" altLang="zh-CN" dirty="0" err="1">
                 <a:latin typeface="等线" panose="02010600030101010101" pitchFamily="2" charset="-122"/>
                 <a:ea typeface="等线" panose="02010600030101010101" pitchFamily="2" charset="-122"/>
               </a:rPr>
@@ -3511,7 +3488,7 @@
           </a:p>
           <a:p>
             <a:r>
-              <a:rPr lang="en-US" altLang="zh-CN" dirty="0" smtClean="0">
+              <a:rPr lang="en-US" altLang="zh-CN" dirty="0">
                 <a:latin typeface="等线" panose="02010600030101010101" pitchFamily="2" charset="-122"/>
                 <a:ea typeface="等线" panose="02010600030101010101" pitchFamily="2" charset="-122"/>
               </a:rPr>
@@ -3534,13 +3511,6 @@
   <p:clrMapOvr>
     <a:masterClrMapping/>
   </p:clrMapOvr>
-  <p:timing>
-    <p:tnLst>
-      <p:par>
-        <p:cTn id="1" dur="indefinite" restart="never" nodeType="tmRoot"/>
-      </p:par>
-    </p:tnLst>
-  </p:timing>
 </p:sld>
 </file>
 
@@ -3577,10 +3547,9 @@
           <a:lstStyle/>
           <a:p>
             <a:r>
-              <a:rPr lang="zh-CN" altLang="en-US" dirty="0" smtClean="0"/>
+              <a:rPr lang="zh-CN" altLang="en-US" dirty="0"/>
               <a:t>下次预告</a:t>
             </a:r>
-            <a:endParaRPr lang="zh-CN" altLang="en-US" dirty="0"/>
           </a:p>
         </p:txBody>
       </p:sp>
@@ -3600,24 +3569,47 @@
           <a:lstStyle/>
           <a:p>
             <a:r>
-              <a:rPr lang="zh-CN" altLang="en-US" dirty="0" smtClean="0"/>
-              <a:t>后序遍历的单栈实现、莫里斯</a:t>
-            </a:r>
-            <a:endParaRPr lang="en-US" altLang="zh-CN" dirty="0" smtClean="0"/>
-          </a:p>
-          <a:p>
-            <a:r>
-              <a:rPr lang="zh-CN" altLang="en-US" dirty="0" smtClean="0"/>
+              <a:rPr lang="zh-CN" altLang="en-US" dirty="0"/>
+              <a:t>后序遍历的单栈实现（两次</a:t>
+            </a:r>
+            <a:r>
+              <a:rPr lang="en-US" altLang="zh-CN" dirty="0"/>
+              <a:t>push</a:t>
+            </a:r>
+            <a:r>
+              <a:rPr lang="zh-CN" altLang="en-US" dirty="0"/>
+              <a:t>或记录</a:t>
+            </a:r>
+            <a:r>
+              <a:rPr lang="en-US" altLang="zh-CN" dirty="0"/>
+              <a:t>last</a:t>
+            </a:r>
+            <a:r>
+              <a:rPr lang="zh-CN" altLang="en-US" dirty="0"/>
+              <a:t>）、</a:t>
+            </a:r>
+            <a:r>
+              <a:rPr lang="zh-CN" altLang="en-US" strike="sngStrike" dirty="0"/>
+              <a:t>莫里斯、</a:t>
+            </a:r>
+            <a:r>
+              <a:rPr lang="zh-CN" altLang="en-US" dirty="0"/>
+              <a:t>无序表</a:t>
+            </a:r>
+            <a:endParaRPr lang="en-US" altLang="zh-CN" dirty="0"/>
+          </a:p>
+          <a:p>
+            <a:r>
+              <a:rPr lang="zh-CN" altLang="en-US" dirty="0"/>
               <a:t>前序的莫里斯</a:t>
             </a:r>
-            <a:endParaRPr lang="en-US" altLang="zh-CN" dirty="0" smtClean="0"/>
-          </a:p>
-          <a:p>
-            <a:r>
-              <a:rPr lang="zh-CN" altLang="en-US" dirty="0" smtClean="0"/>
+            <a:endParaRPr lang="en-US" altLang="zh-CN" dirty="0"/>
+          </a:p>
+          <a:p>
+            <a:r>
+              <a:rPr lang="zh-CN" altLang="en-US" dirty="0"/>
               <a:t>中序的栈实现</a:t>
             </a:r>
-            <a:endParaRPr lang="zh-CN" altLang="en-US" dirty="0"/>
           </a:p>
         </p:txBody>
       </p:sp>
@@ -3655,13 +3647,6 @@
   <p:clrMapOvr>
     <a:masterClrMapping/>
   </p:clrMapOvr>
-  <p:timing>
-    <p:tnLst>
-      <p:par>
-        <p:cTn id="1" dur="indefinite" restart="never" nodeType="tmRoot"/>
-      </p:par>
-    </p:tnLst>
-  </p:timing>
 </p:sld>
 </file>
 
@@ -3698,18 +3683,17 @@
           <a:lstStyle/>
           <a:p>
             <a:r>
-              <a:rPr lang="zh-CN" altLang="en-US" dirty="0" smtClean="0"/>
+              <a:rPr lang="zh-CN" altLang="en-US" dirty="0"/>
               <a:t>深搜 </a:t>
             </a:r>
             <a:r>
-              <a:rPr lang="en-US" altLang="zh-CN" dirty="0" smtClean="0"/>
+              <a:rPr lang="en-US" altLang="zh-CN" dirty="0"/>
               <a:t>vs </a:t>
             </a:r>
             <a:r>
-              <a:rPr lang="zh-CN" altLang="en-US" dirty="0" smtClean="0"/>
+              <a:rPr lang="zh-CN" altLang="en-US" dirty="0"/>
               <a:t>广搜</a:t>
             </a:r>
-            <a:endParaRPr lang="zh-CN" altLang="en-US" dirty="0"/>
           </a:p>
         </p:txBody>
       </p:sp>
@@ -3766,21 +3750,6 @@
   <p:clrMapOvr>
     <a:masterClrMapping/>
   </p:clrMapOvr>
-  <mc:AlternateContent xmlns:mc="http://schemas.openxmlformats.org/markup-compatibility/2006" xmlns:p14="http://schemas.microsoft.com/office/powerpoint/2010/main">
-    <mc:Choice Requires="p14">
-      <p:transition spd="slow" p14:dur="2000"/>
-    </mc:Choice>
-    <mc:Fallback xmlns="">
-      <p:transition spd="slow"/>
-    </mc:Fallback>
-  </mc:AlternateContent>
-  <p:timing>
-    <p:tnLst>
-      <p:par>
-        <p:cTn id="1" dur="indefinite" restart="never" nodeType="tmRoot"/>
-      </p:par>
-    </p:tnLst>
-  </p:timing>
 </p:sld>
 </file>
 
@@ -3817,10 +3786,9 @@
           <a:lstStyle/>
           <a:p>
             <a:r>
-              <a:rPr lang="zh-CN" altLang="en-US" dirty="0" smtClean="0"/>
+              <a:rPr lang="zh-CN" altLang="en-US" dirty="0"/>
               <a:t>层次遍历</a:t>
             </a:r>
-            <a:endParaRPr lang="zh-CN" altLang="en-US" dirty="0"/>
           </a:p>
         </p:txBody>
       </p:sp>
@@ -3877,13 +3845,6 @@
   <p:clrMapOvr>
     <a:masterClrMapping/>
   </p:clrMapOvr>
-  <p:timing>
-    <p:tnLst>
-      <p:par>
-        <p:cTn id="1" dur="indefinite" restart="never" nodeType="tmRoot"/>
-      </p:par>
-    </p:tnLst>
-  </p:timing>
 </p:sld>
 </file>
 
@@ -3920,10 +3881,9 @@
           <a:lstStyle/>
           <a:p>
             <a:r>
-              <a:rPr lang="zh-CN" altLang="en-US" dirty="0" smtClean="0"/>
+              <a:rPr lang="zh-CN" altLang="en-US" dirty="0"/>
               <a:t>例题选讲</a:t>
             </a:r>
-            <a:endParaRPr lang="zh-CN" altLang="en-US" dirty="0"/>
           </a:p>
         </p:txBody>
       </p:sp>
@@ -4016,10 +3976,9 @@
           <a:lstStyle/>
           <a:p>
             <a:r>
-              <a:rPr lang="zh-CN" altLang="en-US" dirty="0" smtClean="0"/>
+              <a:rPr lang="zh-CN" altLang="en-US" dirty="0"/>
               <a:t>学习资源</a:t>
             </a:r>
-            <a:endParaRPr lang="zh-CN" altLang="en-US" dirty="0"/>
           </a:p>
         </p:txBody>
       </p:sp>
@@ -4046,83 +4005,59 @@
           <a:lstStyle/>
           <a:p>
             <a:r>
-              <a:rPr lang="zh-CN" altLang="en-US" dirty="0" smtClean="0"/>
+              <a:rPr lang="zh-CN" altLang="en-US" dirty="0"/>
               <a:t>教材：看教材也就图一乐，真要学技术还得多刷题</a:t>
             </a:r>
-            <a:endParaRPr lang="en-US" altLang="zh-CN" dirty="0" smtClean="0"/>
+            <a:endParaRPr lang="en-US" altLang="zh-CN" dirty="0"/>
           </a:p>
           <a:p>
             <a:pPr lvl="1"/>
             <a:r>
-              <a:rPr lang="en-US" altLang="zh-CN" dirty="0" smtClean="0"/>
+              <a:rPr lang="en-US" altLang="zh-CN" dirty="0"/>
               <a:t>《</a:t>
             </a:r>
             <a:r>
-              <a:rPr lang="zh-CN" altLang="en-US" dirty="0" smtClean="0"/>
+              <a:rPr lang="zh-CN" altLang="en-US" dirty="0"/>
               <a:t>算法导论</a:t>
             </a:r>
             <a:r>
-              <a:rPr lang="en-US" altLang="zh-CN" dirty="0" smtClean="0"/>
+              <a:rPr lang="en-US" altLang="zh-CN" dirty="0"/>
               <a:t>》</a:t>
             </a:r>
             <a:r>
-              <a:rPr lang="zh-CN" altLang="en-US" dirty="0" smtClean="0"/>
-              <a:t>：</a:t>
-            </a:r>
-            <a:r>
-              <a:rPr lang="zh-CN" altLang="en-US" dirty="0"/>
-              <a:t>很</a:t>
-            </a:r>
-            <a:r>
-              <a:rPr lang="zh-CN" altLang="en-US" dirty="0" smtClean="0"/>
-              <a:t>硬</a:t>
-            </a:r>
-            <a:r>
-              <a:rPr lang="zh-CN" altLang="en-US" dirty="0"/>
-              <a:t>核，数学推导和证明挺多，非常重视底层实现</a:t>
-            </a:r>
-            <a:r>
-              <a:rPr lang="zh-CN" altLang="en-US" dirty="0" smtClean="0"/>
-              <a:t>原理</a:t>
-            </a:r>
-            <a:endParaRPr lang="en-US" altLang="zh-CN" dirty="0" smtClean="0"/>
+              <a:rPr lang="zh-CN" altLang="en-US" dirty="0"/>
+              <a:t>：很硬核，数学推导和证明挺多，非常重视底层实现原理</a:t>
+            </a:r>
+            <a:endParaRPr lang="en-US" altLang="zh-CN" dirty="0"/>
           </a:p>
           <a:p>
             <a:pPr lvl="1"/>
             <a:r>
-              <a:rPr lang="en-US" altLang="zh-CN" dirty="0" smtClean="0"/>
+              <a:rPr lang="en-US" altLang="zh-CN" dirty="0"/>
               <a:t>《</a:t>
             </a:r>
             <a:r>
-              <a:rPr lang="zh-CN" altLang="en-US" dirty="0" smtClean="0"/>
+              <a:rPr lang="zh-CN" altLang="en-US" dirty="0"/>
               <a:t>算法</a:t>
             </a:r>
             <a:r>
-              <a:rPr lang="en-US" altLang="zh-CN" dirty="0" smtClean="0"/>
+              <a:rPr lang="en-US" altLang="zh-CN" dirty="0"/>
               <a:t>》</a:t>
             </a:r>
             <a:r>
               <a:rPr lang="zh-CN" altLang="en-US" dirty="0"/>
-              <a:t>：</a:t>
-            </a:r>
-            <a:r>
-              <a:rPr lang="zh-CN" altLang="en-US" dirty="0" smtClean="0"/>
-              <a:t>“树”的部分</a:t>
-            </a:r>
-            <a:r>
-              <a:rPr lang="zh-CN" altLang="en-US" dirty="0"/>
-              <a:t>是</a:t>
-            </a:r>
-            <a:r>
-              <a:rPr lang="en-US" altLang="zh-CN" dirty="0" smtClean="0"/>
+              <a:t>：“树”的部分是</a:t>
+            </a:r>
+            <a:r>
+              <a:rPr lang="en-US" altLang="zh-CN" dirty="0"/>
               <a:t>《</a:t>
             </a:r>
             <a:r>
-              <a:rPr lang="zh-CN" altLang="en-US" dirty="0" smtClean="0"/>
+              <a:rPr lang="zh-CN" altLang="en-US" dirty="0"/>
               <a:t>算导</a:t>
             </a:r>
             <a:r>
-              <a:rPr lang="en-US" altLang="zh-CN" dirty="0" smtClean="0"/>
+              <a:rPr lang="en-US" altLang="zh-CN" dirty="0"/>
               <a:t>》</a:t>
             </a:r>
             <a:r>
@@ -4134,19 +4069,19 @@
           <a:p>
             <a:pPr lvl="1"/>
             <a:r>
-              <a:rPr lang="en-US" altLang="zh-CN" dirty="0" smtClean="0"/>
+              <a:rPr lang="en-US" altLang="zh-CN" dirty="0"/>
               <a:t>《</a:t>
             </a:r>
             <a:r>
-              <a:rPr lang="zh-CN" altLang="en-US" dirty="0" smtClean="0"/>
+              <a:rPr lang="zh-CN" altLang="en-US" dirty="0"/>
               <a:t>算法设计指南</a:t>
             </a:r>
             <a:r>
-              <a:rPr lang="en-US" altLang="zh-CN" dirty="0" smtClean="0"/>
+              <a:rPr lang="en-US" altLang="zh-CN" dirty="0"/>
               <a:t>》</a:t>
             </a:r>
             <a:r>
-              <a:rPr lang="zh-CN" altLang="en-US" dirty="0" smtClean="0"/>
+              <a:rPr lang="zh-CN" altLang="en-US" dirty="0"/>
               <a:t>：“树”的部分很粗略</a:t>
             </a:r>
             <a:endParaRPr lang="en-US" altLang="zh-CN" dirty="0"/>
@@ -4154,136 +4089,132 @@
           <a:p>
             <a:pPr lvl="1"/>
             <a:r>
-              <a:rPr lang="en-US" altLang="zh-CN" dirty="0" smtClean="0"/>
+              <a:rPr lang="en-US" altLang="zh-CN" dirty="0"/>
               <a:t>《</a:t>
             </a:r>
             <a:r>
-              <a:rPr lang="zh-CN" altLang="en-US" dirty="0" smtClean="0"/>
+              <a:rPr lang="zh-CN" altLang="en-US" dirty="0"/>
               <a:t>算法竞赛入门经典</a:t>
             </a:r>
             <a:r>
-              <a:rPr lang="en-US" altLang="zh-CN" dirty="0" smtClean="0"/>
+              <a:rPr lang="en-US" altLang="zh-CN" dirty="0"/>
               <a:t>》</a:t>
             </a:r>
             <a:r>
-              <a:rPr lang="zh-CN" altLang="en-US" dirty="0" smtClean="0"/>
+              <a:rPr lang="zh-CN" altLang="en-US" dirty="0"/>
               <a:t>：只讲了几道典型题，深度和广度远远不够</a:t>
             </a:r>
-            <a:endParaRPr lang="en-US" altLang="zh-CN" dirty="0" smtClean="0"/>
-          </a:p>
-          <a:p>
-            <a:r>
-              <a:rPr lang="zh-CN" altLang="en-US" dirty="0" smtClean="0"/>
+            <a:endParaRPr lang="en-US" altLang="zh-CN" dirty="0"/>
+          </a:p>
+          <a:p>
+            <a:r>
+              <a:rPr lang="zh-CN" altLang="en-US" dirty="0"/>
               <a:t>题库：以面试和工作为目的，某些知名反人类</a:t>
             </a:r>
             <a:r>
-              <a:rPr lang="en-US" altLang="zh-CN" dirty="0" smtClean="0"/>
+              <a:rPr lang="en-US" altLang="zh-CN" dirty="0"/>
               <a:t>OJ</a:t>
             </a:r>
             <a:r>
-              <a:rPr lang="zh-CN" altLang="en-US" dirty="0" smtClean="0"/>
+              <a:rPr lang="zh-CN" altLang="en-US" dirty="0"/>
               <a:t>就别用了</a:t>
             </a:r>
-            <a:endParaRPr lang="en-US" altLang="zh-CN" dirty="0" smtClean="0"/>
+            <a:endParaRPr lang="en-US" altLang="zh-CN" dirty="0"/>
           </a:p>
           <a:p>
             <a:pPr lvl="1"/>
             <a:r>
-              <a:rPr lang="en-US" altLang="zh-CN" dirty="0" err="1" smtClean="0"/>
+              <a:rPr lang="en-US" altLang="zh-CN" dirty="0" err="1"/>
               <a:t>LeetCode</a:t>
             </a:r>
             <a:r>
-              <a:rPr lang="zh-CN" altLang="en-US" dirty="0" smtClean="0"/>
+              <a:rPr lang="zh-CN" altLang="en-US" dirty="0"/>
               <a:t>：比较全，题解和讨论也很多</a:t>
             </a:r>
-            <a:endParaRPr lang="en-US" altLang="zh-CN" dirty="0" smtClean="0"/>
+            <a:endParaRPr lang="en-US" altLang="zh-CN" dirty="0"/>
           </a:p>
           <a:p>
             <a:pPr lvl="1"/>
             <a:r>
               <a:rPr lang="zh-CN" altLang="en-US" dirty="0"/>
-              <a:t>剑</a:t>
-            </a:r>
-            <a:r>
-              <a:rPr lang="zh-CN" altLang="en-US" dirty="0" smtClean="0"/>
-              <a:t>指</a:t>
-            </a:r>
-            <a:r>
-              <a:rPr lang="en-US" altLang="zh-CN" dirty="0" smtClean="0"/>
+              <a:t>剑指</a:t>
+            </a:r>
+            <a:r>
+              <a:rPr lang="en-US" altLang="zh-CN" dirty="0"/>
               <a:t>Offer</a:t>
             </a:r>
             <a:r>
-              <a:rPr lang="zh-CN" altLang="en-US" dirty="0" smtClean="0"/>
+              <a:rPr lang="zh-CN" altLang="en-US" dirty="0"/>
               <a:t>：面试高频题，大部分都能在</a:t>
             </a:r>
             <a:r>
-              <a:rPr lang="en-US" altLang="zh-CN" dirty="0" err="1" smtClean="0"/>
+              <a:rPr lang="en-US" altLang="zh-CN" dirty="0" err="1"/>
               <a:t>LeetCode</a:t>
             </a:r>
             <a:r>
-              <a:rPr lang="zh-CN" altLang="en-US" dirty="0" smtClean="0"/>
+              <a:rPr lang="zh-CN" altLang="en-US" dirty="0"/>
               <a:t>找到原题</a:t>
             </a:r>
-            <a:endParaRPr lang="en-US" altLang="zh-CN" dirty="0" smtClean="0"/>
-          </a:p>
-          <a:p>
-            <a:r>
-              <a:rPr lang="zh-CN" altLang="en-US" dirty="0" smtClean="0"/>
+            <a:endParaRPr lang="en-US" altLang="zh-CN" dirty="0"/>
+          </a:p>
+          <a:p>
+            <a:r>
+              <a:rPr lang="zh-CN" altLang="en-US" dirty="0"/>
               <a:t>网站：就看第一个就行</a:t>
             </a:r>
-            <a:endParaRPr lang="en-US" altLang="zh-CN" dirty="0" smtClean="0"/>
+            <a:endParaRPr lang="en-US" altLang="zh-CN" dirty="0"/>
           </a:p>
           <a:p>
             <a:pPr lvl="1"/>
             <a:r>
-              <a:rPr lang="en-US" altLang="zh-CN" dirty="0" smtClean="0"/>
+              <a:rPr lang="en-US" altLang="zh-CN" dirty="0"/>
               <a:t>Google</a:t>
             </a:r>
           </a:p>
           <a:p>
             <a:pPr lvl="1"/>
             <a:r>
-              <a:rPr lang="en-US" altLang="zh-CN" dirty="0" err="1" smtClean="0"/>
+              <a:rPr lang="en-US" altLang="zh-CN" dirty="0" err="1"/>
               <a:t>GeeksforGeeks</a:t>
             </a:r>
             <a:r>
-              <a:rPr lang="zh-CN" altLang="en-US" dirty="0" smtClean="0"/>
+              <a:rPr lang="zh-CN" altLang="en-US" dirty="0"/>
               <a:t>，</a:t>
             </a:r>
             <a:r>
-              <a:rPr lang="en-US" altLang="zh-CN" dirty="0" smtClean="0"/>
+              <a:rPr lang="en-US" altLang="zh-CN" dirty="0"/>
               <a:t>Stack Overflow</a:t>
             </a:r>
             <a:r>
-              <a:rPr lang="zh-CN" altLang="en-US" dirty="0" smtClean="0"/>
+              <a:rPr lang="zh-CN" altLang="en-US" dirty="0"/>
               <a:t>，</a:t>
             </a:r>
             <a:r>
-              <a:rPr lang="en-US" altLang="zh-CN" dirty="0" smtClean="0"/>
+              <a:rPr lang="en-US" altLang="zh-CN" dirty="0"/>
               <a:t>Wikipedia</a:t>
             </a:r>
             <a:r>
-              <a:rPr lang="zh-CN" altLang="en-US" dirty="0" smtClean="0"/>
+              <a:rPr lang="zh-CN" altLang="en-US" dirty="0"/>
               <a:t>，</a:t>
             </a:r>
             <a:r>
-              <a:rPr lang="en-US" altLang="zh-CN" dirty="0" err="1" smtClean="0"/>
+              <a:rPr lang="en-US" altLang="zh-CN" dirty="0" err="1"/>
               <a:t>Visualgo</a:t>
             </a:r>
             <a:r>
-              <a:rPr lang="zh-CN" altLang="en-US" dirty="0" smtClean="0"/>
+              <a:rPr lang="zh-CN" altLang="en-US" dirty="0"/>
               <a:t>，</a:t>
             </a:r>
             <a:r>
-              <a:rPr lang="en-US" altLang="zh-CN" dirty="0" err="1" smtClean="0"/>
+              <a:rPr lang="en-US" altLang="zh-CN" dirty="0" err="1"/>
               <a:t>TutorialsPoint</a:t>
             </a:r>
             <a:r>
-              <a:rPr lang="zh-CN" altLang="en-US" dirty="0" smtClean="0"/>
+              <a:rPr lang="zh-CN" altLang="en-US" dirty="0"/>
               <a:t>，</a:t>
             </a:r>
             <a:r>
-              <a:rPr lang="en-US" altLang="zh-CN" dirty="0" smtClean="0"/>
+              <a:rPr lang="en-US" altLang="zh-CN" dirty="0"/>
               <a:t>……</a:t>
             </a:r>
           </a:p>
@@ -4291,13 +4222,9 @@
             <a:pPr lvl="1"/>
             <a:r>
               <a:rPr lang="zh-CN" altLang="en-US" dirty="0"/>
-              <a:t>各种</a:t>
-            </a:r>
-            <a:r>
-              <a:rPr lang="zh-CN" altLang="en-US" dirty="0" smtClean="0"/>
-              <a:t>博客</a:t>
-            </a:r>
-            <a:endParaRPr lang="en-US" altLang="zh-CN" dirty="0" smtClean="0"/>
+              <a:t>各种博客</a:t>
+            </a:r>
+            <a:endParaRPr lang="en-US" altLang="zh-CN" dirty="0"/>
           </a:p>
           <a:p>
             <a:pPr lvl="1"/>
@@ -4305,7 +4232,7 @@
           </a:p>
           <a:p>
             <a:pPr lvl="1"/>
-            <a:endParaRPr lang="en-US" altLang="zh-CN" dirty="0" smtClean="0"/>
+            <a:endParaRPr lang="en-US" altLang="zh-CN" dirty="0"/>
           </a:p>
         </p:txBody>
       </p:sp>
@@ -4343,13 +4270,6 @@
   <p:clrMapOvr>
     <a:masterClrMapping/>
   </p:clrMapOvr>
-  <p:timing>
-    <p:tnLst>
-      <p:par>
-        <p:cTn id="1" dur="indefinite" restart="never" nodeType="tmRoot"/>
-      </p:par>
-    </p:tnLst>
-  </p:timing>
 </p:sld>
 </file>
 
@@ -4386,10 +4306,9 @@
           <a:lstStyle/>
           <a:p>
             <a:r>
-              <a:rPr lang="zh-CN" altLang="en-US" dirty="0" smtClean="0"/>
+              <a:rPr lang="zh-CN" altLang="en-US" dirty="0"/>
               <a:t>学习方法</a:t>
             </a:r>
-            <a:endParaRPr lang="zh-CN" altLang="en-US" dirty="0"/>
           </a:p>
         </p:txBody>
       </p:sp>
@@ -4411,104 +4330,87 @@
           <a:lstStyle/>
           <a:p>
             <a:r>
-              <a:rPr lang="zh-CN" altLang="en-US" dirty="0" smtClean="0"/>
+              <a:rPr lang="zh-CN" altLang="en-US" dirty="0"/>
               <a:t>新手期</a:t>
             </a:r>
-            <a:endParaRPr lang="en-US" altLang="zh-CN" dirty="0" smtClean="0"/>
+            <a:endParaRPr lang="en-US" altLang="zh-CN" dirty="0"/>
           </a:p>
           <a:p>
             <a:pPr lvl="1"/>
             <a:r>
-              <a:rPr lang="zh-CN" altLang="en-US" dirty="0" smtClean="0"/>
+              <a:rPr lang="zh-CN" altLang="en-US" dirty="0"/>
               <a:t>一力降十会：打好基础，巩固知识点，基础不牢，地动山摇</a:t>
             </a:r>
-            <a:endParaRPr lang="en-US" altLang="zh-CN" dirty="0" smtClean="0"/>
+            <a:endParaRPr lang="en-US" altLang="zh-CN" dirty="0"/>
           </a:p>
           <a:p>
             <a:pPr lvl="1"/>
             <a:r>
-              <a:rPr lang="zh-CN" altLang="en-US" dirty="0" smtClean="0"/>
+              <a:rPr lang="zh-CN" altLang="en-US" dirty="0"/>
               <a:t>量变引起质变：多刷题，针对性地刷</a:t>
             </a:r>
-            <a:endParaRPr lang="en-US" altLang="zh-CN" dirty="0" smtClean="0"/>
+            <a:endParaRPr lang="en-US" altLang="zh-CN" dirty="0"/>
           </a:p>
           <a:p>
             <a:pPr lvl="1"/>
             <a:r>
-              <a:rPr lang="zh-CN" altLang="en-US" dirty="0" smtClean="0"/>
+              <a:rPr lang="zh-CN" altLang="en-US" dirty="0"/>
               <a:t>他山之石可以攻玉：多看相关评论、题解、技术文章</a:t>
             </a:r>
-            <a:endParaRPr lang="en-US" altLang="zh-CN" dirty="0" smtClean="0"/>
+            <a:endParaRPr lang="en-US" altLang="zh-CN" dirty="0"/>
           </a:p>
           <a:p>
             <a:pPr lvl="1"/>
             <a:r>
               <a:rPr lang="zh-CN" altLang="en-US" dirty="0"/>
-              <a:t>好</a:t>
-            </a:r>
-            <a:r>
-              <a:rPr lang="zh-CN" altLang="en-US" dirty="0" smtClean="0"/>
-              <a:t>记性不如烂笔头：勤记录勤总结刷题的思路和链接</a:t>
-            </a:r>
-            <a:endParaRPr lang="en-US" altLang="zh-CN" dirty="0" smtClean="0"/>
-          </a:p>
-          <a:p>
-            <a:r>
-              <a:rPr lang="zh-CN" altLang="en-US" dirty="0"/>
-              <a:t>进</a:t>
-            </a:r>
-            <a:r>
-              <a:rPr lang="zh-CN" altLang="en-US" dirty="0" smtClean="0"/>
-              <a:t>阶期：</a:t>
-            </a:r>
-            <a:endParaRPr lang="en-US" altLang="zh-CN" dirty="0" smtClean="0"/>
+              <a:t>好记性不如烂笔头：勤记录勤总结刷题的思路和链接</a:t>
+            </a:r>
+            <a:endParaRPr lang="en-US" altLang="zh-CN" dirty="0"/>
+          </a:p>
+          <a:p>
+            <a:r>
+              <a:rPr lang="zh-CN" altLang="en-US" dirty="0"/>
+              <a:t>进阶期：</a:t>
+            </a:r>
+            <a:endParaRPr lang="en-US" altLang="zh-CN" dirty="0"/>
           </a:p>
           <a:p>
             <a:pPr lvl="1"/>
             <a:r>
-              <a:rPr lang="zh-CN" altLang="en-US" dirty="0" smtClean="0"/>
+              <a:rPr lang="zh-CN" altLang="en-US" dirty="0"/>
               <a:t>温故而知新：重刷已经刷过但是很经典的题</a:t>
             </a:r>
-            <a:endParaRPr lang="en-US" altLang="zh-CN" dirty="0" smtClean="0"/>
+            <a:endParaRPr lang="en-US" altLang="zh-CN" dirty="0"/>
           </a:p>
           <a:p>
             <a:pPr lvl="1"/>
             <a:r>
               <a:rPr lang="zh-CN" altLang="en-US" dirty="0"/>
-              <a:t>赠人玫瑰手有余香：</a:t>
-            </a:r>
-            <a:r>
-              <a:rPr lang="zh-CN" altLang="en-US" dirty="0" smtClean="0"/>
-              <a:t>多分享心得，多写提炼总结</a:t>
-            </a:r>
-            <a:endParaRPr lang="en-US" altLang="zh-CN" dirty="0" smtClean="0"/>
+              <a:t>赠人玫瑰手有余香：多分享心得，多写提炼总结</a:t>
+            </a:r>
+            <a:endParaRPr lang="en-US" altLang="zh-CN" dirty="0"/>
           </a:p>
           <a:p>
             <a:pPr lvl="1"/>
             <a:r>
-              <a:rPr lang="zh-CN" altLang="en-US" dirty="0" smtClean="0"/>
+              <a:rPr lang="zh-CN" altLang="en-US" dirty="0"/>
               <a:t>抓住主要矛盾：不拘泥于各种算法细节</a:t>
             </a:r>
-            <a:endParaRPr lang="en-US" altLang="zh-CN" dirty="0" smtClean="0"/>
-          </a:p>
-          <a:p>
-            <a:r>
-              <a:rPr lang="zh-CN" altLang="en-US" dirty="0"/>
-              <a:t>大</a:t>
-            </a:r>
-            <a:r>
-              <a:rPr lang="zh-CN" altLang="en-US" dirty="0" smtClean="0"/>
-              <a:t>佬期：</a:t>
-            </a:r>
-            <a:endParaRPr lang="en-US" altLang="zh-CN" dirty="0" smtClean="0"/>
+            <a:endParaRPr lang="en-US" altLang="zh-CN" dirty="0"/>
+          </a:p>
+          <a:p>
+            <a:r>
+              <a:rPr lang="zh-CN" altLang="en-US" dirty="0"/>
+              <a:t>大佬期：</a:t>
+            </a:r>
+            <a:endParaRPr lang="en-US" altLang="zh-CN" dirty="0"/>
           </a:p>
           <a:p>
             <a:pPr lvl="1"/>
             <a:r>
-              <a:rPr lang="zh-CN" altLang="en-US" dirty="0" smtClean="0"/>
+              <a:rPr lang="zh-CN" altLang="en-US" dirty="0"/>
               <a:t>对不起我还没到这一步不知道大佬是怎么做的</a:t>
             </a:r>
-            <a:endParaRPr lang="zh-CN" altLang="en-US" dirty="0"/>
           </a:p>
         </p:txBody>
       </p:sp>
@@ -4546,13 +4448,6 @@
   <p:clrMapOvr>
     <a:masterClrMapping/>
   </p:clrMapOvr>
-  <p:timing>
-    <p:tnLst>
-      <p:par>
-        <p:cTn id="1" dur="indefinite" restart="never" nodeType="tmRoot"/>
-      </p:par>
-    </p:tnLst>
-  </p:timing>
 </p:sld>
 </file>
 
@@ -4589,10 +4484,9 @@
           <a:lstStyle/>
           <a:p>
             <a:r>
-              <a:rPr lang="zh-CN" altLang="en-US" dirty="0" smtClean="0"/>
+              <a:rPr lang="zh-CN" altLang="en-US" dirty="0"/>
               <a:t>树的知识点</a:t>
             </a:r>
-            <a:endParaRPr lang="zh-CN" altLang="en-US" dirty="0"/>
           </a:p>
         </p:txBody>
       </p:sp>
@@ -4612,59 +4506,51 @@
           <a:lstStyle/>
           <a:p>
             <a:r>
-              <a:rPr lang="zh-CN" altLang="en-US" dirty="0" smtClean="0"/>
+              <a:rPr lang="zh-CN" altLang="en-US" dirty="0"/>
               <a:t>查：绝大多数题型都属于这种</a:t>
             </a:r>
-            <a:endParaRPr lang="en-US" altLang="zh-CN" dirty="0" smtClean="0"/>
+            <a:endParaRPr lang="en-US" altLang="zh-CN" dirty="0"/>
           </a:p>
           <a:p>
             <a:pPr lvl="1"/>
             <a:r>
-              <a:rPr lang="zh-CN" altLang="en-US" dirty="0" smtClean="0"/>
+              <a:rPr lang="zh-CN" altLang="en-US" dirty="0"/>
               <a:t>递归和迭代</a:t>
             </a:r>
-            <a:endParaRPr lang="en-US" altLang="zh-CN" dirty="0" smtClean="0"/>
+            <a:endParaRPr lang="en-US" altLang="zh-CN" dirty="0"/>
           </a:p>
           <a:p>
             <a:pPr lvl="1"/>
             <a:r>
-              <a:rPr lang="zh-CN" altLang="en-US" dirty="0" smtClean="0"/>
+              <a:rPr lang="zh-CN" altLang="en-US" dirty="0"/>
               <a:t>深搜（</a:t>
             </a:r>
             <a:r>
               <a:rPr lang="en-US" altLang="zh-CN" dirty="0"/>
-              <a:t>D</a:t>
-            </a:r>
-            <a:r>
-              <a:rPr lang="en-US" altLang="zh-CN" dirty="0" smtClean="0"/>
-              <a:t>FS</a:t>
-            </a:r>
-            <a:r>
-              <a:rPr lang="zh-CN" altLang="en-US" dirty="0" smtClean="0"/>
+              <a:t>DFS</a:t>
+            </a:r>
+            <a:r>
+              <a:rPr lang="zh-CN" altLang="en-US" dirty="0"/>
               <a:t>）和广搜（</a:t>
             </a:r>
             <a:r>
-              <a:rPr lang="en-US" altLang="zh-CN" dirty="0" smtClean="0"/>
+              <a:rPr lang="en-US" altLang="zh-CN" dirty="0"/>
               <a:t>BFS</a:t>
             </a:r>
             <a:r>
-              <a:rPr lang="zh-CN" altLang="en-US" dirty="0" smtClean="0"/>
+              <a:rPr lang="zh-CN" altLang="en-US" dirty="0"/>
               <a:t>）</a:t>
             </a:r>
-            <a:endParaRPr lang="en-US" altLang="zh-CN" dirty="0" smtClean="0"/>
+            <a:endParaRPr lang="en-US" altLang="zh-CN" dirty="0"/>
           </a:p>
           <a:p>
             <a:pPr lvl="2"/>
             <a:r>
               <a:rPr lang="zh-CN" altLang="en-US" dirty="0"/>
-              <a:t>深</a:t>
-            </a:r>
-            <a:r>
-              <a:rPr lang="zh-CN" altLang="en-US" dirty="0" smtClean="0"/>
-              <a:t>搜：前序、中序、后序遍历，通常用</a:t>
-            </a:r>
-            <a:r>
-              <a:rPr lang="zh-CN" altLang="en-US" dirty="0" smtClean="0">
+              <a:t>深搜：前序、中序、后序遍历，通常用</a:t>
+            </a:r>
+            <a:r>
+              <a:rPr lang="zh-CN" altLang="en-US" dirty="0">
                 <a:solidFill>
                   <a:srgbClr val="00B0F0"/>
                 </a:solidFill>
@@ -4672,23 +4558,19 @@
               <a:t>递归</a:t>
             </a:r>
             <a:r>
-              <a:rPr lang="zh-CN" altLang="en-US" dirty="0" smtClean="0"/>
+              <a:rPr lang="zh-CN" altLang="en-US" dirty="0"/>
               <a:t>写起来更方便</a:t>
             </a:r>
-            <a:endParaRPr lang="en-US" altLang="zh-CN" dirty="0" smtClean="0"/>
+            <a:endParaRPr lang="en-US" altLang="zh-CN" dirty="0"/>
           </a:p>
           <a:p>
             <a:pPr lvl="2"/>
             <a:r>
               <a:rPr lang="zh-CN" altLang="en-US" dirty="0"/>
-              <a:t>广</a:t>
-            </a:r>
-            <a:r>
-              <a:rPr lang="zh-CN" altLang="en-US" dirty="0" smtClean="0"/>
-              <a:t>搜：层次遍历，通常用</a:t>
-            </a:r>
-            <a:r>
-              <a:rPr lang="zh-CN" altLang="en-US" dirty="0" smtClean="0">
+              <a:t>广搜：层次遍历，通常用</a:t>
+            </a:r>
+            <a:r>
+              <a:rPr lang="zh-CN" altLang="en-US" dirty="0">
                 <a:solidFill>
                   <a:srgbClr val="00B0F0"/>
                 </a:solidFill>
@@ -4696,53 +4578,40 @@
               <a:t>迭代</a:t>
             </a:r>
             <a:r>
-              <a:rPr lang="zh-CN" altLang="en-US" dirty="0" smtClean="0"/>
+              <a:rPr lang="zh-CN" altLang="en-US" dirty="0"/>
               <a:t>写起来更方便</a:t>
             </a:r>
-            <a:endParaRPr lang="en-US" altLang="zh-CN" dirty="0" smtClean="0"/>
+            <a:endParaRPr lang="en-US" altLang="zh-CN" dirty="0"/>
           </a:p>
           <a:p>
             <a:pPr lvl="2"/>
             <a:r>
               <a:rPr lang="zh-CN" altLang="en-US" dirty="0"/>
-              <a:t>深</a:t>
-            </a:r>
-            <a:r>
-              <a:rPr lang="zh-CN" altLang="en-US" dirty="0" smtClean="0"/>
-              <a:t>搜的出现和使用频率要高于广搜</a:t>
-            </a:r>
-            <a:endParaRPr lang="en-US" altLang="zh-CN" dirty="0" smtClean="0"/>
-          </a:p>
-          <a:p>
-            <a:r>
-              <a:rPr lang="zh-CN" altLang="en-US" dirty="0" smtClean="0"/>
+              <a:t>深搜的出现和使用频率要高于广搜</a:t>
+            </a:r>
+            <a:endParaRPr lang="en-US" altLang="zh-CN" dirty="0"/>
+          </a:p>
+          <a:p>
+            <a:r>
+              <a:rPr lang="zh-CN" altLang="en-US" dirty="0"/>
               <a:t>增删改：涉及树的实现和底层原理，教科书上着墨很多</a:t>
             </a:r>
-            <a:endParaRPr lang="en-US" altLang="zh-CN" dirty="0" smtClean="0"/>
+            <a:endParaRPr lang="en-US" altLang="zh-CN" dirty="0"/>
           </a:p>
           <a:p>
             <a:pPr lvl="1"/>
             <a:r>
-              <a:rPr lang="zh-CN" altLang="en-US" dirty="0" smtClean="0"/>
-              <a:t>构建</a:t>
-            </a:r>
-            <a:r>
-              <a:rPr lang="zh-CN" altLang="en-US" dirty="0"/>
-              <a:t>、序列化、合并、翻转、修剪、</a:t>
-            </a:r>
-            <a:r>
-              <a:rPr lang="zh-CN" altLang="en-US" dirty="0" smtClean="0"/>
-              <a:t>平衡</a:t>
-            </a:r>
-            <a:endParaRPr lang="en-US" altLang="zh-CN" dirty="0" smtClean="0"/>
+              <a:rPr lang="zh-CN" altLang="en-US" dirty="0"/>
+              <a:t>构建、序列化、合并、翻转、修剪、平衡</a:t>
+            </a:r>
+            <a:endParaRPr lang="en-US" altLang="zh-CN" dirty="0"/>
           </a:p>
           <a:p>
             <a:pPr lvl="2"/>
             <a:r>
-              <a:rPr lang="zh-CN" altLang="en-US" dirty="0" smtClean="0"/>
+              <a:rPr lang="zh-CN" altLang="en-US" dirty="0"/>
               <a:t>重点是平衡树</a:t>
             </a:r>
-            <a:endParaRPr lang="zh-CN" altLang="en-US" dirty="0"/>
           </a:p>
         </p:txBody>
       </p:sp>
@@ -4780,13 +4649,6 @@
   <p:clrMapOvr>
     <a:masterClrMapping/>
   </p:clrMapOvr>
-  <p:timing>
-    <p:tnLst>
-      <p:par>
-        <p:cTn id="1" dur="indefinite" restart="never" nodeType="tmRoot"/>
-      </p:par>
-    </p:tnLst>
-  </p:timing>
 </p:sld>
 </file>
 
@@ -4853,10 +4715,9 @@
           <a:lstStyle/>
           <a:p>
             <a:r>
-              <a:rPr lang="zh-CN" altLang="en-US" dirty="0" smtClean="0"/>
+              <a:rPr lang="zh-CN" altLang="en-US" dirty="0"/>
               <a:t>树的常用术语</a:t>
             </a:r>
-            <a:endParaRPr lang="zh-CN" altLang="en-US" dirty="0"/>
           </a:p>
         </p:txBody>
       </p:sp>
@@ -4883,61 +4744,32 @@
           <a:lstStyle/>
           <a:p>
             <a:r>
-              <a:rPr lang="en-US" altLang="zh-CN" sz="2000" dirty="0" smtClean="0"/>
+              <a:rPr lang="en-US" altLang="zh-CN" sz="2000" dirty="0"/>
               <a:t>Node, Root, Child, Leaf, Internal node, </a:t>
             </a:r>
           </a:p>
           <a:p>
             <a:r>
               <a:rPr lang="en-US" altLang="zh-CN" sz="2000" dirty="0"/>
-              <a:t>Sub Tree, </a:t>
-            </a:r>
-            <a:r>
-              <a:rPr lang="en-US" altLang="zh-CN" sz="2000" dirty="0" smtClean="0"/>
-              <a:t>Edge</a:t>
-            </a:r>
+              <a:t>Sub Tree, Edge, Path</a:t>
+            </a:r>
+          </a:p>
+          <a:p>
             <a:r>
               <a:rPr lang="en-US" altLang="zh-CN" sz="2000" dirty="0"/>
-              <a:t>, </a:t>
-            </a:r>
-            <a:r>
-              <a:rPr lang="en-US" altLang="zh-CN" sz="2000" dirty="0" smtClean="0"/>
-              <a:t>Path</a:t>
-            </a:r>
-            <a:endParaRPr lang="en-US" altLang="zh-CN" sz="2000" dirty="0"/>
-          </a:p>
-          <a:p>
-            <a:r>
-              <a:rPr lang="en-US" altLang="zh-CN" sz="2000" dirty="0" smtClean="0"/>
               <a:t>Depth, Level, Height, Breadth, Key(Value)</a:t>
             </a:r>
           </a:p>
           <a:p>
             <a:r>
-              <a:rPr lang="en-US" altLang="zh-CN" sz="2000" dirty="0" smtClean="0"/>
-              <a:t>Binary Tree, Binary </a:t>
-            </a:r>
-            <a:r>
               <a:rPr lang="en-US" altLang="zh-CN" sz="2000" dirty="0"/>
-              <a:t>Search </a:t>
-            </a:r>
-            <a:r>
-              <a:rPr lang="en-US" altLang="zh-CN" sz="2000" dirty="0" smtClean="0"/>
-              <a:t>Tree</a:t>
-            </a:r>
-          </a:p>
-          <a:p>
-            <a:r>
-              <a:rPr lang="en-US" altLang="zh-CN" sz="2000" dirty="0" smtClean="0"/>
-              <a:t>Visit</a:t>
-            </a:r>
+              <a:t>Binary Tree, Binary Search Tree</a:t>
+            </a:r>
+          </a:p>
+          <a:p>
             <a:r>
               <a:rPr lang="en-US" altLang="zh-CN" sz="2000" dirty="0"/>
-              <a:t>, </a:t>
-            </a:r>
-            <a:r>
-              <a:rPr lang="en-US" altLang="zh-CN" sz="2000" dirty="0" smtClean="0"/>
-              <a:t>Traversal, Insert, Search, Remove</a:t>
+              <a:t>Visit, Traversal, Insert, Search, Remove</a:t>
             </a:r>
           </a:p>
         </p:txBody>
@@ -4976,13 +4808,6 @@
   <p:clrMapOvr>
     <a:masterClrMapping/>
   </p:clrMapOvr>
-  <p:timing>
-    <p:tnLst>
-      <p:par>
-        <p:cTn id="1" dur="indefinite" restart="never" nodeType="tmRoot"/>
-      </p:par>
-    </p:tnLst>
-  </p:timing>
 </p:sld>
 </file>
 
@@ -5019,18 +4844,17 @@
           <a:lstStyle/>
           <a:p>
             <a:r>
-              <a:rPr lang="zh-CN" altLang="en-US" dirty="0" smtClean="0"/>
+              <a:rPr lang="zh-CN" altLang="en-US" dirty="0"/>
               <a:t>递归 </a:t>
             </a:r>
             <a:r>
-              <a:rPr lang="en-US" altLang="zh-CN" dirty="0" smtClean="0"/>
+              <a:rPr lang="en-US" altLang="zh-CN" dirty="0"/>
               <a:t>vs </a:t>
             </a:r>
             <a:r>
-              <a:rPr lang="zh-CN" altLang="en-US" dirty="0" smtClean="0"/>
+              <a:rPr lang="zh-CN" altLang="en-US" dirty="0"/>
               <a:t>迭代</a:t>
             </a:r>
-            <a:endParaRPr lang="zh-CN" altLang="en-US" dirty="0"/>
           </a:p>
         </p:txBody>
       </p:sp>
@@ -5081,11 +4905,11 @@
           <a:lstStyle/>
           <a:p>
             <a:r>
-              <a:rPr lang="zh-CN" altLang="en-US" dirty="0" smtClean="0"/>
+              <a:rPr lang="zh-CN" altLang="en-US" dirty="0"/>
               <a:t>运行效率：</a:t>
             </a:r>
             <a:r>
-              <a:rPr lang="zh-CN" altLang="en-US" dirty="0" smtClean="0">
+              <a:rPr lang="zh-CN" altLang="en-US" dirty="0">
                 <a:solidFill>
                   <a:srgbClr val="00B0F0"/>
                 </a:solidFill>
@@ -5093,34 +4917,34 @@
               <a:t>迭代</a:t>
             </a:r>
             <a:r>
-              <a:rPr lang="zh-CN" altLang="en-US" dirty="0" smtClean="0"/>
+              <a:rPr lang="zh-CN" altLang="en-US" dirty="0"/>
               <a:t>优于递归</a:t>
             </a:r>
-            <a:endParaRPr lang="en-US" altLang="zh-CN" dirty="0" smtClean="0"/>
+            <a:endParaRPr lang="en-US" altLang="zh-CN" dirty="0"/>
           </a:p>
           <a:p>
             <a:pPr lvl="1"/>
             <a:r>
-              <a:rPr lang="zh-CN" altLang="en-US" dirty="0" smtClean="0"/>
+              <a:rPr lang="zh-CN" altLang="en-US" dirty="0"/>
               <a:t>递归需要多次调用函数并管理调用栈，时间和空间开销都比较大，还可能爆栈</a:t>
             </a:r>
-            <a:endParaRPr lang="en-US" altLang="zh-CN" dirty="0" smtClean="0"/>
+            <a:endParaRPr lang="en-US" altLang="zh-CN" dirty="0"/>
           </a:p>
           <a:p>
             <a:pPr lvl="1"/>
             <a:r>
-              <a:rPr lang="zh-CN" altLang="en-US" dirty="0" smtClean="0"/>
+              <a:rPr lang="zh-CN" altLang="en-US" dirty="0"/>
               <a:t>迭代通常由编写者手动实现，通常更快</a:t>
             </a:r>
-            <a:endParaRPr lang="en-US" altLang="zh-CN" dirty="0" smtClean="0"/>
-          </a:p>
-          <a:p>
-            <a:r>
-              <a:rPr lang="zh-CN" altLang="en-US" dirty="0" smtClean="0"/>
+            <a:endParaRPr lang="en-US" altLang="zh-CN" dirty="0"/>
+          </a:p>
+          <a:p>
+            <a:r>
+              <a:rPr lang="zh-CN" altLang="en-US" dirty="0"/>
               <a:t>实现难度：</a:t>
             </a:r>
             <a:r>
-              <a:rPr lang="zh-CN" altLang="en-US" dirty="0" smtClean="0">
+              <a:rPr lang="zh-CN" altLang="en-US" dirty="0">
                 <a:solidFill>
                   <a:srgbClr val="00B0F0"/>
                 </a:solidFill>
@@ -5128,73 +4952,72 @@
               <a:t>递归</a:t>
             </a:r>
             <a:r>
-              <a:rPr lang="zh-CN" altLang="en-US" dirty="0" smtClean="0"/>
+              <a:rPr lang="zh-CN" altLang="en-US" dirty="0"/>
               <a:t>优于迭代</a:t>
             </a:r>
-            <a:endParaRPr lang="en-US" altLang="zh-CN" dirty="0" smtClean="0"/>
+            <a:endParaRPr lang="en-US" altLang="zh-CN" dirty="0"/>
           </a:p>
           <a:p>
             <a:pPr lvl="1"/>
             <a:r>
-              <a:rPr lang="zh-CN" altLang="en-US" dirty="0" smtClean="0"/>
+              <a:rPr lang="zh-CN" altLang="en-US" dirty="0"/>
               <a:t>只要理清逻辑，递归通常比迭代简洁很多</a:t>
             </a:r>
-            <a:endParaRPr lang="en-US" altLang="zh-CN" dirty="0" smtClean="0"/>
+            <a:endParaRPr lang="en-US" altLang="zh-CN" dirty="0"/>
           </a:p>
           <a:p>
             <a:pPr lvl="1"/>
             <a:r>
-              <a:rPr lang="zh-CN" altLang="en-US" dirty="0" smtClean="0"/>
+              <a:rPr lang="zh-CN" altLang="en-US" dirty="0"/>
               <a:t>迭代需要自己维护栈和中间变量，并且有许多判断条件和边界情况</a:t>
             </a:r>
-            <a:endParaRPr lang="en-US" altLang="zh-CN" dirty="0" smtClean="0"/>
-          </a:p>
-          <a:p>
-            <a:r>
-              <a:rPr lang="zh-CN" altLang="en-US" dirty="0" smtClean="0"/>
+            <a:endParaRPr lang="en-US" altLang="zh-CN" dirty="0"/>
+          </a:p>
+          <a:p>
+            <a:r>
+              <a:rPr lang="zh-CN" altLang="en-US" dirty="0"/>
               <a:t>实用情况：</a:t>
             </a:r>
-            <a:endParaRPr lang="en-US" altLang="zh-CN" dirty="0" smtClean="0"/>
+            <a:endParaRPr lang="en-US" altLang="zh-CN" dirty="0"/>
           </a:p>
           <a:p>
             <a:pPr lvl="1"/>
             <a:r>
-              <a:rPr lang="zh-CN" altLang="en-US" dirty="0" smtClean="0"/>
+              <a:rPr lang="zh-CN" altLang="en-US" dirty="0"/>
               <a:t>在测试数据量级较小时，刷题推荐递归，能秒</a:t>
             </a:r>
             <a:r>
-              <a:rPr lang="en-US" altLang="zh-CN" dirty="0" smtClean="0"/>
+              <a:rPr lang="en-US" altLang="zh-CN" dirty="0"/>
               <a:t>70%</a:t>
             </a:r>
             <a:r>
-              <a:rPr lang="zh-CN" altLang="en-US" dirty="0" smtClean="0"/>
+              <a:rPr lang="zh-CN" altLang="en-US" dirty="0"/>
               <a:t>的题</a:t>
             </a:r>
-            <a:endParaRPr lang="en-US" altLang="zh-CN" dirty="0" smtClean="0"/>
+            <a:endParaRPr lang="en-US" altLang="zh-CN" dirty="0"/>
           </a:p>
           <a:p>
             <a:pPr lvl="1"/>
             <a:r>
-              <a:rPr lang="zh-CN" altLang="en-US" dirty="0" smtClean="0"/>
+              <a:rPr lang="zh-CN" altLang="en-US" dirty="0"/>
               <a:t>面试时更喜欢在递归基础上加问迭代实现</a:t>
             </a:r>
-            <a:endParaRPr lang="en-US" altLang="zh-CN" dirty="0" smtClean="0"/>
+            <a:endParaRPr lang="en-US" altLang="zh-CN" dirty="0"/>
           </a:p>
           <a:p>
             <a:pPr lvl="2"/>
             <a:r>
-              <a:rPr lang="zh-CN" altLang="en-US" strike="sngStrike" dirty="0" smtClean="0"/>
+              <a:rPr lang="zh-CN" altLang="en-US" strike="sngStrike" dirty="0"/>
               <a:t>因为递归太简单了，区分不出应试者的水平</a:t>
             </a:r>
-            <a:endParaRPr lang="en-US" altLang="zh-CN" strike="sngStrike" dirty="0" smtClean="0"/>
+            <a:endParaRPr lang="en-US" altLang="zh-CN" strike="sngStrike" dirty="0"/>
           </a:p>
           <a:p>
             <a:pPr lvl="2"/>
             <a:r>
-              <a:rPr lang="zh-CN" altLang="en-US" dirty="0" smtClean="0"/>
+              <a:rPr lang="zh-CN" altLang="en-US" dirty="0"/>
               <a:t>可以考察应试者的数据结构基础和逻辑思维能力</a:t>
             </a:r>
-            <a:endParaRPr lang="zh-CN" altLang="en-US" dirty="0"/>
           </a:p>
         </p:txBody>
       </p:sp>
@@ -5208,13 +5031,6 @@
   <p:clrMapOvr>
     <a:masterClrMapping/>
   </p:clrMapOvr>
-  <p:timing>
-    <p:tnLst>
-      <p:par>
-        <p:cTn id="1" dur="indefinite" restart="never" nodeType="tmRoot"/>
-      </p:par>
-    </p:tnLst>
-  </p:timing>
 </p:sld>
 </file>
 
@@ -5251,10 +5067,9 @@
           <a:lstStyle/>
           <a:p>
             <a:r>
-              <a:rPr lang="zh-CN" altLang="en-US" dirty="0" smtClean="0"/>
+              <a:rPr lang="zh-CN" altLang="en-US" dirty="0"/>
               <a:t>树的遍历</a:t>
             </a:r>
-            <a:endParaRPr lang="zh-CN" altLang="en-US" dirty="0"/>
           </a:p>
         </p:txBody>
       </p:sp>
@@ -5280,81 +5095,61 @@
           <a:p>
             <a:r>
               <a:rPr lang="zh-CN" altLang="en-US" dirty="0"/>
-              <a:t>前</a:t>
-            </a:r>
-            <a:r>
-              <a:rPr lang="zh-CN" altLang="en-US" dirty="0" smtClean="0"/>
-              <a:t>序（先序）、中序、后序</a:t>
-            </a:r>
-            <a:endParaRPr lang="en-US" altLang="zh-CN" dirty="0" smtClean="0"/>
+              <a:t>前序（先序）、中序、后序</a:t>
+            </a:r>
+            <a:endParaRPr lang="en-US" altLang="zh-CN" dirty="0"/>
           </a:p>
           <a:p>
             <a:pPr lvl="1"/>
             <a:r>
-              <a:rPr lang="zh-CN" altLang="en-US" dirty="0" smtClean="0"/>
-              <a:t>这里的次序指的是根</a:t>
-            </a:r>
-            <a:r>
-              <a:rPr lang="zh-CN" altLang="en-US" dirty="0"/>
-              <a:t>结点的遍历顺序，最先遍历根结点就叫前序或先序，最后遍历根结点就叫</a:t>
-            </a:r>
-            <a:r>
-              <a:rPr lang="zh-CN" altLang="en-US" dirty="0" smtClean="0"/>
-              <a:t>后序</a:t>
-            </a:r>
-            <a:endParaRPr lang="en-US" altLang="zh-CN" dirty="0" smtClean="0"/>
+              <a:rPr lang="zh-CN" altLang="en-US" dirty="0"/>
+              <a:t>这里的次序指的是根结点的遍历顺序，最先遍历根结点就叫前序或先序，最后遍历根结点就叫后序</a:t>
+            </a:r>
+            <a:endParaRPr lang="en-US" altLang="zh-CN" dirty="0"/>
           </a:p>
           <a:p>
             <a:pPr lvl="1"/>
             <a:r>
-              <a:rPr lang="zh-CN" altLang="en-US" dirty="0" smtClean="0"/>
-              <a:t>左</a:t>
-            </a:r>
-            <a:r>
-              <a:rPr lang="zh-CN" altLang="en-US" dirty="0"/>
-              <a:t>子树永远在右子树之前</a:t>
-            </a:r>
-            <a:r>
-              <a:rPr lang="zh-CN" altLang="en-US" dirty="0" smtClean="0"/>
-              <a:t>遍历</a:t>
-            </a:r>
-            <a:endParaRPr lang="en-US" altLang="zh-CN" dirty="0" smtClean="0"/>
-          </a:p>
-          <a:p>
-            <a:r>
-              <a:rPr lang="zh-CN" altLang="en-US" dirty="0" smtClean="0"/>
+              <a:rPr lang="zh-CN" altLang="en-US" dirty="0"/>
+              <a:t>左子树永远在右子树之前遍历</a:t>
+            </a:r>
+            <a:endParaRPr lang="en-US" altLang="zh-CN" dirty="0"/>
+          </a:p>
+          <a:p>
+            <a:r>
+              <a:rPr lang="zh-CN" altLang="en-US" dirty="0"/>
               <a:t>层次遍历</a:t>
             </a:r>
-            <a:endParaRPr lang="en-US" altLang="zh-CN" dirty="0" smtClean="0"/>
+            <a:endParaRPr lang="en-US" altLang="zh-CN" dirty="0"/>
           </a:p>
           <a:p>
             <a:pPr lvl="1"/>
             <a:r>
-              <a:rPr lang="en-US" altLang="zh-CN" dirty="0" err="1" smtClean="0"/>
+              <a:rPr lang="en-US" altLang="zh-CN" dirty="0" err="1"/>
               <a:t>LeetCode</a:t>
             </a:r>
             <a:r>
-              <a:rPr lang="en-US" altLang="zh-CN" dirty="0" smtClean="0"/>
+              <a:rPr lang="en-US" altLang="zh-CN" dirty="0"/>
               <a:t> </a:t>
             </a:r>
             <a:r>
-              <a:rPr lang="zh-CN" altLang="en-US" dirty="0" smtClean="0"/>
+              <a:rPr lang="zh-CN" altLang="en-US" dirty="0"/>
               <a:t>中树的测试数据的</a:t>
             </a:r>
             <a:r>
-              <a:rPr lang="zh-CN" altLang="en-US" dirty="0" smtClean="0">
+              <a:rPr lang="zh-CN" altLang="en-US" dirty="0">
                 <a:hlinkClick r:id="rId2"/>
               </a:rPr>
               <a:t>表示方法</a:t>
             </a:r>
-            <a:endParaRPr lang="en-US" altLang="zh-CN" dirty="0" smtClean="0"/>
-          </a:p>
-          <a:p>
-            <a:r>
-              <a:rPr lang="zh-CN" altLang="en-US" dirty="0" smtClean="0"/>
+            <a:endParaRPr lang="en-US" altLang="zh-CN" dirty="0"/>
+          </a:p>
+          <a:p>
+            <a:r>
+              <a:rPr lang="zh-CN" altLang="en-US" dirty="0"/>
               <a:t>例题</a:t>
             </a:r>
-            <a:endParaRPr lang="en-US" altLang="zh-CN" dirty="0" smtClean="0"/>
+            <a:endParaRPr lang="en-US" altLang="zh-CN" dirty="0"/>
           </a:p>
           <a:p>
             <a:pPr lvl="1"/>
@@ -5439,13 +5234,6 @@
   <p:clrMapOvr>
     <a:masterClrMapping/>
   </p:clrMapOvr>
-  <p:timing>
-    <p:tnLst>
-      <p:par>
-        <p:cTn id="1" dur="indefinite" restart="never" nodeType="tmRoot"/>
-      </p:par>
-    </p:tnLst>
-  </p:timing>
 </p:sld>
 </file>
 
@@ -5482,10 +5270,9 @@
           <a:lstStyle/>
           <a:p>
             <a:r>
-              <a:rPr lang="zh-CN" altLang="en-US" dirty="0" smtClean="0"/>
+              <a:rPr lang="zh-CN" altLang="en-US" dirty="0"/>
               <a:t>中序遍历</a:t>
             </a:r>
-            <a:endParaRPr lang="zh-CN" altLang="en-US" dirty="0"/>
           </a:p>
         </p:txBody>
       </p:sp>
@@ -5505,37 +5292,32 @@
           <a:lstStyle/>
           <a:p>
             <a:r>
-              <a:rPr lang="zh-CN" altLang="en-US" dirty="0" smtClean="0"/>
+              <a:rPr lang="zh-CN" altLang="en-US" dirty="0"/>
               <a:t>递归</a:t>
             </a:r>
-            <a:endParaRPr lang="en-US" altLang="zh-CN" dirty="0" smtClean="0"/>
-          </a:p>
-          <a:p>
-            <a:r>
-              <a:rPr lang="zh-CN" altLang="en-US" dirty="0" smtClean="0"/>
+            <a:endParaRPr lang="en-US" altLang="zh-CN" dirty="0"/>
+          </a:p>
+          <a:p>
+            <a:r>
+              <a:rPr lang="zh-CN" altLang="en-US" dirty="0"/>
               <a:t>迭代</a:t>
             </a:r>
-            <a:endParaRPr lang="en-US" altLang="zh-CN" dirty="0" smtClean="0"/>
+            <a:endParaRPr lang="en-US" altLang="zh-CN" dirty="0"/>
           </a:p>
           <a:p>
             <a:pPr lvl="1"/>
             <a:r>
-              <a:rPr lang="zh-CN" altLang="en-US" dirty="0" smtClean="0"/>
+              <a:rPr lang="zh-CN" altLang="en-US" dirty="0"/>
               <a:t>栈</a:t>
             </a:r>
-            <a:endParaRPr lang="en-US" altLang="zh-CN" dirty="0" smtClean="0"/>
+            <a:endParaRPr lang="en-US" altLang="zh-CN" dirty="0"/>
           </a:p>
           <a:p>
             <a:pPr lvl="1"/>
             <a:r>
               <a:rPr lang="zh-CN" altLang="en-US" dirty="0"/>
-              <a:t>莫里</a:t>
-            </a:r>
-            <a:r>
-              <a:rPr lang="zh-CN" altLang="en-US" dirty="0" smtClean="0"/>
-              <a:t>斯遍历</a:t>
-            </a:r>
-            <a:endParaRPr lang="zh-CN" altLang="en-US" dirty="0"/>
+              <a:t>莫里斯遍历</a:t>
+            </a:r>
           </a:p>
         </p:txBody>
       </p:sp>
@@ -5573,13 +5355,6 @@
   <p:clrMapOvr>
     <a:masterClrMapping/>
   </p:clrMapOvr>
-  <p:timing>
-    <p:tnLst>
-      <p:par>
-        <p:cTn id="1" dur="indefinite" restart="never" nodeType="tmRoot"/>
-      </p:par>
-    </p:tnLst>
-  </p:timing>
 </p:sld>
 </file>
 
@@ -5616,10 +5391,9 @@
           <a:lstStyle/>
           <a:p>
             <a:r>
-              <a:rPr lang="zh-CN" altLang="en-US" dirty="0" smtClean="0"/>
+              <a:rPr lang="zh-CN" altLang="en-US" dirty="0"/>
               <a:t>树</a:t>
             </a:r>
-            <a:endParaRPr lang="zh-CN" altLang="en-US" dirty="0"/>
           </a:p>
         </p:txBody>
       </p:sp>
@@ -5690,7 +5464,7 @@
           <a:p>
             <a:pPr algn="ctr"/>
             <a:r>
-              <a:rPr lang="en-US" altLang="zh-CN" sz="2000" b="1" dirty="0" smtClean="0">
+              <a:rPr lang="en-US" altLang="zh-CN" sz="2000" b="1" dirty="0">
                 <a:solidFill>
                   <a:schemeClr val="tx1"/>
                 </a:solidFill>
@@ -5752,7 +5526,7 @@
           <a:p>
             <a:pPr algn="ctr"/>
             <a:r>
-              <a:rPr lang="en-US" altLang="zh-CN" b="1" dirty="0" smtClean="0">
+              <a:rPr lang="en-US" altLang="zh-CN" b="1" dirty="0">
                 <a:solidFill>
                   <a:schemeClr val="tx1"/>
                 </a:solidFill>
@@ -5814,7 +5588,7 @@
           <a:p>
             <a:pPr algn="ctr"/>
             <a:r>
-              <a:rPr lang="en-US" altLang="zh-CN" b="1" dirty="0" smtClean="0">
+              <a:rPr lang="en-US" altLang="zh-CN" b="1" dirty="0">
                 <a:solidFill>
                   <a:schemeClr val="tx1"/>
                 </a:solidFill>
@@ -5876,7 +5650,7 @@
           <a:p>
             <a:pPr algn="ctr"/>
             <a:r>
-              <a:rPr lang="en-US" altLang="zh-CN" b="1" dirty="0" smtClean="0">
+              <a:rPr lang="en-US" altLang="zh-CN" b="1" dirty="0">
                 <a:solidFill>
                   <a:schemeClr val="tx1"/>
                 </a:solidFill>
@@ -5938,7 +5712,7 @@
           <a:p>
             <a:pPr algn="ctr"/>
             <a:r>
-              <a:rPr lang="en-US" altLang="zh-CN" b="1" dirty="0" smtClean="0">
+              <a:rPr lang="en-US" altLang="zh-CN" b="1" dirty="0">
                 <a:solidFill>
                   <a:schemeClr val="tx1"/>
                 </a:solidFill>
@@ -6156,7 +5930,7 @@
           <a:p>
             <a:pPr algn="ctr"/>
             <a:r>
-              <a:rPr lang="en-US" altLang="zh-CN" b="1" dirty="0" smtClean="0">
+              <a:rPr lang="en-US" altLang="zh-CN" b="1" dirty="0">
                 <a:solidFill>
                   <a:schemeClr val="tx1"/>
                 </a:solidFill>
@@ -6222,7 +5996,7 @@
           <a:lstStyle/>
           <a:p>
             <a:pPr algn="ctr"/>
-            <a:endParaRPr lang="zh-CN" altLang="en-US" sz="2000" b="1" dirty="0" smtClean="0">
+            <a:endParaRPr lang="zh-CN" altLang="en-US" sz="2000" b="1" dirty="0">
               <a:solidFill>
                 <a:schemeClr val="tx1"/>
               </a:solidFill>
@@ -6279,7 +6053,7 @@
           <a:lstStyle/>
           <a:p>
             <a:pPr algn="ctr"/>
-            <a:endParaRPr lang="zh-CN" altLang="en-US" sz="2000" b="1" dirty="0" smtClean="0">
+            <a:endParaRPr lang="zh-CN" altLang="en-US" sz="2000" b="1" dirty="0">
               <a:solidFill>
                 <a:schemeClr val="tx1"/>
               </a:solidFill>
@@ -6336,7 +6110,7 @@
           <a:lstStyle/>
           <a:p>
             <a:pPr algn="ctr"/>
-            <a:endParaRPr lang="zh-CN" altLang="en-US" sz="2000" b="1" dirty="0" smtClean="0">
+            <a:endParaRPr lang="zh-CN" altLang="en-US" sz="2000" b="1" dirty="0">
               <a:solidFill>
                 <a:schemeClr val="tx1"/>
               </a:solidFill>
@@ -6393,7 +6167,7 @@
           <a:lstStyle/>
           <a:p>
             <a:pPr algn="ctr"/>
-            <a:endParaRPr lang="zh-CN" altLang="en-US" sz="2000" b="1" dirty="0" smtClean="0">
+            <a:endParaRPr lang="zh-CN" altLang="en-US" sz="2000" b="1" dirty="0">
               <a:solidFill>
                 <a:schemeClr val="tx1"/>
               </a:solidFill>
@@ -6450,7 +6224,7 @@
           <a:lstStyle/>
           <a:p>
             <a:pPr algn="ctr"/>
-            <a:endParaRPr lang="zh-CN" altLang="en-US" sz="2000" b="1" dirty="0" smtClean="0">
+            <a:endParaRPr lang="zh-CN" altLang="en-US" sz="2000" b="1" dirty="0">
               <a:solidFill>
                 <a:schemeClr val="tx1"/>
               </a:solidFill>
@@ -6507,7 +6281,7 @@
           <a:lstStyle/>
           <a:p>
             <a:pPr algn="ctr"/>
-            <a:endParaRPr lang="zh-CN" altLang="en-US" sz="2000" b="1" dirty="0" smtClean="0">
+            <a:endParaRPr lang="zh-CN" altLang="en-US" sz="2000" b="1" dirty="0">
               <a:solidFill>
                 <a:schemeClr val="tx1"/>
               </a:solidFill>
@@ -6564,7 +6338,7 @@
           <a:lstStyle/>
           <a:p>
             <a:pPr algn="ctr"/>
-            <a:endParaRPr lang="zh-CN" altLang="en-US" sz="2000" b="1" dirty="0" smtClean="0">
+            <a:endParaRPr lang="zh-CN" altLang="en-US" sz="2000" b="1" dirty="0">
               <a:solidFill>
                 <a:schemeClr val="tx1"/>
               </a:solidFill>
@@ -6621,7 +6395,7 @@
           <a:lstStyle/>
           <a:p>
             <a:pPr algn="ctr"/>
-            <a:endParaRPr lang="zh-CN" altLang="en-US" sz="2000" b="1" dirty="0" smtClean="0">
+            <a:endParaRPr lang="zh-CN" altLang="en-US" sz="2000" b="1" dirty="0">
               <a:solidFill>
                 <a:schemeClr val="tx1"/>
               </a:solidFill>
@@ -6678,7 +6452,7 @@
           <a:lstStyle/>
           <a:p>
             <a:pPr algn="ctr"/>
-            <a:endParaRPr lang="zh-CN" altLang="en-US" sz="2000" b="1" dirty="0" smtClean="0">
+            <a:endParaRPr lang="zh-CN" altLang="en-US" sz="2000" b="1" dirty="0">
               <a:solidFill>
                 <a:schemeClr val="tx1"/>
               </a:solidFill>
@@ -6731,7 +6505,7 @@
           <a:p>
             <a:pPr algn="ctr"/>
             <a:r>
-              <a:rPr lang="en-US" altLang="zh-CN" b="1" dirty="0" smtClean="0">
+              <a:rPr lang="en-US" altLang="zh-CN" b="1" dirty="0">
                 <a:solidFill>
                   <a:schemeClr val="tx1"/>
                 </a:solidFill>
@@ -6793,7 +6567,7 @@
           <a:p>
             <a:pPr algn="ctr"/>
             <a:r>
-              <a:rPr lang="en-US" altLang="zh-CN" b="1" dirty="0" smtClean="0">
+              <a:rPr lang="en-US" altLang="zh-CN" b="1" dirty="0">
                 <a:solidFill>
                   <a:schemeClr val="tx1"/>
                 </a:solidFill>
@@ -6995,7 +6769,7 @@
           <a:p>
             <a:pPr algn="ctr"/>
             <a:r>
-              <a:rPr lang="en-US" altLang="zh-CN" b="1" dirty="0" smtClean="0">
+              <a:rPr lang="en-US" altLang="zh-CN" b="1" dirty="0">
                 <a:solidFill>
                   <a:schemeClr val="tx1"/>
                 </a:solidFill>
@@ -7154,7 +6928,7 @@
           <a:lstStyle/>
           <a:p>
             <a:r>
-              <a:rPr lang="en-US" altLang="zh-CN" dirty="0" smtClean="0"/>
+              <a:rPr lang="en-US" altLang="zh-CN" dirty="0"/>
               <a:t>print</a:t>
             </a:r>
             <a:endParaRPr lang="zh-CN" altLang="en-US" dirty="0"/>
@@ -7184,7 +6958,7 @@
           <a:lstStyle/>
           <a:p>
             <a:r>
-              <a:rPr lang="en-US" altLang="zh-CN" dirty="0" smtClean="0"/>
+              <a:rPr lang="en-US" altLang="zh-CN" dirty="0"/>
               <a:t>1</a:t>
             </a:r>
             <a:endParaRPr lang="zh-CN" altLang="en-US" dirty="0"/>
@@ -7201,13 +6975,6 @@
   <p:clrMapOvr>
     <a:masterClrMapping/>
   </p:clrMapOvr>
-  <p:timing>
-    <p:tnLst>
-      <p:par>
-        <p:cTn id="1" dur="indefinite" restart="never" nodeType="tmRoot"/>
-      </p:par>
-    </p:tnLst>
-  </p:timing>
 </p:sld>
 </file>
 

--- a/cs-seminar/算法与数据结构/树/树.pptx
+++ b/cs-seminar/算法与数据结构/树/树.pptx
@@ -5,7 +5,7 @@
     <p:sldMasterId id="2147483648" r:id="rId1"/>
   </p:sldMasterIdLst>
   <p:notesMasterIdLst>
-    <p:notesMasterId r:id="rId15"/>
+    <p:notesMasterId r:id="rId13"/>
   </p:notesMasterIdLst>
   <p:sldIdLst>
     <p:sldId id="256" r:id="rId2"/>
@@ -18,9 +18,7 @@
     <p:sldId id="265" r:id="rId9"/>
     <p:sldId id="263" r:id="rId10"/>
     <p:sldId id="268" r:id="rId11"/>
-    <p:sldId id="261" r:id="rId12"/>
-    <p:sldId id="267" r:id="rId13"/>
-    <p:sldId id="269" r:id="rId14"/>
+    <p:sldId id="269" r:id="rId12"/>
   </p:sldIdLst>
   <p:sldSz cx="12192000" cy="6858000"/>
   <p:notesSz cx="6858000" cy="9144000"/>
@@ -209,7 +207,7 @@
           <a:p>
             <a:fld id="{9C395F08-296D-4F57-99DE-4DE9612FD2E8}" type="datetimeFigureOut">
               <a:rPr lang="zh-CN" altLang="en-US" smtClean="0"/>
-              <a:t>2020/6/8</a:t>
+              <a:t>2020/6/13</a:t>
             </a:fld>
             <a:endParaRPr lang="zh-CN" altLang="en-US"/>
           </a:p>
@@ -610,7 +608,7 @@
           <a:p>
             <a:fld id="{70DE98D0-9A98-4B82-9573-1B9E451B3DD8}" type="datetime1">
               <a:rPr lang="zh-CN" altLang="en-US" smtClean="0"/>
-              <a:t>2020/6/8</a:t>
+              <a:t>2020/6/13</a:t>
             </a:fld>
             <a:endParaRPr lang="zh-CN" altLang="en-US"/>
           </a:p>
@@ -782,7 +780,7 @@
           <a:p>
             <a:fld id="{CAD6EDDE-8258-4135-98D1-138C89A7D11F}" type="datetime1">
               <a:rPr lang="zh-CN" altLang="en-US" smtClean="0"/>
-              <a:t>2020/6/8</a:t>
+              <a:t>2020/6/13</a:t>
             </a:fld>
             <a:endParaRPr lang="zh-CN" altLang="en-US"/>
           </a:p>
@@ -964,7 +962,7 @@
           <a:p>
             <a:fld id="{A4F786FF-FC21-41E5-B843-4724DBB978DB}" type="datetime1">
               <a:rPr lang="zh-CN" altLang="en-US" smtClean="0"/>
-              <a:t>2020/6/8</a:t>
+              <a:t>2020/6/13</a:t>
             </a:fld>
             <a:endParaRPr lang="zh-CN" altLang="en-US"/>
           </a:p>
@@ -1443,7 +1441,7 @@
           <a:p>
             <a:fld id="{6A3DF257-FFF4-43D3-A734-023879B918D0}" type="datetime1">
               <a:rPr lang="zh-CN" altLang="en-US" smtClean="0"/>
-              <a:t>2020/6/8</a:t>
+              <a:t>2020/6/13</a:t>
             </a:fld>
             <a:endParaRPr lang="zh-CN" altLang="en-US"/>
           </a:p>
@@ -1676,7 +1674,7 @@
           <a:p>
             <a:fld id="{558E8501-F9B5-4D99-BE36-F931E4F74C2A}" type="datetime1">
               <a:rPr lang="zh-CN" altLang="en-US" smtClean="0"/>
-              <a:t>2020/6/8</a:t>
+              <a:t>2020/6/13</a:t>
             </a:fld>
             <a:endParaRPr lang="zh-CN" altLang="en-US"/>
           </a:p>
@@ -2044,7 +2042,7 @@
           <a:p>
             <a:fld id="{290F56E6-87CB-4499-B353-DB44E8B6FDF1}" type="datetime1">
               <a:rPr lang="zh-CN" altLang="en-US" smtClean="0"/>
-              <a:t>2020/6/8</a:t>
+              <a:t>2020/6/13</a:t>
             </a:fld>
             <a:endParaRPr lang="zh-CN" altLang="en-US"/>
           </a:p>
@@ -2165,7 +2163,7 @@
           <a:p>
             <a:fld id="{3ADCBD56-D48A-4982-A9C5-6E7E68182A52}" type="datetime1">
               <a:rPr lang="zh-CN" altLang="en-US" smtClean="0"/>
-              <a:t>2020/6/8</a:t>
+              <a:t>2020/6/13</a:t>
             </a:fld>
             <a:endParaRPr lang="zh-CN" altLang="en-US"/>
           </a:p>
@@ -2264,7 +2262,7 @@
           <a:p>
             <a:fld id="{BE83D10E-741F-4194-B7A0-87FEF338E493}" type="datetime1">
               <a:rPr lang="zh-CN" altLang="en-US" smtClean="0"/>
-              <a:t>2020/6/8</a:t>
+              <a:t>2020/6/13</a:t>
             </a:fld>
             <a:endParaRPr lang="zh-CN" altLang="en-US"/>
           </a:p>
@@ -2543,7 +2541,7 @@
           <a:p>
             <a:fld id="{3BDB64AC-4CDF-4D37-8EE1-BC1891535049}" type="datetime1">
               <a:rPr lang="zh-CN" altLang="en-US" smtClean="0"/>
-              <a:t>2020/6/8</a:t>
+              <a:t>2020/6/13</a:t>
             </a:fld>
             <a:endParaRPr lang="zh-CN" altLang="en-US"/>
           </a:p>
@@ -2799,7 +2797,7 @@
           <a:p>
             <a:fld id="{A57B5AE3-5035-4FBD-9579-809DCC9BC55E}" type="datetime1">
               <a:rPr lang="zh-CN" altLang="en-US" smtClean="0"/>
-              <a:t>2020/6/8</a:t>
+              <a:t>2020/6/13</a:t>
             </a:fld>
             <a:endParaRPr lang="zh-CN" altLang="en-US"/>
           </a:p>
@@ -3014,7 +3012,7 @@
           <a:p>
             <a:fld id="{9FF488AB-DBA9-432E-8968-8C1072E4CA37}" type="datetime1">
               <a:rPr lang="zh-CN" altLang="en-US" smtClean="0"/>
-              <a:t>2020/6/8</a:t>
+              <a:t>2020/6/13</a:t>
             </a:fld>
             <a:endParaRPr lang="zh-CN" altLang="en-US"/>
           </a:p>
@@ -3600,15 +3598,22 @@
           </a:p>
           <a:p>
             <a:r>
-              <a:rPr lang="zh-CN" altLang="en-US" dirty="0"/>
+              <a:rPr lang="zh-CN" altLang="en-US" strike="sngStrike" dirty="0"/>
               <a:t>前序的莫里斯</a:t>
             </a:r>
+            <a:endParaRPr lang="en-US" altLang="zh-CN" strike="sngStrike" dirty="0"/>
+          </a:p>
+          <a:p>
+            <a:r>
+              <a:rPr lang="zh-CN" altLang="en-US" dirty="0"/>
+              <a:t>中序的栈实现</a:t>
+            </a:r>
             <a:endParaRPr lang="en-US" altLang="zh-CN" dirty="0"/>
           </a:p>
           <a:p>
             <a:r>
               <a:rPr lang="zh-CN" altLang="en-US" dirty="0"/>
-              <a:t>中序的栈实现</a:t>
+              <a:t>层次遍历</a:t>
             </a:r>
           </a:p>
         </p:txBody>
@@ -3684,15 +3689,7 @@
           <a:p>
             <a:r>
               <a:rPr lang="zh-CN" altLang="en-US" dirty="0"/>
-              <a:t>深搜 </a:t>
-            </a:r>
-            <a:r>
-              <a:rPr lang="en-US" altLang="zh-CN" dirty="0"/>
-              <a:t>vs </a:t>
-            </a:r>
-            <a:r>
-              <a:rPr lang="zh-CN" altLang="en-US" dirty="0"/>
-              <a:t>广搜</a:t>
+              <a:t>例题选讲</a:t>
             </a:r>
           </a:p>
         </p:txBody>
@@ -3712,6 +3709,57 @@
           <a:bodyPr/>
           <a:lstStyle/>
           <a:p>
+            <a:r>
+              <a:rPr lang="zh-CN" altLang="en-US" dirty="0">
+                <a:hlinkClick r:id="rId2"/>
+              </a:rPr>
+              <a:t>重建二叉树</a:t>
+            </a:r>
+            <a:endParaRPr lang="en-US" altLang="zh-CN" dirty="0"/>
+          </a:p>
+          <a:p>
+            <a:r>
+              <a:rPr lang="zh-CN" altLang="en-US" dirty="0">
+                <a:hlinkClick r:id="rId3"/>
+              </a:rPr>
+              <a:t>二叉树与双向链表</a:t>
+            </a:r>
+            <a:endParaRPr lang="en-US" altLang="zh-CN" dirty="0"/>
+          </a:p>
+          <a:p>
+            <a:r>
+              <a:rPr lang="zh-CN" altLang="en-US" dirty="0">
+                <a:hlinkClick r:id="rId4"/>
+              </a:rPr>
+              <a:t>二叉搜索树的后序遍历序列</a:t>
+            </a:r>
+            <a:endParaRPr lang="en-US" altLang="zh-CN" dirty="0"/>
+          </a:p>
+          <a:p>
+            <a:r>
+              <a:rPr lang="zh-CN" altLang="en-US">
+                <a:hlinkClick r:id="rId5"/>
+              </a:rPr>
+              <a:t>二</a:t>
+            </a:r>
+            <a:r>
+              <a:rPr lang="zh-CN" altLang="en-US" dirty="0">
+                <a:hlinkClick r:id="rId5"/>
+              </a:rPr>
+              <a:t>叉搜索树的第</a:t>
+            </a:r>
+            <a:r>
+              <a:rPr lang="en-US" altLang="zh-CN" dirty="0">
+                <a:hlinkClick r:id="rId5"/>
+              </a:rPr>
+              <a:t>k</a:t>
+            </a:r>
+            <a:r>
+              <a:rPr lang="zh-CN" altLang="en-US" dirty="0">
+                <a:hlinkClick r:id="rId5"/>
+              </a:rPr>
+              <a:t>个结点</a:t>
+            </a:r>
             <a:endParaRPr lang="zh-CN" altLang="en-US" dirty="0"/>
           </a:p>
         </p:txBody>
@@ -3735,196 +3783,6 @@
               <a:rPr lang="zh-CN" altLang="en-US" smtClean="0"/>
               <a:pPr/>
               <a:t>11</a:t>
-            </a:fld>
-            <a:endParaRPr lang="zh-CN" altLang="en-US"/>
-          </a:p>
-        </p:txBody>
-      </p:sp>
-    </p:spTree>
-    <p:extLst>
-      <p:ext uri="{BB962C8B-B14F-4D97-AF65-F5344CB8AC3E}">
-        <p14:creationId xmlns:p14="http://schemas.microsoft.com/office/powerpoint/2010/main" val="2693354895"/>
-      </p:ext>
-    </p:extLst>
-  </p:cSld>
-  <p:clrMapOvr>
-    <a:masterClrMapping/>
-  </p:clrMapOvr>
-</p:sld>
-</file>
-
-<file path=ppt/slides/slide12.xml><?xml version="1.0" encoding="utf-8"?>
-<p:sld xmlns:a="http://schemas.openxmlformats.org/drawingml/2006/main" xmlns:r="http://schemas.openxmlformats.org/officeDocument/2006/relationships" xmlns:p="http://schemas.openxmlformats.org/presentationml/2006/main">
-  <p:cSld>
-    <p:spTree>
-      <p:nvGrpSpPr>
-        <p:cNvPr id="1" name=""/>
-        <p:cNvGrpSpPr/>
-        <p:nvPr/>
-      </p:nvGrpSpPr>
-      <p:grpSpPr>
-        <a:xfrm>
-          <a:off x="0" y="0"/>
-          <a:ext cx="0" cy="0"/>
-          <a:chOff x="0" y="0"/>
-          <a:chExt cx="0" cy="0"/>
-        </a:xfrm>
-      </p:grpSpPr>
-      <p:sp>
-        <p:nvSpPr>
-          <p:cNvPr id="2" name="标题 1"/>
-          <p:cNvSpPr>
-            <a:spLocks noGrp="1"/>
-          </p:cNvSpPr>
-          <p:nvPr>
-            <p:ph type="title"/>
-          </p:nvPr>
-        </p:nvSpPr>
-        <p:spPr/>
-        <p:txBody>
-          <a:bodyPr/>
-          <a:lstStyle/>
-          <a:p>
-            <a:r>
-              <a:rPr lang="zh-CN" altLang="en-US" dirty="0"/>
-              <a:t>层次遍历</a:t>
-            </a:r>
-          </a:p>
-        </p:txBody>
-      </p:sp>
-      <p:sp>
-        <p:nvSpPr>
-          <p:cNvPr id="3" name="内容占位符 2"/>
-          <p:cNvSpPr>
-            <a:spLocks noGrp="1"/>
-          </p:cNvSpPr>
-          <p:nvPr>
-            <p:ph idx="1"/>
-          </p:nvPr>
-        </p:nvSpPr>
-        <p:spPr/>
-        <p:txBody>
-          <a:bodyPr/>
-          <a:lstStyle/>
-          <a:p>
-            <a:endParaRPr lang="zh-CN" altLang="en-US"/>
-          </a:p>
-        </p:txBody>
-      </p:sp>
-      <p:sp>
-        <p:nvSpPr>
-          <p:cNvPr id="4" name="灯片编号占位符 3"/>
-          <p:cNvSpPr>
-            <a:spLocks noGrp="1"/>
-          </p:cNvSpPr>
-          <p:nvPr>
-            <p:ph type="sldNum" sz="quarter" idx="12"/>
-          </p:nvPr>
-        </p:nvSpPr>
-        <p:spPr/>
-        <p:txBody>
-          <a:bodyPr/>
-          <a:lstStyle/>
-          <a:p>
-            <a:fld id="{928BA987-2BB0-46E7-BF50-A8B14E692858}" type="slidenum">
-              <a:rPr lang="zh-CN" altLang="en-US" smtClean="0"/>
-              <a:pPr/>
-              <a:t>12</a:t>
-            </a:fld>
-            <a:endParaRPr lang="zh-CN" altLang="en-US"/>
-          </a:p>
-        </p:txBody>
-      </p:sp>
-    </p:spTree>
-    <p:extLst>
-      <p:ext uri="{BB962C8B-B14F-4D97-AF65-F5344CB8AC3E}">
-        <p14:creationId xmlns:p14="http://schemas.microsoft.com/office/powerpoint/2010/main" val="2741416123"/>
-      </p:ext>
-    </p:extLst>
-  </p:cSld>
-  <p:clrMapOvr>
-    <a:masterClrMapping/>
-  </p:clrMapOvr>
-</p:sld>
-</file>
-
-<file path=ppt/slides/slide13.xml><?xml version="1.0" encoding="utf-8"?>
-<p:sld xmlns:a="http://schemas.openxmlformats.org/drawingml/2006/main" xmlns:r="http://schemas.openxmlformats.org/officeDocument/2006/relationships" xmlns:p="http://schemas.openxmlformats.org/presentationml/2006/main">
-  <p:cSld>
-    <p:spTree>
-      <p:nvGrpSpPr>
-        <p:cNvPr id="1" name=""/>
-        <p:cNvGrpSpPr/>
-        <p:nvPr/>
-      </p:nvGrpSpPr>
-      <p:grpSpPr>
-        <a:xfrm>
-          <a:off x="0" y="0"/>
-          <a:ext cx="0" cy="0"/>
-          <a:chOff x="0" y="0"/>
-          <a:chExt cx="0" cy="0"/>
-        </a:xfrm>
-      </p:grpSpPr>
-      <p:sp>
-        <p:nvSpPr>
-          <p:cNvPr id="2" name="标题 1"/>
-          <p:cNvSpPr>
-            <a:spLocks noGrp="1"/>
-          </p:cNvSpPr>
-          <p:nvPr>
-            <p:ph type="title"/>
-          </p:nvPr>
-        </p:nvSpPr>
-        <p:spPr/>
-        <p:txBody>
-          <a:bodyPr/>
-          <a:lstStyle/>
-          <a:p>
-            <a:r>
-              <a:rPr lang="zh-CN" altLang="en-US" dirty="0"/>
-              <a:t>例题选讲</a:t>
-            </a:r>
-          </a:p>
-        </p:txBody>
-      </p:sp>
-      <p:sp>
-        <p:nvSpPr>
-          <p:cNvPr id="3" name="内容占位符 2"/>
-          <p:cNvSpPr>
-            <a:spLocks noGrp="1"/>
-          </p:cNvSpPr>
-          <p:nvPr>
-            <p:ph idx="1"/>
-          </p:nvPr>
-        </p:nvSpPr>
-        <p:spPr/>
-        <p:txBody>
-          <a:bodyPr/>
-          <a:lstStyle/>
-          <a:p>
-            <a:endParaRPr lang="zh-CN" altLang="en-US"/>
-          </a:p>
-        </p:txBody>
-      </p:sp>
-      <p:sp>
-        <p:nvSpPr>
-          <p:cNvPr id="4" name="灯片编号占位符 3"/>
-          <p:cNvSpPr>
-            <a:spLocks noGrp="1"/>
-          </p:cNvSpPr>
-          <p:nvPr>
-            <p:ph type="sldNum" sz="quarter" idx="12"/>
-          </p:nvPr>
-        </p:nvSpPr>
-        <p:spPr/>
-        <p:txBody>
-          <a:bodyPr/>
-          <a:lstStyle/>
-          <a:p>
-            <a:fld id="{928BA987-2BB0-46E7-BF50-A8B14E692858}" type="slidenum">
-              <a:rPr lang="zh-CN" altLang="en-US" smtClean="0"/>
-              <a:pPr/>
-              <a:t>13</a:t>
             </a:fld>
             <a:endParaRPr lang="zh-CN" altLang="en-US"/>
           </a:p>
